--- a/Vortrag/SbW.pptx
+++ b/Vortrag/SbW.pptx
@@ -6,29 +6,36 @@
     <p:sldMasterId id="2147483661" r:id="rId2"/>
   </p:sldMasterIdLst>
   <p:notesMasterIdLst>
-    <p:notesMasterId r:id="rId15"/>
+    <p:notesMasterId r:id="rId22"/>
   </p:notesMasterIdLst>
   <p:handoutMasterIdLst>
-    <p:handoutMasterId r:id="rId16"/>
+    <p:handoutMasterId r:id="rId23"/>
   </p:handoutMasterIdLst>
   <p:sldIdLst>
     <p:sldId id="256" r:id="rId3"/>
     <p:sldId id="257" r:id="rId4"/>
-    <p:sldId id="258" r:id="rId5"/>
-    <p:sldId id="259" r:id="rId6"/>
+    <p:sldId id="259" r:id="rId5"/>
+    <p:sldId id="272" r:id="rId6"/>
     <p:sldId id="261" r:id="rId7"/>
     <p:sldId id="262" r:id="rId8"/>
     <p:sldId id="263" r:id="rId9"/>
     <p:sldId id="265" r:id="rId10"/>
-    <p:sldId id="266" r:id="rId11"/>
-    <p:sldId id="264" r:id="rId12"/>
-    <p:sldId id="267" r:id="rId13"/>
-    <p:sldId id="260" r:id="rId14"/>
+    <p:sldId id="273" r:id="rId11"/>
+    <p:sldId id="266" r:id="rId12"/>
+    <p:sldId id="270" r:id="rId13"/>
+    <p:sldId id="274" r:id="rId14"/>
+    <p:sldId id="264" r:id="rId15"/>
+    <p:sldId id="267" r:id="rId16"/>
+    <p:sldId id="275" r:id="rId17"/>
+    <p:sldId id="268" r:id="rId18"/>
+    <p:sldId id="269" r:id="rId19"/>
+    <p:sldId id="276" r:id="rId20"/>
+    <p:sldId id="271" r:id="rId21"/>
   </p:sldIdLst>
   <p:sldSz cx="12192000" cy="6858000"/>
   <p:notesSz cx="6858000" cy="9144000"/>
   <p:custDataLst>
-    <p:tags r:id="rId17"/>
+    <p:tags r:id="rId24"/>
   </p:custDataLst>
   <p:defaultTextStyle>
     <a:defPPr>
@@ -348,7 +355,7 @@
             <a:fld id="{3B1880FF-5A4E-4F25-9CEE-0D75F7C3E5E1}" type="datetimeFigureOut">
               <a:rPr lang="de-DE" smtClean="0"/>
               <a:pPr/>
-              <a:t>18.08.2023</a:t>
+              <a:t>22.08.2023</a:t>
             </a:fld>
             <a:endParaRPr lang="de-DE"/>
           </a:p>
@@ -448,7 +455,7 @@
             <a:fld id="{4D31F1D7-8377-4A76-8F5D-3E76EEE25737}" type="datetimeFigureOut">
               <a:rPr lang="de-DE" smtClean="0"/>
               <a:pPr/>
-              <a:t>18.08.2023</a:t>
+              <a:t>22.08.2023</a:t>
             </a:fld>
             <a:endParaRPr lang="de-DE"/>
           </a:p>
@@ -4916,7 +4923,7 @@
           <a:graphicData uri="http://schemas.openxmlformats.org/presentationml/2006/ole">
             <mc:AlternateContent xmlns:mc="http://schemas.openxmlformats.org/markup-compatibility/2006">
               <mc:Choice xmlns:v="urn:schemas-microsoft-com:vml" Requires="v">
-                <p:oleObj spid="_x0000_s1027" name="think-cell Folie" r:id="rId11" imgW="360" imgH="360" progId="">
+                <p:oleObj spid="_x0000_s1031" name="think-cell Folie" r:id="rId11" imgW="360" imgH="360" progId="">
                   <p:embed/>
                 </p:oleObj>
               </mc:Choice>
@@ -5029,35 +5036,35 @@
           <a:p>
             <a:pPr lvl="0"/>
             <a:r>
-              <a:rPr lang="de-DE" noProof="0"/>
+              <a:rPr lang="de-DE" noProof="0" dirty="0"/>
               <a:t>Textmasterformate durch Klicken bearbeiten</a:t>
             </a:r>
           </a:p>
           <a:p>
             <a:pPr lvl="1"/>
             <a:r>
-              <a:rPr lang="de-DE" noProof="0"/>
+              <a:rPr lang="de-DE" noProof="0" dirty="0"/>
               <a:t>Zweite Ebene</a:t>
             </a:r>
           </a:p>
           <a:p>
             <a:pPr lvl="2"/>
             <a:r>
-              <a:rPr lang="de-DE" noProof="0"/>
+              <a:rPr lang="de-DE" noProof="0" dirty="0"/>
               <a:t>Dritte Ebene</a:t>
             </a:r>
           </a:p>
           <a:p>
             <a:pPr lvl="3"/>
             <a:r>
-              <a:rPr lang="de-DE" noProof="0"/>
+              <a:rPr lang="de-DE" noProof="0" dirty="0"/>
               <a:t>Vierte Ebene</a:t>
             </a:r>
           </a:p>
           <a:p>
             <a:pPr lvl="4"/>
             <a:r>
-              <a:rPr lang="de-DE" noProof="0"/>
+              <a:rPr lang="de-DE" noProof="0" dirty="0"/>
               <a:t>Fünfte Ebene</a:t>
             </a:r>
           </a:p>
@@ -5159,7 +5166,7 @@
               <a:t> </a:t>
             </a:r>
             <a:r>
-              <a:rPr lang="en-US" sz="900" kern="1200" noProof="0" dirty="0">
+              <a:rPr lang="en-US" sz="900" kern="1200" noProof="0" dirty="0" smtClean="0">
                 <a:solidFill>
                   <a:schemeClr val="bg2"/>
                 </a:solidFill>
@@ -5167,10 +5174,10 @@
                 <a:ea typeface="+mn-ea"/>
                 <a:cs typeface="Arial" pitchFamily="34" charset="0"/>
               </a:rPr>
-              <a:t>2022</a:t>
-            </a:r>
-            <a:r>
-              <a:rPr kumimoji="0" lang="en-US" sz="900" b="0" i="0" u="none" strike="noStrike" kern="1200" cap="none" spc="0" normalizeH="0" baseline="0" noProof="0" dirty="0">
+              <a:t>2023</a:t>
+            </a:r>
+            <a:r>
+              <a:rPr kumimoji="0" lang="en-US" sz="900" b="0" i="0" u="none" strike="noStrike" kern="1200" cap="none" spc="0" normalizeH="0" baseline="0" noProof="0" dirty="0" smtClean="0">
                 <a:ln>
                   <a:noFill/>
                 </a:ln>
@@ -5324,15 +5331,22 @@
               <a:defRPr/>
             </a:pPr>
             <a:r>
-              <a:rPr lang="en-US" sz="900" dirty="0">
+              <a:rPr lang="en-US" sz="900" dirty="0" smtClean="0">
                 <a:solidFill>
                   <a:schemeClr val="bg2"/>
                 </a:solidFill>
                 <a:latin typeface="Arial" pitchFamily="34" charset="0"/>
                 <a:cs typeface="Arial" pitchFamily="34" charset="0"/>
               </a:rPr>
-              <a:t>01.01.2022</a:t>
-            </a:r>
+              <a:t>22.08.2023</a:t>
+            </a:r>
+            <a:endParaRPr lang="en-US" sz="900" dirty="0">
+              <a:solidFill>
+                <a:schemeClr val="bg2"/>
+              </a:solidFill>
+              <a:latin typeface="Arial" pitchFamily="34" charset="0"/>
+              <a:cs typeface="Arial" pitchFamily="34" charset="0"/>
+            </a:endParaRPr>
           </a:p>
         </p:txBody>
       </p:sp>
@@ -6739,19 +6753,7 @@
             <a:pPr lvl="0"/>
             <a:r>
               <a:rPr lang="de-DE" dirty="0" smtClean="0"/>
-              <a:t>Aachen, </a:t>
-            </a:r>
-            <a:r>
-              <a:rPr lang="de-DE" dirty="0" err="1"/>
-              <a:t>xy</a:t>
-            </a:r>
-            <a:r>
-              <a:rPr lang="de-DE" dirty="0"/>
-              <a:t>. </a:t>
-            </a:r>
-            <a:r>
-              <a:rPr lang="de-DE" dirty="0" smtClean="0"/>
-              <a:t>August 2023</a:t>
+              <a:t>Aachen, 22. August 2023</a:t>
             </a:r>
             <a:endParaRPr lang="de-DE" dirty="0"/>
           </a:p>
@@ -6775,11 +6777,7 @@
             <a:pPr lvl="0"/>
             <a:r>
               <a:rPr lang="de-DE" dirty="0" smtClean="0"/>
-              <a:t>Gergel</a:t>
-            </a:r>
-            <a:r>
-              <a:rPr lang="de-DE" dirty="0" smtClean="0"/>
-              <a:t>y Bilkei-Gorzo</a:t>
+              <a:t>Gergely Bilkei-Gorzo</a:t>
             </a:r>
             <a:endParaRPr lang="de-DE" dirty="0"/>
           </a:p>
@@ -6807,40 +6805,12 @@
           <a:p>
             <a:r>
               <a:rPr lang="de-DE" dirty="0" err="1" smtClean="0"/>
-              <a:t>Steer</a:t>
-            </a:r>
-            <a:r>
-              <a:rPr lang="de-DE" dirty="0" err="1" smtClean="0"/>
-              <a:t>-by-Wire</a:t>
+              <a:t>Steer-by-Wire</a:t>
             </a:r>
             <a:r>
               <a:rPr lang="de-DE" dirty="0" smtClean="0"/>
               <a:t> Systementwicklung</a:t>
             </a:r>
-            <a:endParaRPr lang="de-DE" dirty="0"/>
-          </a:p>
-        </p:txBody>
-      </p:sp>
-      <p:sp>
-        <p:nvSpPr>
-          <p:cNvPr id="7" name="Titel 6"/>
-          <p:cNvSpPr>
-            <a:spLocks noGrp="1"/>
-          </p:cNvSpPr>
-          <p:nvPr>
-            <p:ph type="ctrTitle"/>
-          </p:nvPr>
-        </p:nvSpPr>
-        <p:spPr>
-          <a:xfrm>
-            <a:off x="334799" y="1447199"/>
-            <a:ext cx="11523600" cy="320601"/>
-          </a:xfrm>
-        </p:spPr>
-        <p:txBody>
-          <a:bodyPr/>
-          <a:lstStyle/>
-          <a:p>
             <a:endParaRPr lang="de-DE" dirty="0"/>
           </a:p>
         </p:txBody>
@@ -6861,10 +6831,17 @@
           <a:lstStyle/>
           <a:p>
             <a:r>
-              <a:rPr lang="de-DE"/>
-              <a:t>Institute for Automotive Engineering (ika)</a:t>
-            </a:r>
-            <a:endParaRPr lang="de-DE" dirty="0"/>
+              <a:rPr lang="de-DE" dirty="0"/>
+              <a:t>Institute </a:t>
+            </a:r>
+            <a:r>
+              <a:rPr lang="de-DE" dirty="0" err="1"/>
+              <a:t>for</a:t>
+            </a:r>
+            <a:r>
+              <a:rPr lang="de-DE" dirty="0"/>
+              <a:t> Automotive Engineering (ika)</a:t>
+            </a:r>
           </a:p>
         </p:txBody>
       </p:sp>
@@ -6873,10 +6850,3134 @@
   <p:clrMapOvr>
     <a:masterClrMapping/>
   </p:clrMapOvr>
+  <p:timing>
+    <p:tnLst>
+      <p:par>
+        <p:cTn id="1" dur="indefinite" restart="never" nodeType="tmRoot"/>
+      </p:par>
+    </p:tnLst>
+  </p:timing>
 </p:sld>
 </file>
 
 <file path=ppt/slides/slide10.xml><?xml version="1.0" encoding="utf-8"?>
+<p:sld xmlns:a="http://schemas.openxmlformats.org/drawingml/2006/main" xmlns:r="http://schemas.openxmlformats.org/officeDocument/2006/relationships" xmlns:p="http://schemas.openxmlformats.org/presentationml/2006/main">
+  <p:cSld>
+    <p:spTree>
+      <p:nvGrpSpPr>
+        <p:cNvPr id="1" name=""/>
+        <p:cNvGrpSpPr/>
+        <p:nvPr/>
+      </p:nvGrpSpPr>
+      <p:grpSpPr>
+        <a:xfrm>
+          <a:off x="0" y="0"/>
+          <a:ext cx="0" cy="0"/>
+          <a:chOff x="0" y="0"/>
+          <a:chExt cx="0" cy="0"/>
+        </a:xfrm>
+      </p:grpSpPr>
+      <p:sp>
+        <p:nvSpPr>
+          <p:cNvPr id="2" name="Titel 1"/>
+          <p:cNvSpPr>
+            <a:spLocks noGrp="1"/>
+          </p:cNvSpPr>
+          <p:nvPr>
+            <p:ph type="title"/>
+          </p:nvPr>
+        </p:nvSpPr>
+        <p:spPr/>
+        <p:txBody>
+          <a:bodyPr/>
+          <a:lstStyle/>
+          <a:p>
+            <a:r>
+              <a:rPr lang="de-DE" dirty="0" smtClean="0"/>
+              <a:t>Software</a:t>
+            </a:r>
+            <a:endParaRPr lang="de-DE" dirty="0"/>
+          </a:p>
+        </p:txBody>
+      </p:sp>
+      <p:sp>
+        <p:nvSpPr>
+          <p:cNvPr id="3" name="Inhaltsplatzhalter 2"/>
+          <p:cNvSpPr>
+            <a:spLocks noGrp="1"/>
+          </p:cNvSpPr>
+          <p:nvPr>
+            <p:ph sz="half" idx="1"/>
+          </p:nvPr>
+        </p:nvSpPr>
+        <p:spPr/>
+        <p:txBody>
+          <a:bodyPr>
+            <a:normAutofit lnSpcReduction="10000"/>
+          </a:bodyPr>
+          <a:lstStyle/>
+          <a:p>
+            <a:r>
+              <a:rPr lang="de-DE" dirty="0" smtClean="0"/>
+              <a:t>Kern 1:</a:t>
+            </a:r>
+          </a:p>
+          <a:p>
+            <a:pPr lvl="1"/>
+            <a:r>
+              <a:rPr lang="de-DE" dirty="0" err="1" smtClean="0"/>
+              <a:t>Inverterlogik</a:t>
+            </a:r>
+            <a:r>
+              <a:rPr lang="de-DE" dirty="0" smtClean="0"/>
+              <a:t>:</a:t>
+            </a:r>
+          </a:p>
+          <a:p>
+            <a:pPr lvl="2"/>
+            <a:r>
+              <a:rPr lang="de-DE" dirty="0" smtClean="0"/>
+              <a:t>Motor Regelungsmodell</a:t>
+            </a:r>
+          </a:p>
+          <a:p>
+            <a:pPr lvl="3"/>
+            <a:r>
+              <a:rPr lang="de-DE" dirty="0" smtClean="0"/>
+              <a:t>Aus Simulink generiert</a:t>
+            </a:r>
+          </a:p>
+          <a:p>
+            <a:pPr lvl="3"/>
+            <a:r>
+              <a:rPr lang="de-DE" dirty="0" smtClean="0"/>
+              <a:t>Feldorientierte Regelung</a:t>
+            </a:r>
+          </a:p>
+          <a:p>
+            <a:pPr lvl="3"/>
+            <a:r>
+              <a:rPr lang="de-DE" dirty="0" smtClean="0"/>
+              <a:t>Ausführungsfrequenz 20 kHz</a:t>
+            </a:r>
+          </a:p>
+          <a:p>
+            <a:pPr lvl="2"/>
+            <a:r>
+              <a:rPr lang="de-DE" dirty="0" smtClean="0"/>
+              <a:t>Konfiguration und Update des PWM Moduls</a:t>
+            </a:r>
+          </a:p>
+          <a:p>
+            <a:pPr lvl="2"/>
+            <a:r>
+              <a:rPr lang="de-DE" dirty="0" smtClean="0"/>
+              <a:t>Auslesen von Strom und Positionssensoren für den Motor</a:t>
+            </a:r>
+          </a:p>
+          <a:p>
+            <a:pPr lvl="2"/>
+            <a:r>
+              <a:rPr lang="de-DE" dirty="0" err="1" smtClean="0"/>
+              <a:t>Aufstartlogik</a:t>
+            </a:r>
+            <a:r>
+              <a:rPr lang="de-DE" dirty="0" smtClean="0"/>
+              <a:t> für Inverter:</a:t>
+            </a:r>
+          </a:p>
+          <a:p>
+            <a:pPr lvl="3"/>
+            <a:r>
+              <a:rPr lang="de-DE" dirty="0" smtClean="0"/>
+              <a:t>Initialisierung vom Gate Treiber, PWM Modul, ADC.</a:t>
+            </a:r>
+          </a:p>
+          <a:p>
+            <a:pPr lvl="3"/>
+            <a:r>
+              <a:rPr lang="de-DE" dirty="0" smtClean="0"/>
+              <a:t>Z-Puls Suche beim Inverter</a:t>
+            </a:r>
+          </a:p>
+          <a:p>
+            <a:pPr lvl="3"/>
+            <a:r>
+              <a:rPr lang="de-DE" dirty="0" err="1" smtClean="0"/>
+              <a:t>Absolutpositionsbestimmung</a:t>
+            </a:r>
+            <a:r>
+              <a:rPr lang="de-DE" dirty="0" smtClean="0"/>
+              <a:t> mit </a:t>
+            </a:r>
+            <a:r>
+              <a:rPr lang="de-DE" dirty="0" err="1" smtClean="0"/>
+              <a:t>Absolutwinkelsensor</a:t>
+            </a:r>
+            <a:endParaRPr lang="de-DE" dirty="0" smtClean="0"/>
+          </a:p>
+        </p:txBody>
+      </p:sp>
+      <p:sp>
+        <p:nvSpPr>
+          <p:cNvPr id="4" name="Inhaltsplatzhalter 3"/>
+          <p:cNvSpPr>
+            <a:spLocks noGrp="1"/>
+          </p:cNvSpPr>
+          <p:nvPr>
+            <p:ph sz="half" idx="2"/>
+          </p:nvPr>
+        </p:nvSpPr>
+        <p:spPr/>
+        <p:txBody>
+          <a:bodyPr>
+            <a:normAutofit lnSpcReduction="10000"/>
+          </a:bodyPr>
+          <a:lstStyle/>
+          <a:p>
+            <a:r>
+              <a:rPr lang="de-DE" dirty="0" smtClean="0"/>
+              <a:t>Kern 2: </a:t>
+            </a:r>
+          </a:p>
+          <a:p>
+            <a:pPr lvl="1"/>
+            <a:r>
+              <a:rPr lang="de-DE" dirty="0" smtClean="0"/>
+              <a:t>Gerätelogik:</a:t>
+            </a:r>
+          </a:p>
+          <a:p>
+            <a:pPr lvl="2"/>
+            <a:r>
+              <a:rPr lang="de-DE" dirty="0" err="1" smtClean="0"/>
+              <a:t>Aufstartlogik</a:t>
+            </a:r>
+            <a:r>
+              <a:rPr lang="de-DE" dirty="0" smtClean="0"/>
+              <a:t> für das Steuergerät</a:t>
+            </a:r>
+          </a:p>
+          <a:p>
+            <a:pPr lvl="2"/>
+            <a:r>
+              <a:rPr lang="de-DE" dirty="0" smtClean="0"/>
+              <a:t>Kommunikation (CAN)</a:t>
+            </a:r>
+          </a:p>
+          <a:p>
+            <a:pPr lvl="2"/>
+            <a:r>
+              <a:rPr lang="de-DE" dirty="0" smtClean="0"/>
+              <a:t>Lenkmodell ausführen</a:t>
+            </a:r>
+          </a:p>
+          <a:p>
+            <a:pPr lvl="2"/>
+            <a:r>
+              <a:rPr lang="de-DE" dirty="0" smtClean="0"/>
+              <a:t>Nicht Motorregelung relevante Sensoren auslesen (z.B. Drehmomentsensor)</a:t>
+            </a:r>
+          </a:p>
+          <a:p>
+            <a:pPr lvl="2"/>
+            <a:endParaRPr lang="de-DE" dirty="0"/>
+          </a:p>
+          <a:p>
+            <a:pPr lvl="1"/>
+            <a:r>
+              <a:rPr lang="de-DE" dirty="0" smtClean="0"/>
+              <a:t>Kern 3:</a:t>
+            </a:r>
+          </a:p>
+          <a:p>
+            <a:pPr lvl="2"/>
+            <a:r>
+              <a:rPr lang="de-DE" dirty="0" err="1" smtClean="0"/>
+              <a:t>Safety</a:t>
+            </a:r>
+            <a:r>
+              <a:rPr lang="de-DE" dirty="0" smtClean="0"/>
+              <a:t> Dienste </a:t>
+            </a:r>
+          </a:p>
+          <a:p>
+            <a:pPr lvl="2"/>
+            <a:r>
+              <a:rPr lang="de-DE" dirty="0" smtClean="0"/>
+              <a:t>Kommunikation zwischen beide </a:t>
+            </a:r>
+            <a:r>
+              <a:rPr lang="de-DE" dirty="0" err="1" smtClean="0"/>
+              <a:t>Logic</a:t>
+            </a:r>
+            <a:r>
+              <a:rPr lang="de-DE" dirty="0" smtClean="0"/>
+              <a:t> Platinen (HSSL) mit 20 kHz</a:t>
+            </a:r>
+          </a:p>
+          <a:p>
+            <a:pPr lvl="2"/>
+            <a:endParaRPr lang="de-DE" dirty="0"/>
+          </a:p>
+        </p:txBody>
+      </p:sp>
+      <p:sp>
+        <p:nvSpPr>
+          <p:cNvPr id="5" name="Titel 1"/>
+          <p:cNvSpPr txBox="1">
+            <a:spLocks/>
+          </p:cNvSpPr>
+          <p:nvPr/>
+        </p:nvSpPr>
+        <p:spPr>
+          <a:xfrm>
+            <a:off x="551384" y="549824"/>
+            <a:ext cx="8784000" cy="576000"/>
+          </a:xfrm>
+          <a:prstGeom prst="rect">
+            <a:avLst/>
+          </a:prstGeom>
+        </p:spPr>
+        <p:txBody>
+          <a:bodyPr vert="horz" lIns="0" tIns="0" rIns="0" bIns="0" rtlCol="0" anchor="b" anchorCtr="0">
+            <a:noAutofit/>
+          </a:bodyPr>
+          <a:lstStyle>
+            <a:lvl1pPr algn="l" defTabSz="914400" rtl="0" eaLnBrk="1" latinLnBrk="0" hangingPunct="1">
+              <a:lnSpc>
+                <a:spcPts val="2500"/>
+              </a:lnSpc>
+              <a:spcBef>
+                <a:spcPct val="0"/>
+              </a:spcBef>
+              <a:buNone/>
+              <a:defRPr sz="2200" b="1" kern="1200">
+                <a:solidFill>
+                  <a:schemeClr val="tx1"/>
+                </a:solidFill>
+                <a:latin typeface="Arial" pitchFamily="34" charset="0"/>
+                <a:ea typeface="+mj-ea"/>
+                <a:cs typeface="Arial" pitchFamily="34" charset="0"/>
+              </a:defRPr>
+            </a:lvl1pPr>
+          </a:lstStyle>
+          <a:p>
+            <a:r>
+              <a:rPr lang="de-DE" sz="1800" dirty="0" smtClean="0"/>
+              <a:t>Prozessaufteilung:</a:t>
+            </a:r>
+            <a:endParaRPr lang="de-DE" sz="1800" dirty="0"/>
+          </a:p>
+        </p:txBody>
+      </p:sp>
+    </p:spTree>
+    <p:extLst>
+      <p:ext uri="{BB962C8B-B14F-4D97-AF65-F5344CB8AC3E}">
+        <p14:creationId xmlns:p14="http://schemas.microsoft.com/office/powerpoint/2010/main" val="1262935667"/>
+      </p:ext>
+    </p:extLst>
+  </p:cSld>
+  <p:clrMapOvr>
+    <a:masterClrMapping/>
+  </p:clrMapOvr>
+  <p:timing>
+    <p:tnLst>
+      <p:par>
+        <p:cTn id="1" dur="indefinite" restart="never" nodeType="tmRoot"/>
+      </p:par>
+    </p:tnLst>
+  </p:timing>
+</p:sld>
+</file>
+
+<file path=ppt/slides/slide11.xml><?xml version="1.0" encoding="utf-8"?>
+<p:sld xmlns:a="http://schemas.openxmlformats.org/drawingml/2006/main" xmlns:r="http://schemas.openxmlformats.org/officeDocument/2006/relationships" xmlns:p="http://schemas.openxmlformats.org/presentationml/2006/main">
+  <p:cSld>
+    <p:spTree>
+      <p:nvGrpSpPr>
+        <p:cNvPr id="1" name=""/>
+        <p:cNvGrpSpPr/>
+        <p:nvPr/>
+      </p:nvGrpSpPr>
+      <p:grpSpPr>
+        <a:xfrm>
+          <a:off x="0" y="0"/>
+          <a:ext cx="0" cy="0"/>
+          <a:chOff x="0" y="0"/>
+          <a:chExt cx="0" cy="0"/>
+        </a:xfrm>
+      </p:grpSpPr>
+      <p:sp>
+        <p:nvSpPr>
+          <p:cNvPr id="2" name="Titel 1"/>
+          <p:cNvSpPr>
+            <a:spLocks noGrp="1"/>
+          </p:cNvSpPr>
+          <p:nvPr>
+            <p:ph type="title"/>
+          </p:nvPr>
+        </p:nvSpPr>
+        <p:spPr/>
+        <p:txBody>
+          <a:bodyPr/>
+          <a:lstStyle/>
+          <a:p>
+            <a:r>
+              <a:rPr lang="de-DE" dirty="0" smtClean="0"/>
+              <a:t>Software</a:t>
+            </a:r>
+            <a:endParaRPr lang="de-DE" dirty="0"/>
+          </a:p>
+        </p:txBody>
+      </p:sp>
+      <p:sp>
+        <p:nvSpPr>
+          <p:cNvPr id="5" name="Titel 1"/>
+          <p:cNvSpPr txBox="1">
+            <a:spLocks/>
+          </p:cNvSpPr>
+          <p:nvPr/>
+        </p:nvSpPr>
+        <p:spPr>
+          <a:xfrm>
+            <a:off x="551384" y="549824"/>
+            <a:ext cx="8784000" cy="576000"/>
+          </a:xfrm>
+          <a:prstGeom prst="rect">
+            <a:avLst/>
+          </a:prstGeom>
+        </p:spPr>
+        <p:txBody>
+          <a:bodyPr vert="horz" lIns="0" tIns="0" rIns="0" bIns="0" rtlCol="0" anchor="b" anchorCtr="0">
+            <a:noAutofit/>
+          </a:bodyPr>
+          <a:lstStyle>
+            <a:lvl1pPr algn="l" defTabSz="914400" rtl="0" eaLnBrk="1" latinLnBrk="0" hangingPunct="1">
+              <a:lnSpc>
+                <a:spcPts val="2500"/>
+              </a:lnSpc>
+              <a:spcBef>
+                <a:spcPct val="0"/>
+              </a:spcBef>
+              <a:buNone/>
+              <a:defRPr sz="2200" b="1" kern="1200">
+                <a:solidFill>
+                  <a:schemeClr val="tx1"/>
+                </a:solidFill>
+                <a:latin typeface="Arial" pitchFamily="34" charset="0"/>
+                <a:ea typeface="+mj-ea"/>
+                <a:cs typeface="Arial" pitchFamily="34" charset="0"/>
+              </a:defRPr>
+            </a:lvl1pPr>
+          </a:lstStyle>
+          <a:p>
+            <a:r>
+              <a:rPr lang="de-DE" sz="1800" dirty="0" err="1" smtClean="0"/>
+              <a:t>Lenkalgorythmen</a:t>
+            </a:r>
+            <a:r>
+              <a:rPr lang="de-DE" sz="1800" dirty="0" smtClean="0"/>
+              <a:t>:</a:t>
+            </a:r>
+            <a:endParaRPr lang="de-DE" sz="1800" dirty="0"/>
+          </a:p>
+        </p:txBody>
+      </p:sp>
+      <p:grpSp>
+        <p:nvGrpSpPr>
+          <p:cNvPr id="111" name="Gruppieren 110"/>
+          <p:cNvGrpSpPr/>
+          <p:nvPr/>
+        </p:nvGrpSpPr>
+        <p:grpSpPr>
+          <a:xfrm>
+            <a:off x="359113" y="2967161"/>
+            <a:ext cx="5489981" cy="3391780"/>
+            <a:chOff x="208452" y="1743029"/>
+            <a:chExt cx="5489981" cy="3391780"/>
+          </a:xfrm>
+        </p:grpSpPr>
+        <p:grpSp>
+          <p:nvGrpSpPr>
+            <p:cNvPr id="74" name="Gruppieren 73"/>
+            <p:cNvGrpSpPr/>
+            <p:nvPr/>
+          </p:nvGrpSpPr>
+          <p:grpSpPr>
+            <a:xfrm>
+              <a:off x="208452" y="1743029"/>
+              <a:ext cx="5489981" cy="3391780"/>
+              <a:chOff x="208452" y="1260403"/>
+              <a:chExt cx="6103572" cy="3874406"/>
+            </a:xfrm>
+          </p:grpSpPr>
+          <p:sp>
+            <p:nvSpPr>
+              <p:cNvPr id="14" name="Rechteck 13">
+                <a:extLst>
+                  <a:ext uri="{FF2B5EF4-FFF2-40B4-BE49-F238E27FC236}">
+                    <a16:creationId xmlns:a16="http://schemas.microsoft.com/office/drawing/2014/main" id="{B39B32B6-0070-A7AA-8909-8C72CF017FB2}"/>
+                  </a:ext>
+                </a:extLst>
+              </p:cNvPr>
+              <p:cNvSpPr/>
+              <p:nvPr/>
+            </p:nvSpPr>
+            <p:spPr>
+              <a:xfrm>
+                <a:off x="4727848" y="2410001"/>
+                <a:ext cx="1584176" cy="648072"/>
+              </a:xfrm>
+              <a:prstGeom prst="rect">
+                <a:avLst/>
+              </a:prstGeom>
+              <a:solidFill>
+                <a:schemeClr val="accent1">
+                  <a:lumMod val="60000"/>
+                  <a:lumOff val="40000"/>
+                </a:schemeClr>
+              </a:solidFill>
+              <a:ln>
+                <a:noFill/>
+              </a:ln>
+            </p:spPr>
+            <p:style>
+              <a:lnRef idx="2">
+                <a:schemeClr val="accent1">
+                  <a:shade val="50000"/>
+                </a:schemeClr>
+              </a:lnRef>
+              <a:fillRef idx="1">
+                <a:schemeClr val="accent1"/>
+              </a:fillRef>
+              <a:effectRef idx="0">
+                <a:schemeClr val="accent1"/>
+              </a:effectRef>
+              <a:fontRef idx="minor">
+                <a:schemeClr val="lt1"/>
+              </a:fontRef>
+            </p:style>
+            <p:txBody>
+              <a:bodyPr rtlCol="0" anchor="ctr"/>
+              <a:lstStyle/>
+              <a:p>
+                <a:pPr algn="ctr"/>
+                <a:r>
+                  <a:rPr lang="de-DE" sz="1400" dirty="0"/>
+                  <a:t>Lenkgetriebe</a:t>
+                </a:r>
+              </a:p>
+              <a:p>
+                <a:pPr algn="ctr"/>
+                <a:r>
+                  <a:rPr lang="de-DE" sz="1400" dirty="0"/>
+                  <a:t>(~1:10)</a:t>
+                </a:r>
+              </a:p>
+            </p:txBody>
+          </p:sp>
+          <p:cxnSp>
+            <p:nvCxnSpPr>
+              <p:cNvPr id="15" name="Gerader Verbinder 14">
+                <a:extLst>
+                  <a:ext uri="{FF2B5EF4-FFF2-40B4-BE49-F238E27FC236}">
+                    <a16:creationId xmlns:a16="http://schemas.microsoft.com/office/drawing/2014/main" id="{377793E8-DD7B-B563-05A5-7B71EEF4E21A}"/>
+                  </a:ext>
+                </a:extLst>
+              </p:cNvPr>
+              <p:cNvCxnSpPr>
+                <a:cxnSpLocks/>
+                <a:stCxn id="14" idx="0"/>
+              </p:cNvCxnSpPr>
+              <p:nvPr/>
+            </p:nvCxnSpPr>
+            <p:spPr>
+              <a:xfrm flipV="1">
+                <a:off x="5519936" y="1473897"/>
+                <a:ext cx="0" cy="936104"/>
+              </a:xfrm>
+              <a:prstGeom prst="line">
+                <a:avLst/>
+              </a:prstGeom>
+              <a:ln w="38100">
+                <a:solidFill>
+                  <a:schemeClr val="accent1">
+                    <a:lumMod val="75000"/>
+                  </a:schemeClr>
+                </a:solidFill>
+              </a:ln>
+            </p:spPr>
+            <p:style>
+              <a:lnRef idx="1">
+                <a:schemeClr val="accent1"/>
+              </a:lnRef>
+              <a:fillRef idx="0">
+                <a:schemeClr val="accent1"/>
+              </a:fillRef>
+              <a:effectRef idx="0">
+                <a:schemeClr val="accent1"/>
+              </a:effectRef>
+              <a:fontRef idx="minor">
+                <a:schemeClr val="tx1"/>
+              </a:fontRef>
+            </p:style>
+          </p:cxnSp>
+          <p:cxnSp>
+            <p:nvCxnSpPr>
+              <p:cNvPr id="16" name="Gerader Verbinder 15">
+                <a:extLst>
+                  <a:ext uri="{FF2B5EF4-FFF2-40B4-BE49-F238E27FC236}">
+                    <a16:creationId xmlns:a16="http://schemas.microsoft.com/office/drawing/2014/main" id="{70D5D09B-C9B7-98B3-8396-8AEF6EB2C207}"/>
+                  </a:ext>
+                </a:extLst>
+              </p:cNvPr>
+              <p:cNvCxnSpPr>
+                <a:cxnSpLocks/>
+                <a:endCxn id="14" idx="2"/>
+              </p:cNvCxnSpPr>
+              <p:nvPr/>
+            </p:nvCxnSpPr>
+            <p:spPr>
+              <a:xfrm flipV="1">
+                <a:off x="5519936" y="3058073"/>
+                <a:ext cx="0" cy="936104"/>
+              </a:xfrm>
+              <a:prstGeom prst="line">
+                <a:avLst/>
+              </a:prstGeom>
+              <a:ln w="38100">
+                <a:solidFill>
+                  <a:schemeClr val="accent1">
+                    <a:lumMod val="75000"/>
+                  </a:schemeClr>
+                </a:solidFill>
+              </a:ln>
+            </p:spPr>
+            <p:style>
+              <a:lnRef idx="1">
+                <a:schemeClr val="accent1"/>
+              </a:lnRef>
+              <a:fillRef idx="0">
+                <a:schemeClr val="accent1"/>
+              </a:fillRef>
+              <a:effectRef idx="0">
+                <a:schemeClr val="accent1"/>
+              </a:effectRef>
+              <a:fontRef idx="minor">
+                <a:schemeClr val="tx1"/>
+              </a:fontRef>
+            </p:style>
+          </p:cxnSp>
+          <p:sp>
+            <p:nvSpPr>
+              <p:cNvPr id="18" name="Rechteck: abgerundete Ecken 28">
+                <a:extLst>
+                  <a:ext uri="{FF2B5EF4-FFF2-40B4-BE49-F238E27FC236}">
+                    <a16:creationId xmlns:a16="http://schemas.microsoft.com/office/drawing/2014/main" id="{993624B1-FDE8-FB52-1251-B3FB89943C39}"/>
+                  </a:ext>
+                </a:extLst>
+              </p:cNvPr>
+              <p:cNvSpPr/>
+              <p:nvPr/>
+            </p:nvSpPr>
+            <p:spPr>
+              <a:xfrm rot="1976257">
+                <a:off x="4842836" y="3980554"/>
+                <a:ext cx="1167119" cy="238249"/>
+              </a:xfrm>
+              <a:prstGeom prst="roundRect">
+                <a:avLst/>
+              </a:prstGeom>
+              <a:ln w="38100">
+                <a:solidFill>
+                  <a:schemeClr val="accent1">
+                    <a:lumMod val="75000"/>
+                  </a:schemeClr>
+                </a:solidFill>
+              </a:ln>
+            </p:spPr>
+            <p:style>
+              <a:lnRef idx="1">
+                <a:schemeClr val="accent1"/>
+              </a:lnRef>
+              <a:fillRef idx="0">
+                <a:schemeClr val="accent1"/>
+              </a:fillRef>
+              <a:effectRef idx="0">
+                <a:schemeClr val="accent1"/>
+              </a:effectRef>
+              <a:fontRef idx="minor">
+                <a:schemeClr val="tx1"/>
+              </a:fontRef>
+            </p:style>
+            <p:txBody>
+              <a:bodyPr rtlCol="0" anchor="ctr"/>
+              <a:lstStyle/>
+              <a:p>
+                <a:pPr algn="ctr"/>
+                <a:endParaRPr lang="de-DE"/>
+              </a:p>
+            </p:txBody>
+          </p:sp>
+          <p:grpSp>
+            <p:nvGrpSpPr>
+              <p:cNvPr id="73" name="Gruppieren 72"/>
+              <p:cNvGrpSpPr/>
+              <p:nvPr/>
+            </p:nvGrpSpPr>
+            <p:grpSpPr>
+              <a:xfrm>
+                <a:off x="208452" y="1260403"/>
+                <a:ext cx="5975285" cy="3874406"/>
+                <a:chOff x="208452" y="1260403"/>
+                <a:chExt cx="5975285" cy="3874406"/>
+              </a:xfrm>
+            </p:grpSpPr>
+            <p:grpSp>
+              <p:nvGrpSpPr>
+                <p:cNvPr id="43" name="Gruppieren 42"/>
+                <p:cNvGrpSpPr/>
+                <p:nvPr/>
+              </p:nvGrpSpPr>
+              <p:grpSpPr>
+                <a:xfrm>
+                  <a:off x="208452" y="1260403"/>
+                  <a:ext cx="5975285" cy="3874406"/>
+                  <a:chOff x="208452" y="1260403"/>
+                  <a:chExt cx="5975285" cy="3874406"/>
+                </a:xfrm>
+              </p:grpSpPr>
+              <p:grpSp>
+                <p:nvGrpSpPr>
+                  <p:cNvPr id="9" name="Gruppieren 8"/>
+                  <p:cNvGrpSpPr/>
+                  <p:nvPr/>
+                </p:nvGrpSpPr>
+                <p:grpSpPr>
+                  <a:xfrm>
+                    <a:off x="208452" y="2465337"/>
+                    <a:ext cx="582649" cy="550099"/>
+                    <a:chOff x="208452" y="2507974"/>
+                    <a:chExt cx="582649" cy="550099"/>
+                  </a:xfrm>
+                </p:grpSpPr>
+                <p:sp>
+                  <p:nvSpPr>
+                    <p:cNvPr id="6" name="Rechteck 5">
+                      <a:extLst>
+                        <a:ext uri="{FF2B5EF4-FFF2-40B4-BE49-F238E27FC236}">
+                          <a16:creationId xmlns:a16="http://schemas.microsoft.com/office/drawing/2014/main" id="{23691C0E-7A96-C416-742E-4C851BD8CA47}"/>
+                        </a:ext>
+                      </a:extLst>
+                    </p:cNvPr>
+                    <p:cNvSpPr/>
+                    <p:nvPr/>
+                  </p:nvSpPr>
+                  <p:spPr>
+                    <a:xfrm>
+                      <a:off x="420065" y="2862496"/>
+                      <a:ext cx="142401" cy="174941"/>
+                    </a:xfrm>
+                    <a:prstGeom prst="rect">
+                      <a:avLst/>
+                    </a:prstGeom>
+                    <a:solidFill>
+                      <a:schemeClr val="accent5">
+                        <a:lumMod val="60000"/>
+                        <a:lumOff val="40000"/>
+                      </a:schemeClr>
+                    </a:solidFill>
+                    <a:ln>
+                      <a:solidFill>
+                        <a:schemeClr val="accent5">
+                          <a:lumMod val="60000"/>
+                          <a:lumOff val="40000"/>
+                        </a:schemeClr>
+                      </a:solidFill>
+                    </a:ln>
+                  </p:spPr>
+                  <p:style>
+                    <a:lnRef idx="2">
+                      <a:schemeClr val="accent1">
+                        <a:shade val="50000"/>
+                      </a:schemeClr>
+                    </a:lnRef>
+                    <a:fillRef idx="1">
+                      <a:schemeClr val="accent1"/>
+                    </a:fillRef>
+                    <a:effectRef idx="0">
+                      <a:schemeClr val="accent1"/>
+                    </a:effectRef>
+                    <a:fontRef idx="minor">
+                      <a:schemeClr val="lt1"/>
+                    </a:fontRef>
+                  </p:style>
+                  <p:txBody>
+                    <a:bodyPr rtlCol="0" anchor="ctr"/>
+                    <a:lstStyle/>
+                    <a:p>
+                      <a:pPr algn="ctr"/>
+                      <a:endParaRPr lang="de-DE"/>
+                    </a:p>
+                  </p:txBody>
+                </p:sp>
+                <p:sp>
+                  <p:nvSpPr>
+                    <p:cNvPr id="7" name="Ellipse 6">
+                      <a:extLst>
+                        <a:ext uri="{FF2B5EF4-FFF2-40B4-BE49-F238E27FC236}">
+                          <a16:creationId xmlns:a16="http://schemas.microsoft.com/office/drawing/2014/main" id="{75A3410A-313C-8E3B-5E8B-6EA9574E2AB4}"/>
+                        </a:ext>
+                      </a:extLst>
+                    </p:cNvPr>
+                    <p:cNvSpPr/>
+                    <p:nvPr/>
+                  </p:nvSpPr>
+                  <p:spPr>
+                    <a:xfrm>
+                      <a:off x="215687" y="2507974"/>
+                      <a:ext cx="575414" cy="550099"/>
+                    </a:xfrm>
+                    <a:prstGeom prst="ellipse">
+                      <a:avLst/>
+                    </a:prstGeom>
+                    <a:noFill/>
+                    <a:ln w="76200">
+                      <a:solidFill>
+                        <a:schemeClr val="accent5">
+                          <a:lumMod val="60000"/>
+                          <a:lumOff val="40000"/>
+                        </a:schemeClr>
+                      </a:solidFill>
+                    </a:ln>
+                  </p:spPr>
+                  <p:style>
+                    <a:lnRef idx="2">
+                      <a:schemeClr val="accent1">
+                        <a:shade val="50000"/>
+                      </a:schemeClr>
+                    </a:lnRef>
+                    <a:fillRef idx="1">
+                      <a:schemeClr val="accent1"/>
+                    </a:fillRef>
+                    <a:effectRef idx="0">
+                      <a:schemeClr val="accent1"/>
+                    </a:effectRef>
+                    <a:fontRef idx="minor">
+                      <a:schemeClr val="lt1"/>
+                    </a:fontRef>
+                  </p:style>
+                  <p:txBody>
+                    <a:bodyPr rtlCol="0" anchor="ctr"/>
+                    <a:lstStyle/>
+                    <a:p>
+                      <a:pPr algn="ctr"/>
+                      <a:endParaRPr lang="de-DE"/>
+                    </a:p>
+                  </p:txBody>
+                </p:sp>
+                <p:sp>
+                  <p:nvSpPr>
+                    <p:cNvPr id="8" name="Rechteck 7">
+                      <a:extLst>
+                        <a:ext uri="{FF2B5EF4-FFF2-40B4-BE49-F238E27FC236}">
+                          <a16:creationId xmlns:a16="http://schemas.microsoft.com/office/drawing/2014/main" id="{EAD96183-B5A0-88DD-F7B7-BF41DE995B42}"/>
+                        </a:ext>
+                      </a:extLst>
+                    </p:cNvPr>
+                    <p:cNvSpPr/>
+                    <p:nvPr/>
+                  </p:nvSpPr>
+                  <p:spPr>
+                    <a:xfrm>
+                      <a:off x="208452" y="2701358"/>
+                      <a:ext cx="556446" cy="166202"/>
+                    </a:xfrm>
+                    <a:prstGeom prst="rect">
+                      <a:avLst/>
+                    </a:prstGeom>
+                    <a:solidFill>
+                      <a:schemeClr val="accent5">
+                        <a:lumMod val="60000"/>
+                        <a:lumOff val="40000"/>
+                      </a:schemeClr>
+                    </a:solidFill>
+                    <a:ln>
+                      <a:solidFill>
+                        <a:schemeClr val="accent5">
+                          <a:lumMod val="60000"/>
+                          <a:lumOff val="40000"/>
+                        </a:schemeClr>
+                      </a:solidFill>
+                    </a:ln>
+                  </p:spPr>
+                  <p:style>
+                    <a:lnRef idx="2">
+                      <a:schemeClr val="accent1">
+                        <a:shade val="50000"/>
+                      </a:schemeClr>
+                    </a:lnRef>
+                    <a:fillRef idx="1">
+                      <a:schemeClr val="accent1"/>
+                    </a:fillRef>
+                    <a:effectRef idx="0">
+                      <a:schemeClr val="accent1"/>
+                    </a:effectRef>
+                    <a:fontRef idx="minor">
+                      <a:schemeClr val="lt1"/>
+                    </a:fontRef>
+                  </p:style>
+                  <p:txBody>
+                    <a:bodyPr rtlCol="0" anchor="ctr"/>
+                    <a:lstStyle/>
+                    <a:p>
+                      <a:pPr algn="ctr"/>
+                      <a:endParaRPr lang="de-DE"/>
+                    </a:p>
+                  </p:txBody>
+                </p:sp>
+              </p:grpSp>
+              <p:sp>
+                <p:nvSpPr>
+                  <p:cNvPr id="12" name="Rechteck 11">
+                    <a:extLst>
+                      <a:ext uri="{FF2B5EF4-FFF2-40B4-BE49-F238E27FC236}">
+                        <a16:creationId xmlns:a16="http://schemas.microsoft.com/office/drawing/2014/main" id="{656E5EBE-A121-7382-272D-CF6B18A92C91}"/>
+                      </a:ext>
+                    </a:extLst>
+                  </p:cNvPr>
+                  <p:cNvSpPr/>
+                  <p:nvPr/>
+                </p:nvSpPr>
+                <p:spPr>
+                  <a:xfrm>
+                    <a:off x="1055440" y="2334959"/>
+                    <a:ext cx="1607039" cy="798156"/>
+                  </a:xfrm>
+                  <a:prstGeom prst="rect">
+                    <a:avLst/>
+                  </a:prstGeom>
+                  <a:solidFill>
+                    <a:schemeClr val="accent2">
+                      <a:lumMod val="60000"/>
+                      <a:lumOff val="40000"/>
+                    </a:schemeClr>
+                  </a:solidFill>
+                  <a:ln>
+                    <a:solidFill>
+                      <a:schemeClr val="bg1"/>
+                    </a:solidFill>
+                  </a:ln>
+                </p:spPr>
+                <p:style>
+                  <a:lnRef idx="2">
+                    <a:schemeClr val="accent1">
+                      <a:shade val="50000"/>
+                    </a:schemeClr>
+                  </a:lnRef>
+                  <a:fillRef idx="1">
+                    <a:schemeClr val="accent1"/>
+                  </a:fillRef>
+                  <a:effectRef idx="0">
+                    <a:schemeClr val="accent1"/>
+                  </a:effectRef>
+                  <a:fontRef idx="minor">
+                    <a:schemeClr val="lt1"/>
+                  </a:fontRef>
+                </p:style>
+                <p:txBody>
+                  <a:bodyPr rtlCol="0" anchor="ctr"/>
+                  <a:lstStyle/>
+                  <a:p>
+                    <a:pPr algn="ctr"/>
+                    <a:r>
+                      <a:rPr lang="de-DE" dirty="0" smtClean="0"/>
+                      <a:t>ASD</a:t>
+                    </a:r>
+                    <a:endParaRPr lang="de-DE" dirty="0"/>
+                  </a:p>
+                </p:txBody>
+              </p:sp>
+              <p:cxnSp>
+                <p:nvCxnSpPr>
+                  <p:cNvPr id="13" name="Gerader Verbinder 12">
+                    <a:extLst>
+                      <a:ext uri="{FF2B5EF4-FFF2-40B4-BE49-F238E27FC236}">
+                        <a16:creationId xmlns:a16="http://schemas.microsoft.com/office/drawing/2014/main" id="{B48C830E-E5E8-53BA-85C8-AB7E6743E8B1}"/>
+                      </a:ext>
+                    </a:extLst>
+                  </p:cNvPr>
+                  <p:cNvCxnSpPr>
+                    <a:cxnSpLocks/>
+                  </p:cNvCxnSpPr>
+                  <p:nvPr/>
+                </p:nvCxnSpPr>
+                <p:spPr>
+                  <a:xfrm>
+                    <a:off x="764899" y="2734037"/>
+                    <a:ext cx="290541" cy="0"/>
+                  </a:xfrm>
+                  <a:prstGeom prst="line">
+                    <a:avLst/>
+                  </a:prstGeom>
+                  <a:ln w="38100">
+                    <a:solidFill>
+                      <a:schemeClr val="accent5">
+                        <a:lumMod val="60000"/>
+                        <a:lumOff val="40000"/>
+                      </a:schemeClr>
+                    </a:solidFill>
+                  </a:ln>
+                </p:spPr>
+                <p:style>
+                  <a:lnRef idx="1">
+                    <a:schemeClr val="accent1"/>
+                  </a:lnRef>
+                  <a:fillRef idx="0">
+                    <a:schemeClr val="accent1"/>
+                  </a:fillRef>
+                  <a:effectRef idx="0">
+                    <a:schemeClr val="accent1"/>
+                  </a:effectRef>
+                  <a:fontRef idx="minor">
+                    <a:schemeClr val="tx1"/>
+                  </a:fontRef>
+                </p:style>
+              </p:cxnSp>
+              <p:sp>
+                <p:nvSpPr>
+                  <p:cNvPr id="17" name="Rechteck: abgerundete Ecken 27">
+                    <a:extLst>
+                      <a:ext uri="{FF2B5EF4-FFF2-40B4-BE49-F238E27FC236}">
+                        <a16:creationId xmlns:a16="http://schemas.microsoft.com/office/drawing/2014/main" id="{AFC4C816-5706-D318-2596-B3DD84588F3A}"/>
+                      </a:ext>
+                    </a:extLst>
+                  </p:cNvPr>
+                  <p:cNvSpPr/>
+                  <p:nvPr/>
+                </p:nvSpPr>
+                <p:spPr>
+                  <a:xfrm rot="1976257">
+                    <a:off x="5016618" y="1260403"/>
+                    <a:ext cx="1167119" cy="238249"/>
+                  </a:xfrm>
+                  <a:prstGeom prst="roundRect">
+                    <a:avLst/>
+                  </a:prstGeom>
+                  <a:ln w="38100">
+                    <a:solidFill>
+                      <a:schemeClr val="accent1">
+                        <a:lumMod val="75000"/>
+                      </a:schemeClr>
+                    </a:solidFill>
+                  </a:ln>
+                </p:spPr>
+                <p:style>
+                  <a:lnRef idx="1">
+                    <a:schemeClr val="accent1"/>
+                  </a:lnRef>
+                  <a:fillRef idx="0">
+                    <a:schemeClr val="accent1"/>
+                  </a:fillRef>
+                  <a:effectRef idx="0">
+                    <a:schemeClr val="accent1"/>
+                  </a:effectRef>
+                  <a:fontRef idx="minor">
+                    <a:schemeClr val="tx1"/>
+                  </a:fontRef>
+                </p:style>
+                <p:txBody>
+                  <a:bodyPr rtlCol="0" anchor="ctr"/>
+                  <a:lstStyle/>
+                  <a:p>
+                    <a:pPr algn="ctr"/>
+                    <a:endParaRPr lang="de-DE"/>
+                  </a:p>
+                </p:txBody>
+              </p:sp>
+              <p:sp>
+                <p:nvSpPr>
+                  <p:cNvPr id="19" name="Rechteck 18">
+                    <a:extLst>
+                      <a:ext uri="{FF2B5EF4-FFF2-40B4-BE49-F238E27FC236}">
+                        <a16:creationId xmlns:a16="http://schemas.microsoft.com/office/drawing/2014/main" id="{656E5EBE-A121-7382-272D-CF6B18A92C91}"/>
+                      </a:ext>
+                    </a:extLst>
+                  </p:cNvPr>
+                  <p:cNvSpPr/>
+                  <p:nvPr/>
+                </p:nvSpPr>
+                <p:spPr>
+                  <a:xfrm>
+                    <a:off x="2926818" y="2334959"/>
+                    <a:ext cx="1607039" cy="798156"/>
+                  </a:xfrm>
+                  <a:prstGeom prst="rect">
+                    <a:avLst/>
+                  </a:prstGeom>
+                  <a:solidFill>
+                    <a:schemeClr val="accent2">
+                      <a:lumMod val="60000"/>
+                      <a:lumOff val="40000"/>
+                    </a:schemeClr>
+                  </a:solidFill>
+                  <a:ln>
+                    <a:solidFill>
+                      <a:schemeClr val="bg1"/>
+                    </a:solidFill>
+                  </a:ln>
+                </p:spPr>
+                <p:style>
+                  <a:lnRef idx="2">
+                    <a:schemeClr val="accent1">
+                      <a:shade val="50000"/>
+                    </a:schemeClr>
+                  </a:lnRef>
+                  <a:fillRef idx="1">
+                    <a:schemeClr val="accent1"/>
+                  </a:fillRef>
+                  <a:effectRef idx="0">
+                    <a:schemeClr val="accent1"/>
+                  </a:effectRef>
+                  <a:fontRef idx="minor">
+                    <a:schemeClr val="lt1"/>
+                  </a:fontRef>
+                </p:style>
+                <p:txBody>
+                  <a:bodyPr rtlCol="0" anchor="ctr"/>
+                  <a:lstStyle/>
+                  <a:p>
+                    <a:pPr algn="ctr"/>
+                    <a:r>
+                      <a:rPr lang="de-DE" dirty="0" smtClean="0"/>
+                      <a:t>RWA</a:t>
+                    </a:r>
+                    <a:endParaRPr lang="de-DE" dirty="0"/>
+                  </a:p>
+                </p:txBody>
+              </p:sp>
+              <p:cxnSp>
+                <p:nvCxnSpPr>
+                  <p:cNvPr id="20" name="Gerader Verbinder 19">
+                    <a:extLst>
+                      <a:ext uri="{FF2B5EF4-FFF2-40B4-BE49-F238E27FC236}">
+                        <a16:creationId xmlns:a16="http://schemas.microsoft.com/office/drawing/2014/main" id="{B48C830E-E5E8-53BA-85C8-AB7E6743E8B1}"/>
+                      </a:ext>
+                    </a:extLst>
+                  </p:cNvPr>
+                  <p:cNvCxnSpPr>
+                    <a:cxnSpLocks/>
+                    <a:stCxn id="19" idx="3"/>
+                    <a:endCxn id="14" idx="1"/>
+                  </p:cNvCxnSpPr>
+                  <p:nvPr/>
+                </p:nvCxnSpPr>
+                <p:spPr>
+                  <a:xfrm>
+                    <a:off x="4533857" y="2734037"/>
+                    <a:ext cx="193991" cy="0"/>
+                  </a:xfrm>
+                  <a:prstGeom prst="line">
+                    <a:avLst/>
+                  </a:prstGeom>
+                  <a:ln w="38100">
+                    <a:solidFill>
+                      <a:schemeClr val="accent5">
+                        <a:lumMod val="60000"/>
+                        <a:lumOff val="40000"/>
+                      </a:schemeClr>
+                    </a:solidFill>
+                  </a:ln>
+                </p:spPr>
+                <p:style>
+                  <a:lnRef idx="1">
+                    <a:schemeClr val="accent1"/>
+                  </a:lnRef>
+                  <a:fillRef idx="0">
+                    <a:schemeClr val="accent1"/>
+                  </a:fillRef>
+                  <a:effectRef idx="0">
+                    <a:schemeClr val="accent1"/>
+                  </a:effectRef>
+                  <a:fontRef idx="minor">
+                    <a:schemeClr val="tx1"/>
+                  </a:fontRef>
+                </p:style>
+              </p:cxnSp>
+              <p:sp>
+                <p:nvSpPr>
+                  <p:cNvPr id="24" name="Rechteck 23">
+                    <a:extLst>
+                      <a:ext uri="{FF2B5EF4-FFF2-40B4-BE49-F238E27FC236}">
+                        <a16:creationId xmlns:a16="http://schemas.microsoft.com/office/drawing/2014/main" id="{656E5EBE-A121-7382-272D-CF6B18A92C91}"/>
+                      </a:ext>
+                    </a:extLst>
+                  </p:cNvPr>
+                  <p:cNvSpPr/>
+                  <p:nvPr/>
+                </p:nvSpPr>
+                <p:spPr>
+                  <a:xfrm>
+                    <a:off x="2122579" y="4336653"/>
+                    <a:ext cx="1607039" cy="798156"/>
+                  </a:xfrm>
+                  <a:prstGeom prst="rect">
+                    <a:avLst/>
+                  </a:prstGeom>
+                  <a:solidFill>
+                    <a:schemeClr val="accent6">
+                      <a:lumMod val="20000"/>
+                      <a:lumOff val="80000"/>
+                    </a:schemeClr>
+                  </a:solidFill>
+                  <a:ln>
+                    <a:solidFill>
+                      <a:schemeClr val="bg1"/>
+                    </a:solidFill>
+                  </a:ln>
+                </p:spPr>
+                <p:style>
+                  <a:lnRef idx="2">
+                    <a:schemeClr val="accent1">
+                      <a:shade val="50000"/>
+                    </a:schemeClr>
+                  </a:lnRef>
+                  <a:fillRef idx="1">
+                    <a:schemeClr val="accent1"/>
+                  </a:fillRef>
+                  <a:effectRef idx="0">
+                    <a:schemeClr val="accent1"/>
+                  </a:effectRef>
+                  <a:fontRef idx="minor">
+                    <a:schemeClr val="lt1"/>
+                  </a:fontRef>
+                </p:style>
+                <p:txBody>
+                  <a:bodyPr rtlCol="0" anchor="ctr"/>
+                  <a:lstStyle/>
+                  <a:p>
+                    <a:pPr algn="ctr"/>
+                    <a:r>
+                      <a:rPr lang="de-DE" dirty="0" smtClean="0"/>
+                      <a:t>Lenkmodell</a:t>
+                    </a:r>
+                    <a:endParaRPr lang="de-DE" dirty="0"/>
+                  </a:p>
+                </p:txBody>
+              </p:sp>
+              <p:cxnSp>
+                <p:nvCxnSpPr>
+                  <p:cNvPr id="26" name="Gewinkelter Verbinder 25"/>
+                  <p:cNvCxnSpPr>
+                    <a:stCxn id="12" idx="1"/>
+                    <a:endCxn id="24" idx="1"/>
+                  </p:cNvCxnSpPr>
+                  <p:nvPr/>
+                </p:nvCxnSpPr>
+                <p:spPr>
+                  <a:xfrm rot="10800000" flipH="1" flipV="1">
+                    <a:off x="1055439" y="2734037"/>
+                    <a:ext cx="1067139" cy="2001694"/>
+                  </a:xfrm>
+                  <a:prstGeom prst="bentConnector3">
+                    <a:avLst>
+                      <a:gd name="adj1" fmla="val -12496"/>
+                    </a:avLst>
+                  </a:prstGeom>
+                  <a:ln w="28575">
+                    <a:solidFill>
+                      <a:schemeClr val="accent3"/>
+                    </a:solidFill>
+                    <a:prstDash val="dash"/>
+                    <a:tailEnd type="triangle"/>
+                  </a:ln>
+                </p:spPr>
+                <p:style>
+                  <a:lnRef idx="1">
+                    <a:schemeClr val="accent1"/>
+                  </a:lnRef>
+                  <a:fillRef idx="0">
+                    <a:schemeClr val="accent1"/>
+                  </a:fillRef>
+                  <a:effectRef idx="0">
+                    <a:schemeClr val="accent1"/>
+                  </a:effectRef>
+                  <a:fontRef idx="minor">
+                    <a:schemeClr val="tx1"/>
+                  </a:fontRef>
+                </p:style>
+              </p:cxnSp>
+              <p:sp>
+                <p:nvSpPr>
+                  <p:cNvPr id="28" name="Textfeld 27"/>
+                  <p:cNvSpPr txBox="1"/>
+                  <p:nvPr/>
+                </p:nvSpPr>
+                <p:spPr>
+                  <a:xfrm>
+                    <a:off x="731437" y="4781381"/>
+                    <a:ext cx="1218603" cy="307777"/>
+                  </a:xfrm>
+                  <a:prstGeom prst="rect">
+                    <a:avLst/>
+                  </a:prstGeom>
+                  <a:noFill/>
+                </p:spPr>
+                <p:txBody>
+                  <a:bodyPr wrap="none" rtlCol="0">
+                    <a:spAutoFit/>
+                  </a:bodyPr>
+                  <a:lstStyle/>
+                  <a:p>
+                    <a:r>
+                      <a:rPr lang="de-DE" sz="1400" dirty="0" smtClean="0"/>
+                      <a:t>Drehmoment</a:t>
+                    </a:r>
+                    <a:endParaRPr lang="de-DE" sz="1400" dirty="0"/>
+                  </a:p>
+                </p:txBody>
+              </p:sp>
+              <p:cxnSp>
+                <p:nvCxnSpPr>
+                  <p:cNvPr id="29" name="Gewinkelter Verbinder 28"/>
+                  <p:cNvCxnSpPr>
+                    <a:endCxn id="12" idx="2"/>
+                  </p:cNvCxnSpPr>
+                  <p:nvPr/>
+                </p:nvCxnSpPr>
+                <p:spPr>
+                  <a:xfrm rot="16200000" flipV="1">
+                    <a:off x="1596088" y="3395988"/>
+                    <a:ext cx="1203539" cy="677794"/>
+                  </a:xfrm>
+                  <a:prstGeom prst="bentConnector3">
+                    <a:avLst>
+                      <a:gd name="adj1" fmla="val 50000"/>
+                    </a:avLst>
+                  </a:prstGeom>
+                  <a:ln w="28575">
+                    <a:solidFill>
+                      <a:schemeClr val="tx1"/>
+                    </a:solidFill>
+                    <a:prstDash val="dash"/>
+                    <a:tailEnd type="triangle"/>
+                  </a:ln>
+                </p:spPr>
+                <p:style>
+                  <a:lnRef idx="1">
+                    <a:schemeClr val="accent1"/>
+                  </a:lnRef>
+                  <a:fillRef idx="0">
+                    <a:schemeClr val="accent1"/>
+                  </a:fillRef>
+                  <a:effectRef idx="0">
+                    <a:schemeClr val="accent1"/>
+                  </a:effectRef>
+                  <a:fontRef idx="minor">
+                    <a:schemeClr val="tx1"/>
+                  </a:fontRef>
+                </p:style>
+              </p:cxnSp>
+              <p:cxnSp>
+                <p:nvCxnSpPr>
+                  <p:cNvPr id="32" name="Gewinkelter Verbinder 31"/>
+                  <p:cNvCxnSpPr>
+                    <a:endCxn id="19" idx="2"/>
+                  </p:cNvCxnSpPr>
+                  <p:nvPr/>
+                </p:nvCxnSpPr>
+                <p:spPr>
+                  <a:xfrm rot="5400000" flipH="1" flipV="1">
+                    <a:off x="2895813" y="3502128"/>
+                    <a:ext cx="1203538" cy="465512"/>
+                  </a:xfrm>
+                  <a:prstGeom prst="bentConnector3">
+                    <a:avLst>
+                      <a:gd name="adj1" fmla="val 47626"/>
+                    </a:avLst>
+                  </a:prstGeom>
+                  <a:ln w="28575">
+                    <a:solidFill>
+                      <a:schemeClr val="tx1"/>
+                    </a:solidFill>
+                    <a:prstDash val="dash"/>
+                    <a:tailEnd type="triangle"/>
+                  </a:ln>
+                </p:spPr>
+                <p:style>
+                  <a:lnRef idx="1">
+                    <a:schemeClr val="accent1"/>
+                  </a:lnRef>
+                  <a:fillRef idx="0">
+                    <a:schemeClr val="accent1"/>
+                  </a:fillRef>
+                  <a:effectRef idx="0">
+                    <a:schemeClr val="accent1"/>
+                  </a:effectRef>
+                  <a:fontRef idx="minor">
+                    <a:schemeClr val="tx1"/>
+                  </a:fontRef>
+                </p:style>
+              </p:cxnSp>
+              <p:sp>
+                <p:nvSpPr>
+                  <p:cNvPr id="41" name="Textfeld 40"/>
+                  <p:cNvSpPr txBox="1"/>
+                  <p:nvPr/>
+                </p:nvSpPr>
+                <p:spPr>
+                  <a:xfrm>
+                    <a:off x="2623572" y="3297137"/>
+                    <a:ext cx="1003480" cy="307777"/>
+                  </a:xfrm>
+                  <a:prstGeom prst="rect">
+                    <a:avLst/>
+                  </a:prstGeom>
+                  <a:noFill/>
+                </p:spPr>
+                <p:txBody>
+                  <a:bodyPr wrap="none" rtlCol="0">
+                    <a:spAutoFit/>
+                  </a:bodyPr>
+                  <a:lstStyle/>
+                  <a:p>
+                    <a:r>
+                      <a:rPr lang="de-DE" sz="1400" dirty="0" smtClean="0"/>
+                      <a:t>Pos. RWA</a:t>
+                    </a:r>
+                    <a:endParaRPr lang="de-DE" sz="1400" dirty="0"/>
+                  </a:p>
+                </p:txBody>
+              </p:sp>
+              <p:sp>
+                <p:nvSpPr>
+                  <p:cNvPr id="42" name="Textfeld 41"/>
+                  <p:cNvSpPr txBox="1"/>
+                  <p:nvPr/>
+                </p:nvSpPr>
+                <p:spPr>
+                  <a:xfrm>
+                    <a:off x="1515142" y="3768936"/>
+                    <a:ext cx="953851" cy="307777"/>
+                  </a:xfrm>
+                  <a:prstGeom prst="rect">
+                    <a:avLst/>
+                  </a:prstGeom>
+                  <a:noFill/>
+                </p:spPr>
+                <p:txBody>
+                  <a:bodyPr wrap="none" rtlCol="0">
+                    <a:spAutoFit/>
+                  </a:bodyPr>
+                  <a:lstStyle/>
+                  <a:p>
+                    <a:r>
+                      <a:rPr lang="de-DE" sz="1400" dirty="0" smtClean="0"/>
+                      <a:t>Pos. ASD</a:t>
+                    </a:r>
+                    <a:endParaRPr lang="de-DE" sz="1400" dirty="0"/>
+                  </a:p>
+                </p:txBody>
+              </p:sp>
+            </p:grpSp>
+            <p:cxnSp>
+              <p:nvCxnSpPr>
+                <p:cNvPr id="44" name="Gewinkelter Verbinder 43"/>
+                <p:cNvCxnSpPr/>
+                <p:nvPr/>
+              </p:nvCxnSpPr>
+              <p:spPr>
+                <a:xfrm rot="5400000">
+                  <a:off x="3235995" y="3633520"/>
+                  <a:ext cx="1602619" cy="601806"/>
+                </a:xfrm>
+                <a:prstGeom prst="bentConnector2">
+                  <a:avLst/>
+                </a:prstGeom>
+                <a:ln w="28575">
+                  <a:solidFill>
+                    <a:schemeClr val="accent6">
+                      <a:lumMod val="60000"/>
+                      <a:lumOff val="40000"/>
+                    </a:schemeClr>
+                  </a:solidFill>
+                  <a:prstDash val="dash"/>
+                  <a:tailEnd type="triangle"/>
+                </a:ln>
+              </p:spPr>
+              <p:style>
+                <a:lnRef idx="1">
+                  <a:schemeClr val="accent1"/>
+                </a:lnRef>
+                <a:fillRef idx="0">
+                  <a:schemeClr val="accent1"/>
+                </a:fillRef>
+                <a:effectRef idx="0">
+                  <a:schemeClr val="accent1"/>
+                </a:effectRef>
+                <a:fontRef idx="minor">
+                  <a:schemeClr val="tx1"/>
+                </a:fontRef>
+              </p:style>
+            </p:cxnSp>
+          </p:grpSp>
+        </p:grpSp>
+        <p:sp>
+          <p:nvSpPr>
+            <p:cNvPr id="103" name="Textfeld 102"/>
+            <p:cNvSpPr txBox="1"/>
+            <p:nvPr/>
+          </p:nvSpPr>
+          <p:spPr>
+            <a:xfrm>
+              <a:off x="3370914" y="4809528"/>
+              <a:ext cx="2277611" cy="307777"/>
+            </a:xfrm>
+            <a:prstGeom prst="rect">
+              <a:avLst/>
+            </a:prstGeom>
+            <a:noFill/>
+          </p:spPr>
+          <p:txBody>
+            <a:bodyPr wrap="none" rtlCol="0">
+              <a:spAutoFit/>
+            </a:bodyPr>
+            <a:lstStyle/>
+            <a:p>
+              <a:r>
+                <a:rPr lang="de-DE" sz="1400" dirty="0" err="1" smtClean="0"/>
+                <a:t>Optional:Pos</a:t>
+              </a:r>
+              <a:r>
+                <a:rPr lang="de-DE" sz="1400" dirty="0" smtClean="0"/>
+                <a:t>. RWA </a:t>
+              </a:r>
+              <a:r>
+                <a:rPr lang="de-DE" sz="1400" dirty="0" err="1" smtClean="0"/>
+                <a:t>istwert</a:t>
+              </a:r>
+              <a:endParaRPr lang="de-DE" sz="1400" dirty="0"/>
+            </a:p>
+          </p:txBody>
+        </p:sp>
+      </p:grpSp>
+      <p:grpSp>
+        <p:nvGrpSpPr>
+          <p:cNvPr id="112" name="Gruppieren 111"/>
+          <p:cNvGrpSpPr/>
+          <p:nvPr/>
+        </p:nvGrpSpPr>
+        <p:grpSpPr>
+          <a:xfrm>
+            <a:off x="6482398" y="2967161"/>
+            <a:ext cx="5489981" cy="3391780"/>
+            <a:chOff x="6267835" y="1743029"/>
+            <a:chExt cx="5489981" cy="3391780"/>
+          </a:xfrm>
+        </p:grpSpPr>
+        <p:grpSp>
+          <p:nvGrpSpPr>
+            <p:cNvPr id="75" name="Gruppieren 74"/>
+            <p:cNvGrpSpPr/>
+            <p:nvPr/>
+          </p:nvGrpSpPr>
+          <p:grpSpPr>
+            <a:xfrm>
+              <a:off x="6267835" y="1743029"/>
+              <a:ext cx="5489981" cy="3391780"/>
+              <a:chOff x="208452" y="1260403"/>
+              <a:chExt cx="6103572" cy="3874406"/>
+            </a:xfrm>
+          </p:grpSpPr>
+          <p:sp>
+            <p:nvSpPr>
+              <p:cNvPr id="76" name="Rechteck 75">
+                <a:extLst>
+                  <a:ext uri="{FF2B5EF4-FFF2-40B4-BE49-F238E27FC236}">
+                    <a16:creationId xmlns:a16="http://schemas.microsoft.com/office/drawing/2014/main" id="{B39B32B6-0070-A7AA-8909-8C72CF017FB2}"/>
+                  </a:ext>
+                </a:extLst>
+              </p:cNvPr>
+              <p:cNvSpPr/>
+              <p:nvPr/>
+            </p:nvSpPr>
+            <p:spPr>
+              <a:xfrm>
+                <a:off x="4727848" y="2410001"/>
+                <a:ext cx="1584176" cy="648072"/>
+              </a:xfrm>
+              <a:prstGeom prst="rect">
+                <a:avLst/>
+              </a:prstGeom>
+              <a:solidFill>
+                <a:schemeClr val="accent1">
+                  <a:lumMod val="60000"/>
+                  <a:lumOff val="40000"/>
+                </a:schemeClr>
+              </a:solidFill>
+              <a:ln>
+                <a:noFill/>
+              </a:ln>
+            </p:spPr>
+            <p:style>
+              <a:lnRef idx="2">
+                <a:schemeClr val="accent1">
+                  <a:shade val="50000"/>
+                </a:schemeClr>
+              </a:lnRef>
+              <a:fillRef idx="1">
+                <a:schemeClr val="accent1"/>
+              </a:fillRef>
+              <a:effectRef idx="0">
+                <a:schemeClr val="accent1"/>
+              </a:effectRef>
+              <a:fontRef idx="minor">
+                <a:schemeClr val="lt1"/>
+              </a:fontRef>
+            </p:style>
+            <p:txBody>
+              <a:bodyPr rtlCol="0" anchor="ctr"/>
+              <a:lstStyle/>
+              <a:p>
+                <a:pPr algn="ctr"/>
+                <a:r>
+                  <a:rPr lang="de-DE" sz="1400" dirty="0"/>
+                  <a:t>Lenkgetriebe</a:t>
+                </a:r>
+              </a:p>
+              <a:p>
+                <a:pPr algn="ctr"/>
+                <a:r>
+                  <a:rPr lang="de-DE" sz="1400" dirty="0"/>
+                  <a:t>(~1:10)</a:t>
+                </a:r>
+              </a:p>
+            </p:txBody>
+          </p:sp>
+          <p:cxnSp>
+            <p:nvCxnSpPr>
+              <p:cNvPr id="77" name="Gerader Verbinder 76">
+                <a:extLst>
+                  <a:ext uri="{FF2B5EF4-FFF2-40B4-BE49-F238E27FC236}">
+                    <a16:creationId xmlns:a16="http://schemas.microsoft.com/office/drawing/2014/main" id="{377793E8-DD7B-B563-05A5-7B71EEF4E21A}"/>
+                  </a:ext>
+                </a:extLst>
+              </p:cNvPr>
+              <p:cNvCxnSpPr>
+                <a:cxnSpLocks/>
+                <a:stCxn id="76" idx="0"/>
+              </p:cNvCxnSpPr>
+              <p:nvPr/>
+            </p:nvCxnSpPr>
+            <p:spPr>
+              <a:xfrm flipV="1">
+                <a:off x="5519936" y="1473897"/>
+                <a:ext cx="0" cy="936104"/>
+              </a:xfrm>
+              <a:prstGeom prst="line">
+                <a:avLst/>
+              </a:prstGeom>
+              <a:ln w="38100">
+                <a:solidFill>
+                  <a:schemeClr val="accent1">
+                    <a:lumMod val="75000"/>
+                  </a:schemeClr>
+                </a:solidFill>
+              </a:ln>
+            </p:spPr>
+            <p:style>
+              <a:lnRef idx="1">
+                <a:schemeClr val="accent1"/>
+              </a:lnRef>
+              <a:fillRef idx="0">
+                <a:schemeClr val="accent1"/>
+              </a:fillRef>
+              <a:effectRef idx="0">
+                <a:schemeClr val="accent1"/>
+              </a:effectRef>
+              <a:fontRef idx="minor">
+                <a:schemeClr val="tx1"/>
+              </a:fontRef>
+            </p:style>
+          </p:cxnSp>
+          <p:cxnSp>
+            <p:nvCxnSpPr>
+              <p:cNvPr id="78" name="Gerader Verbinder 77">
+                <a:extLst>
+                  <a:ext uri="{FF2B5EF4-FFF2-40B4-BE49-F238E27FC236}">
+                    <a16:creationId xmlns:a16="http://schemas.microsoft.com/office/drawing/2014/main" id="{70D5D09B-C9B7-98B3-8396-8AEF6EB2C207}"/>
+                  </a:ext>
+                </a:extLst>
+              </p:cNvPr>
+              <p:cNvCxnSpPr>
+                <a:cxnSpLocks/>
+                <a:endCxn id="76" idx="2"/>
+              </p:cNvCxnSpPr>
+              <p:nvPr/>
+            </p:nvCxnSpPr>
+            <p:spPr>
+              <a:xfrm flipV="1">
+                <a:off x="5519936" y="3058073"/>
+                <a:ext cx="0" cy="936104"/>
+              </a:xfrm>
+              <a:prstGeom prst="line">
+                <a:avLst/>
+              </a:prstGeom>
+              <a:ln w="38100">
+                <a:solidFill>
+                  <a:schemeClr val="accent1">
+                    <a:lumMod val="75000"/>
+                  </a:schemeClr>
+                </a:solidFill>
+              </a:ln>
+            </p:spPr>
+            <p:style>
+              <a:lnRef idx="1">
+                <a:schemeClr val="accent1"/>
+              </a:lnRef>
+              <a:fillRef idx="0">
+                <a:schemeClr val="accent1"/>
+              </a:fillRef>
+              <a:effectRef idx="0">
+                <a:schemeClr val="accent1"/>
+              </a:effectRef>
+              <a:fontRef idx="minor">
+                <a:schemeClr val="tx1"/>
+              </a:fontRef>
+            </p:style>
+          </p:cxnSp>
+          <p:sp>
+            <p:nvSpPr>
+              <p:cNvPr id="79" name="Rechteck: abgerundete Ecken 28">
+                <a:extLst>
+                  <a:ext uri="{FF2B5EF4-FFF2-40B4-BE49-F238E27FC236}">
+                    <a16:creationId xmlns:a16="http://schemas.microsoft.com/office/drawing/2014/main" id="{993624B1-FDE8-FB52-1251-B3FB89943C39}"/>
+                  </a:ext>
+                </a:extLst>
+              </p:cNvPr>
+              <p:cNvSpPr/>
+              <p:nvPr/>
+            </p:nvSpPr>
+            <p:spPr>
+              <a:xfrm rot="1976257">
+                <a:off x="4842836" y="3980554"/>
+                <a:ext cx="1167119" cy="238249"/>
+              </a:xfrm>
+              <a:prstGeom prst="roundRect">
+                <a:avLst/>
+              </a:prstGeom>
+              <a:ln w="38100">
+                <a:solidFill>
+                  <a:schemeClr val="accent1">
+                    <a:lumMod val="75000"/>
+                  </a:schemeClr>
+                </a:solidFill>
+              </a:ln>
+            </p:spPr>
+            <p:style>
+              <a:lnRef idx="1">
+                <a:schemeClr val="accent1"/>
+              </a:lnRef>
+              <a:fillRef idx="0">
+                <a:schemeClr val="accent1"/>
+              </a:fillRef>
+              <a:effectRef idx="0">
+                <a:schemeClr val="accent1"/>
+              </a:effectRef>
+              <a:fontRef idx="minor">
+                <a:schemeClr val="tx1"/>
+              </a:fontRef>
+            </p:style>
+            <p:txBody>
+              <a:bodyPr rtlCol="0" anchor="ctr"/>
+              <a:lstStyle/>
+              <a:p>
+                <a:pPr algn="ctr"/>
+                <a:endParaRPr lang="de-DE"/>
+              </a:p>
+            </p:txBody>
+          </p:sp>
+          <p:grpSp>
+            <p:nvGrpSpPr>
+              <p:cNvPr id="81" name="Gruppieren 80"/>
+              <p:cNvGrpSpPr/>
+              <p:nvPr/>
+            </p:nvGrpSpPr>
+            <p:grpSpPr>
+              <a:xfrm>
+                <a:off x="208452" y="1260403"/>
+                <a:ext cx="5975285" cy="3874406"/>
+                <a:chOff x="208452" y="1260403"/>
+                <a:chExt cx="5975285" cy="3874406"/>
+              </a:xfrm>
+            </p:grpSpPr>
+            <p:grpSp>
+              <p:nvGrpSpPr>
+                <p:cNvPr id="84" name="Gruppieren 83"/>
+                <p:cNvGrpSpPr/>
+                <p:nvPr/>
+              </p:nvGrpSpPr>
+              <p:grpSpPr>
+                <a:xfrm>
+                  <a:off x="208452" y="2465337"/>
+                  <a:ext cx="582649" cy="550099"/>
+                  <a:chOff x="208452" y="2507974"/>
+                  <a:chExt cx="582649" cy="550099"/>
+                </a:xfrm>
+              </p:grpSpPr>
+              <p:sp>
+                <p:nvSpPr>
+                  <p:cNvPr id="97" name="Rechteck 96">
+                    <a:extLst>
+                      <a:ext uri="{FF2B5EF4-FFF2-40B4-BE49-F238E27FC236}">
+                        <a16:creationId xmlns:a16="http://schemas.microsoft.com/office/drawing/2014/main" id="{23691C0E-7A96-C416-742E-4C851BD8CA47}"/>
+                      </a:ext>
+                    </a:extLst>
+                  </p:cNvPr>
+                  <p:cNvSpPr/>
+                  <p:nvPr/>
+                </p:nvSpPr>
+                <p:spPr>
+                  <a:xfrm>
+                    <a:off x="420065" y="2862496"/>
+                    <a:ext cx="142401" cy="174941"/>
+                  </a:xfrm>
+                  <a:prstGeom prst="rect">
+                    <a:avLst/>
+                  </a:prstGeom>
+                  <a:solidFill>
+                    <a:schemeClr val="accent5">
+                      <a:lumMod val="60000"/>
+                      <a:lumOff val="40000"/>
+                    </a:schemeClr>
+                  </a:solidFill>
+                  <a:ln>
+                    <a:solidFill>
+                      <a:schemeClr val="accent5">
+                        <a:lumMod val="60000"/>
+                        <a:lumOff val="40000"/>
+                      </a:schemeClr>
+                    </a:solidFill>
+                  </a:ln>
+                </p:spPr>
+                <p:style>
+                  <a:lnRef idx="2">
+                    <a:schemeClr val="accent1">
+                      <a:shade val="50000"/>
+                    </a:schemeClr>
+                  </a:lnRef>
+                  <a:fillRef idx="1">
+                    <a:schemeClr val="accent1"/>
+                  </a:fillRef>
+                  <a:effectRef idx="0">
+                    <a:schemeClr val="accent1"/>
+                  </a:effectRef>
+                  <a:fontRef idx="minor">
+                    <a:schemeClr val="lt1"/>
+                  </a:fontRef>
+                </p:style>
+                <p:txBody>
+                  <a:bodyPr rtlCol="0" anchor="ctr"/>
+                  <a:lstStyle/>
+                  <a:p>
+                    <a:pPr algn="ctr"/>
+                    <a:endParaRPr lang="de-DE"/>
+                  </a:p>
+                </p:txBody>
+              </p:sp>
+              <p:sp>
+                <p:nvSpPr>
+                  <p:cNvPr id="98" name="Ellipse 97">
+                    <a:extLst>
+                      <a:ext uri="{FF2B5EF4-FFF2-40B4-BE49-F238E27FC236}">
+                        <a16:creationId xmlns:a16="http://schemas.microsoft.com/office/drawing/2014/main" id="{75A3410A-313C-8E3B-5E8B-6EA9574E2AB4}"/>
+                      </a:ext>
+                    </a:extLst>
+                  </p:cNvPr>
+                  <p:cNvSpPr/>
+                  <p:nvPr/>
+                </p:nvSpPr>
+                <p:spPr>
+                  <a:xfrm>
+                    <a:off x="215687" y="2507974"/>
+                    <a:ext cx="575414" cy="550099"/>
+                  </a:xfrm>
+                  <a:prstGeom prst="ellipse">
+                    <a:avLst/>
+                  </a:prstGeom>
+                  <a:noFill/>
+                  <a:ln w="76200">
+                    <a:solidFill>
+                      <a:schemeClr val="accent5">
+                        <a:lumMod val="60000"/>
+                        <a:lumOff val="40000"/>
+                      </a:schemeClr>
+                    </a:solidFill>
+                  </a:ln>
+                </p:spPr>
+                <p:style>
+                  <a:lnRef idx="2">
+                    <a:schemeClr val="accent1">
+                      <a:shade val="50000"/>
+                    </a:schemeClr>
+                  </a:lnRef>
+                  <a:fillRef idx="1">
+                    <a:schemeClr val="accent1"/>
+                  </a:fillRef>
+                  <a:effectRef idx="0">
+                    <a:schemeClr val="accent1"/>
+                  </a:effectRef>
+                  <a:fontRef idx="minor">
+                    <a:schemeClr val="lt1"/>
+                  </a:fontRef>
+                </p:style>
+                <p:txBody>
+                  <a:bodyPr rtlCol="0" anchor="ctr"/>
+                  <a:lstStyle/>
+                  <a:p>
+                    <a:pPr algn="ctr"/>
+                    <a:endParaRPr lang="de-DE"/>
+                  </a:p>
+                </p:txBody>
+              </p:sp>
+              <p:sp>
+                <p:nvSpPr>
+                  <p:cNvPr id="99" name="Rechteck 98">
+                    <a:extLst>
+                      <a:ext uri="{FF2B5EF4-FFF2-40B4-BE49-F238E27FC236}">
+                        <a16:creationId xmlns:a16="http://schemas.microsoft.com/office/drawing/2014/main" id="{EAD96183-B5A0-88DD-F7B7-BF41DE995B42}"/>
+                      </a:ext>
+                    </a:extLst>
+                  </p:cNvPr>
+                  <p:cNvSpPr/>
+                  <p:nvPr/>
+                </p:nvSpPr>
+                <p:spPr>
+                  <a:xfrm>
+                    <a:off x="208452" y="2701358"/>
+                    <a:ext cx="556446" cy="166202"/>
+                  </a:xfrm>
+                  <a:prstGeom prst="rect">
+                    <a:avLst/>
+                  </a:prstGeom>
+                  <a:solidFill>
+                    <a:schemeClr val="accent5">
+                      <a:lumMod val="60000"/>
+                      <a:lumOff val="40000"/>
+                    </a:schemeClr>
+                  </a:solidFill>
+                  <a:ln>
+                    <a:solidFill>
+                      <a:schemeClr val="accent5">
+                        <a:lumMod val="60000"/>
+                        <a:lumOff val="40000"/>
+                      </a:schemeClr>
+                    </a:solidFill>
+                  </a:ln>
+                </p:spPr>
+                <p:style>
+                  <a:lnRef idx="2">
+                    <a:schemeClr val="accent1">
+                      <a:shade val="50000"/>
+                    </a:schemeClr>
+                  </a:lnRef>
+                  <a:fillRef idx="1">
+                    <a:schemeClr val="accent1"/>
+                  </a:fillRef>
+                  <a:effectRef idx="0">
+                    <a:schemeClr val="accent1"/>
+                  </a:effectRef>
+                  <a:fontRef idx="minor">
+                    <a:schemeClr val="lt1"/>
+                  </a:fontRef>
+                </p:style>
+                <p:txBody>
+                  <a:bodyPr rtlCol="0" anchor="ctr"/>
+                  <a:lstStyle/>
+                  <a:p>
+                    <a:pPr algn="ctr"/>
+                    <a:endParaRPr lang="de-DE"/>
+                  </a:p>
+                </p:txBody>
+              </p:sp>
+            </p:grpSp>
+            <p:sp>
+              <p:nvSpPr>
+                <p:cNvPr id="85" name="Rechteck 84">
+                  <a:extLst>
+                    <a:ext uri="{FF2B5EF4-FFF2-40B4-BE49-F238E27FC236}">
+                      <a16:creationId xmlns:a16="http://schemas.microsoft.com/office/drawing/2014/main" id="{656E5EBE-A121-7382-272D-CF6B18A92C91}"/>
+                    </a:ext>
+                  </a:extLst>
+                </p:cNvPr>
+                <p:cNvSpPr/>
+                <p:nvPr/>
+              </p:nvSpPr>
+              <p:spPr>
+                <a:xfrm>
+                  <a:off x="1055440" y="2334959"/>
+                  <a:ext cx="1607039" cy="798156"/>
+                </a:xfrm>
+                <a:prstGeom prst="rect">
+                  <a:avLst/>
+                </a:prstGeom>
+                <a:solidFill>
+                  <a:schemeClr val="accent2">
+                    <a:lumMod val="60000"/>
+                    <a:lumOff val="40000"/>
+                  </a:schemeClr>
+                </a:solidFill>
+                <a:ln>
+                  <a:solidFill>
+                    <a:schemeClr val="bg1"/>
+                  </a:solidFill>
+                </a:ln>
+              </p:spPr>
+              <p:style>
+                <a:lnRef idx="2">
+                  <a:schemeClr val="accent1">
+                    <a:shade val="50000"/>
+                  </a:schemeClr>
+                </a:lnRef>
+                <a:fillRef idx="1">
+                  <a:schemeClr val="accent1"/>
+                </a:fillRef>
+                <a:effectRef idx="0">
+                  <a:schemeClr val="accent1"/>
+                </a:effectRef>
+                <a:fontRef idx="minor">
+                  <a:schemeClr val="lt1"/>
+                </a:fontRef>
+              </p:style>
+              <p:txBody>
+                <a:bodyPr rtlCol="0" anchor="ctr"/>
+                <a:lstStyle/>
+                <a:p>
+                  <a:pPr algn="ctr"/>
+                  <a:r>
+                    <a:rPr lang="de-DE" dirty="0" smtClean="0"/>
+                    <a:t>ASD</a:t>
+                  </a:r>
+                  <a:endParaRPr lang="de-DE" dirty="0"/>
+                </a:p>
+              </p:txBody>
+            </p:sp>
+            <p:cxnSp>
+              <p:nvCxnSpPr>
+                <p:cNvPr id="86" name="Gerader Verbinder 85">
+                  <a:extLst>
+                    <a:ext uri="{FF2B5EF4-FFF2-40B4-BE49-F238E27FC236}">
+                      <a16:creationId xmlns:a16="http://schemas.microsoft.com/office/drawing/2014/main" id="{B48C830E-E5E8-53BA-85C8-AB7E6743E8B1}"/>
+                    </a:ext>
+                  </a:extLst>
+                </p:cNvPr>
+                <p:cNvCxnSpPr>
+                  <a:cxnSpLocks/>
+                </p:cNvCxnSpPr>
+                <p:nvPr/>
+              </p:nvCxnSpPr>
+              <p:spPr>
+                <a:xfrm>
+                  <a:off x="764899" y="2734037"/>
+                  <a:ext cx="290541" cy="0"/>
+                </a:xfrm>
+                <a:prstGeom prst="line">
+                  <a:avLst/>
+                </a:prstGeom>
+                <a:ln w="38100">
+                  <a:solidFill>
+                    <a:schemeClr val="accent5">
+                      <a:lumMod val="60000"/>
+                      <a:lumOff val="40000"/>
+                    </a:schemeClr>
+                  </a:solidFill>
+                </a:ln>
+              </p:spPr>
+              <p:style>
+                <a:lnRef idx="1">
+                  <a:schemeClr val="accent1"/>
+                </a:lnRef>
+                <a:fillRef idx="0">
+                  <a:schemeClr val="accent1"/>
+                </a:fillRef>
+                <a:effectRef idx="0">
+                  <a:schemeClr val="accent1"/>
+                </a:effectRef>
+                <a:fontRef idx="minor">
+                  <a:schemeClr val="tx1"/>
+                </a:fontRef>
+              </p:style>
+            </p:cxnSp>
+            <p:sp>
+              <p:nvSpPr>
+                <p:cNvPr id="87" name="Rechteck: abgerundete Ecken 27">
+                  <a:extLst>
+                    <a:ext uri="{FF2B5EF4-FFF2-40B4-BE49-F238E27FC236}">
+                      <a16:creationId xmlns:a16="http://schemas.microsoft.com/office/drawing/2014/main" id="{AFC4C816-5706-D318-2596-B3DD84588F3A}"/>
+                    </a:ext>
+                  </a:extLst>
+                </p:cNvPr>
+                <p:cNvSpPr/>
+                <p:nvPr/>
+              </p:nvSpPr>
+              <p:spPr>
+                <a:xfrm rot="1976257">
+                  <a:off x="5016618" y="1260403"/>
+                  <a:ext cx="1167119" cy="238249"/>
+                </a:xfrm>
+                <a:prstGeom prst="roundRect">
+                  <a:avLst/>
+                </a:prstGeom>
+                <a:ln w="38100">
+                  <a:solidFill>
+                    <a:schemeClr val="accent1">
+                      <a:lumMod val="75000"/>
+                    </a:schemeClr>
+                  </a:solidFill>
+                </a:ln>
+              </p:spPr>
+              <p:style>
+                <a:lnRef idx="1">
+                  <a:schemeClr val="accent1"/>
+                </a:lnRef>
+                <a:fillRef idx="0">
+                  <a:schemeClr val="accent1"/>
+                </a:fillRef>
+                <a:effectRef idx="0">
+                  <a:schemeClr val="accent1"/>
+                </a:effectRef>
+                <a:fontRef idx="minor">
+                  <a:schemeClr val="tx1"/>
+                </a:fontRef>
+              </p:style>
+              <p:txBody>
+                <a:bodyPr rtlCol="0" anchor="ctr"/>
+                <a:lstStyle/>
+                <a:p>
+                  <a:pPr algn="ctr"/>
+                  <a:endParaRPr lang="de-DE"/>
+                </a:p>
+              </p:txBody>
+            </p:sp>
+            <p:sp>
+              <p:nvSpPr>
+                <p:cNvPr id="88" name="Rechteck 87">
+                  <a:extLst>
+                    <a:ext uri="{FF2B5EF4-FFF2-40B4-BE49-F238E27FC236}">
+                      <a16:creationId xmlns:a16="http://schemas.microsoft.com/office/drawing/2014/main" id="{656E5EBE-A121-7382-272D-CF6B18A92C91}"/>
+                    </a:ext>
+                  </a:extLst>
+                </p:cNvPr>
+                <p:cNvSpPr/>
+                <p:nvPr/>
+              </p:nvSpPr>
+              <p:spPr>
+                <a:xfrm>
+                  <a:off x="2926818" y="2334959"/>
+                  <a:ext cx="1607039" cy="798156"/>
+                </a:xfrm>
+                <a:prstGeom prst="rect">
+                  <a:avLst/>
+                </a:prstGeom>
+                <a:solidFill>
+                  <a:schemeClr val="accent2">
+                    <a:lumMod val="60000"/>
+                    <a:lumOff val="40000"/>
+                  </a:schemeClr>
+                </a:solidFill>
+                <a:ln>
+                  <a:solidFill>
+                    <a:schemeClr val="bg1"/>
+                  </a:solidFill>
+                </a:ln>
+              </p:spPr>
+              <p:style>
+                <a:lnRef idx="2">
+                  <a:schemeClr val="accent1">
+                    <a:shade val="50000"/>
+                  </a:schemeClr>
+                </a:lnRef>
+                <a:fillRef idx="1">
+                  <a:schemeClr val="accent1"/>
+                </a:fillRef>
+                <a:effectRef idx="0">
+                  <a:schemeClr val="accent1"/>
+                </a:effectRef>
+                <a:fontRef idx="minor">
+                  <a:schemeClr val="lt1"/>
+                </a:fontRef>
+              </p:style>
+              <p:txBody>
+                <a:bodyPr rtlCol="0" anchor="ctr"/>
+                <a:lstStyle/>
+                <a:p>
+                  <a:pPr algn="ctr"/>
+                  <a:r>
+                    <a:rPr lang="de-DE" dirty="0" smtClean="0"/>
+                    <a:t>RWA</a:t>
+                  </a:r>
+                  <a:endParaRPr lang="de-DE" dirty="0"/>
+                </a:p>
+              </p:txBody>
+            </p:sp>
+            <p:cxnSp>
+              <p:nvCxnSpPr>
+                <p:cNvPr id="89" name="Gerader Verbinder 88">
+                  <a:extLst>
+                    <a:ext uri="{FF2B5EF4-FFF2-40B4-BE49-F238E27FC236}">
+                      <a16:creationId xmlns:a16="http://schemas.microsoft.com/office/drawing/2014/main" id="{B48C830E-E5E8-53BA-85C8-AB7E6743E8B1}"/>
+                    </a:ext>
+                  </a:extLst>
+                </p:cNvPr>
+                <p:cNvCxnSpPr>
+                  <a:cxnSpLocks/>
+                  <a:stCxn id="88" idx="3"/>
+                  <a:endCxn id="76" idx="1"/>
+                </p:cNvCxnSpPr>
+                <p:nvPr/>
+              </p:nvCxnSpPr>
+              <p:spPr>
+                <a:xfrm>
+                  <a:off x="4533857" y="2734037"/>
+                  <a:ext cx="193991" cy="0"/>
+                </a:xfrm>
+                <a:prstGeom prst="line">
+                  <a:avLst/>
+                </a:prstGeom>
+                <a:ln w="38100">
+                  <a:solidFill>
+                    <a:schemeClr val="accent5">
+                      <a:lumMod val="60000"/>
+                      <a:lumOff val="40000"/>
+                    </a:schemeClr>
+                  </a:solidFill>
+                </a:ln>
+              </p:spPr>
+              <p:style>
+                <a:lnRef idx="1">
+                  <a:schemeClr val="accent1"/>
+                </a:lnRef>
+                <a:fillRef idx="0">
+                  <a:schemeClr val="accent1"/>
+                </a:fillRef>
+                <a:effectRef idx="0">
+                  <a:schemeClr val="accent1"/>
+                </a:effectRef>
+                <a:fontRef idx="minor">
+                  <a:schemeClr val="tx1"/>
+                </a:fontRef>
+              </p:style>
+            </p:cxnSp>
+            <p:sp>
+              <p:nvSpPr>
+                <p:cNvPr id="90" name="Rechteck 89">
+                  <a:extLst>
+                    <a:ext uri="{FF2B5EF4-FFF2-40B4-BE49-F238E27FC236}">
+                      <a16:creationId xmlns:a16="http://schemas.microsoft.com/office/drawing/2014/main" id="{656E5EBE-A121-7382-272D-CF6B18A92C91}"/>
+                    </a:ext>
+                  </a:extLst>
+                </p:cNvPr>
+                <p:cNvSpPr/>
+                <p:nvPr/>
+              </p:nvSpPr>
+              <p:spPr>
+                <a:xfrm>
+                  <a:off x="2122579" y="4336653"/>
+                  <a:ext cx="1607039" cy="798156"/>
+                </a:xfrm>
+                <a:prstGeom prst="rect">
+                  <a:avLst/>
+                </a:prstGeom>
+                <a:solidFill>
+                  <a:schemeClr val="accent6">
+                    <a:lumMod val="20000"/>
+                    <a:lumOff val="80000"/>
+                  </a:schemeClr>
+                </a:solidFill>
+                <a:ln>
+                  <a:solidFill>
+                    <a:schemeClr val="bg1"/>
+                  </a:solidFill>
+                </a:ln>
+              </p:spPr>
+              <p:style>
+                <a:lnRef idx="2">
+                  <a:schemeClr val="accent1">
+                    <a:shade val="50000"/>
+                  </a:schemeClr>
+                </a:lnRef>
+                <a:fillRef idx="1">
+                  <a:schemeClr val="accent1"/>
+                </a:fillRef>
+                <a:effectRef idx="0">
+                  <a:schemeClr val="accent1"/>
+                </a:effectRef>
+                <a:fontRef idx="minor">
+                  <a:schemeClr val="lt1"/>
+                </a:fontRef>
+              </p:style>
+              <p:txBody>
+                <a:bodyPr rtlCol="0" anchor="ctr"/>
+                <a:lstStyle/>
+                <a:p>
+                  <a:pPr algn="ctr"/>
+                  <a:r>
+                    <a:rPr lang="de-DE" dirty="0" smtClean="0"/>
+                    <a:t>Lenkmodell</a:t>
+                  </a:r>
+                  <a:endParaRPr lang="de-DE" dirty="0"/>
+                </a:p>
+              </p:txBody>
+            </p:sp>
+            <p:cxnSp>
+              <p:nvCxnSpPr>
+                <p:cNvPr id="91" name="Gewinkelter Verbinder 90"/>
+                <p:cNvCxnSpPr>
+                  <a:stCxn id="85" idx="1"/>
+                  <a:endCxn id="90" idx="1"/>
+                </p:cNvCxnSpPr>
+                <p:nvPr/>
+              </p:nvCxnSpPr>
+              <p:spPr>
+                <a:xfrm rot="10800000" flipH="1" flipV="1">
+                  <a:off x="1055439" y="2734037"/>
+                  <a:ext cx="1067139" cy="2001694"/>
+                </a:xfrm>
+                <a:prstGeom prst="bentConnector3">
+                  <a:avLst>
+                    <a:gd name="adj1" fmla="val -12496"/>
+                  </a:avLst>
+                </a:prstGeom>
+                <a:ln w="28575">
+                  <a:solidFill>
+                    <a:schemeClr val="accent3"/>
+                  </a:solidFill>
+                  <a:prstDash val="dash"/>
+                  <a:tailEnd type="triangle"/>
+                </a:ln>
+              </p:spPr>
+              <p:style>
+                <a:lnRef idx="1">
+                  <a:schemeClr val="accent1"/>
+                </a:lnRef>
+                <a:fillRef idx="0">
+                  <a:schemeClr val="accent1"/>
+                </a:fillRef>
+                <a:effectRef idx="0">
+                  <a:schemeClr val="accent1"/>
+                </a:effectRef>
+                <a:fontRef idx="minor">
+                  <a:schemeClr val="tx1"/>
+                </a:fontRef>
+              </p:style>
+            </p:cxnSp>
+            <p:sp>
+              <p:nvSpPr>
+                <p:cNvPr id="92" name="Textfeld 91"/>
+                <p:cNvSpPr txBox="1"/>
+                <p:nvPr/>
+              </p:nvSpPr>
+              <p:spPr>
+                <a:xfrm>
+                  <a:off x="731437" y="4781381"/>
+                  <a:ext cx="1218603" cy="307777"/>
+                </a:xfrm>
+                <a:prstGeom prst="rect">
+                  <a:avLst/>
+                </a:prstGeom>
+                <a:noFill/>
+              </p:spPr>
+              <p:txBody>
+                <a:bodyPr wrap="none" rtlCol="0">
+                  <a:spAutoFit/>
+                </a:bodyPr>
+                <a:lstStyle/>
+                <a:p>
+                  <a:r>
+                    <a:rPr lang="de-DE" sz="1400" dirty="0" smtClean="0"/>
+                    <a:t>Drehmoment</a:t>
+                  </a:r>
+                  <a:endParaRPr lang="de-DE" sz="1400" dirty="0"/>
+                </a:p>
+              </p:txBody>
+            </p:sp>
+            <p:cxnSp>
+              <p:nvCxnSpPr>
+                <p:cNvPr id="94" name="Gewinkelter Verbinder 93"/>
+                <p:cNvCxnSpPr>
+                  <a:endCxn id="88" idx="2"/>
+                </p:cNvCxnSpPr>
+                <p:nvPr/>
+              </p:nvCxnSpPr>
+              <p:spPr>
+                <a:xfrm rot="5400000" flipH="1" flipV="1">
+                  <a:off x="2895813" y="3502128"/>
+                  <a:ext cx="1203538" cy="465512"/>
+                </a:xfrm>
+                <a:prstGeom prst="bentConnector3">
+                  <a:avLst>
+                    <a:gd name="adj1" fmla="val 47626"/>
+                  </a:avLst>
+                </a:prstGeom>
+                <a:ln w="28575">
+                  <a:solidFill>
+                    <a:schemeClr val="tx1"/>
+                  </a:solidFill>
+                  <a:prstDash val="dash"/>
+                  <a:tailEnd type="triangle"/>
+                </a:ln>
+              </p:spPr>
+              <p:style>
+                <a:lnRef idx="1">
+                  <a:schemeClr val="accent1"/>
+                </a:lnRef>
+                <a:fillRef idx="0">
+                  <a:schemeClr val="accent1"/>
+                </a:fillRef>
+                <a:effectRef idx="0">
+                  <a:schemeClr val="accent1"/>
+                </a:effectRef>
+                <a:fontRef idx="minor">
+                  <a:schemeClr val="tx1"/>
+                </a:fontRef>
+              </p:style>
+            </p:cxnSp>
+            <p:sp>
+              <p:nvSpPr>
+                <p:cNvPr id="95" name="Textfeld 94"/>
+                <p:cNvSpPr txBox="1"/>
+                <p:nvPr/>
+              </p:nvSpPr>
+              <p:spPr>
+                <a:xfrm>
+                  <a:off x="2239730" y="3297137"/>
+                  <a:ext cx="1489888" cy="351571"/>
+                </a:xfrm>
+                <a:prstGeom prst="rect">
+                  <a:avLst/>
+                </a:prstGeom>
+                <a:noFill/>
+              </p:spPr>
+              <p:txBody>
+                <a:bodyPr wrap="none" rtlCol="0">
+                  <a:spAutoFit/>
+                </a:bodyPr>
+                <a:lstStyle/>
+                <a:p>
+                  <a:r>
+                    <a:rPr lang="de-DE" sz="1400" dirty="0" smtClean="0"/>
+                    <a:t>Moment. RWA</a:t>
+                  </a:r>
+                  <a:endParaRPr lang="de-DE" sz="1400" dirty="0"/>
+                </a:p>
+              </p:txBody>
+            </p:sp>
+          </p:grpSp>
+        </p:grpSp>
+        <p:cxnSp>
+          <p:nvCxnSpPr>
+            <p:cNvPr id="104" name="Gewinkelter Verbinder 103"/>
+            <p:cNvCxnSpPr>
+              <a:endCxn id="90" idx="3"/>
+            </p:cNvCxnSpPr>
+            <p:nvPr/>
+          </p:nvCxnSpPr>
+          <p:spPr>
+            <a:xfrm rot="5400000">
+              <a:off x="9013070" y="3804412"/>
+              <a:ext cx="1402981" cy="559081"/>
+            </a:xfrm>
+            <a:prstGeom prst="bentConnector2">
+              <a:avLst/>
+            </a:prstGeom>
+            <a:ln w="28575">
+              <a:solidFill>
+                <a:schemeClr val="accent6">
+                  <a:lumMod val="60000"/>
+                  <a:lumOff val="40000"/>
+                </a:schemeClr>
+              </a:solidFill>
+              <a:prstDash val="dash"/>
+              <a:tailEnd type="triangle"/>
+            </a:ln>
+          </p:spPr>
+          <p:style>
+            <a:lnRef idx="1">
+              <a:schemeClr val="accent1"/>
+            </a:lnRef>
+            <a:fillRef idx="0">
+              <a:schemeClr val="accent1"/>
+            </a:fillRef>
+            <a:effectRef idx="0">
+              <a:schemeClr val="accent1"/>
+            </a:effectRef>
+            <a:fontRef idx="minor">
+              <a:schemeClr val="tx1"/>
+            </a:fontRef>
+          </p:style>
+        </p:cxnSp>
+        <p:sp>
+          <p:nvSpPr>
+            <p:cNvPr id="107" name="Textfeld 106"/>
+            <p:cNvSpPr txBox="1"/>
+            <p:nvPr/>
+          </p:nvSpPr>
+          <p:spPr>
+            <a:xfrm>
+              <a:off x="9407938" y="4800597"/>
+              <a:ext cx="1561068" cy="307777"/>
+            </a:xfrm>
+            <a:prstGeom prst="rect">
+              <a:avLst/>
+            </a:prstGeom>
+            <a:noFill/>
+          </p:spPr>
+          <p:txBody>
+            <a:bodyPr wrap="none" rtlCol="0">
+              <a:spAutoFit/>
+            </a:bodyPr>
+            <a:lstStyle/>
+            <a:p>
+              <a:r>
+                <a:rPr lang="de-DE" sz="1400" dirty="0" smtClean="0"/>
+                <a:t>Pos. RWA </a:t>
+              </a:r>
+              <a:r>
+                <a:rPr lang="de-DE" sz="1400" dirty="0" err="1" smtClean="0"/>
+                <a:t>istwert</a:t>
+              </a:r>
+              <a:endParaRPr lang="de-DE" sz="1400" dirty="0"/>
+            </a:p>
+          </p:txBody>
+        </p:sp>
+        <p:cxnSp>
+          <p:nvCxnSpPr>
+            <p:cNvPr id="108" name="Gewinkelter Verbinder 107"/>
+            <p:cNvCxnSpPr/>
+            <p:nvPr/>
+          </p:nvCxnSpPr>
+          <p:spPr>
+            <a:xfrm rot="16200000" flipV="1">
+              <a:off x="7359500" y="3604441"/>
+              <a:ext cx="1053617" cy="609656"/>
+            </a:xfrm>
+            <a:prstGeom prst="bentConnector3">
+              <a:avLst>
+                <a:gd name="adj1" fmla="val 50000"/>
+              </a:avLst>
+            </a:prstGeom>
+            <a:ln w="28575">
+              <a:solidFill>
+                <a:schemeClr val="tx1"/>
+              </a:solidFill>
+              <a:prstDash val="dash"/>
+              <a:tailEnd type="triangle"/>
+            </a:ln>
+          </p:spPr>
+          <p:style>
+            <a:lnRef idx="1">
+              <a:schemeClr val="accent1"/>
+            </a:lnRef>
+            <a:fillRef idx="0">
+              <a:schemeClr val="accent1"/>
+            </a:fillRef>
+            <a:effectRef idx="0">
+              <a:schemeClr val="accent1"/>
+            </a:effectRef>
+            <a:fontRef idx="minor">
+              <a:schemeClr val="tx1"/>
+            </a:fontRef>
+          </p:style>
+        </p:cxnSp>
+        <p:sp>
+          <p:nvSpPr>
+            <p:cNvPr id="109" name="Textfeld 108"/>
+            <p:cNvSpPr txBox="1"/>
+            <p:nvPr/>
+          </p:nvSpPr>
+          <p:spPr>
+            <a:xfrm>
+              <a:off x="7272226" y="3939078"/>
+              <a:ext cx="857961" cy="269438"/>
+            </a:xfrm>
+            <a:prstGeom prst="rect">
+              <a:avLst/>
+            </a:prstGeom>
+            <a:noFill/>
+          </p:spPr>
+          <p:txBody>
+            <a:bodyPr wrap="none" rtlCol="0">
+              <a:spAutoFit/>
+            </a:bodyPr>
+            <a:lstStyle/>
+            <a:p>
+              <a:r>
+                <a:rPr lang="de-DE" sz="1400" dirty="0" smtClean="0"/>
+                <a:t>Pos. ASD</a:t>
+              </a:r>
+              <a:endParaRPr lang="de-DE" sz="1400" dirty="0"/>
+            </a:p>
+          </p:txBody>
+        </p:sp>
+      </p:grpSp>
+      <p:sp>
+        <p:nvSpPr>
+          <p:cNvPr id="110" name="Textfeld 109"/>
+          <p:cNvSpPr txBox="1"/>
+          <p:nvPr/>
+        </p:nvSpPr>
+        <p:spPr>
+          <a:xfrm>
+            <a:off x="241520" y="1512376"/>
+            <a:ext cx="4579843" cy="2246769"/>
+          </a:xfrm>
+          <a:prstGeom prst="rect">
+            <a:avLst/>
+          </a:prstGeom>
+          <a:noFill/>
+        </p:spPr>
+        <p:txBody>
+          <a:bodyPr wrap="none" rtlCol="0">
+            <a:spAutoFit/>
+          </a:bodyPr>
+          <a:lstStyle/>
+          <a:p>
+            <a:r>
+              <a:rPr lang="de-DE" sz="1400" dirty="0" smtClean="0"/>
+              <a:t>B1 Lenkmodell:</a:t>
+            </a:r>
+          </a:p>
+          <a:p>
+            <a:pPr marL="285750" indent="-285750">
+              <a:buFont typeface="Courier New" panose="02070309020205020404" pitchFamily="49" charset="0"/>
+              <a:buChar char="o"/>
+            </a:pPr>
+            <a:r>
+              <a:rPr lang="de-DE" sz="1400" dirty="0" smtClean="0"/>
+              <a:t>Möglichkeit 1:</a:t>
+            </a:r>
+          </a:p>
+          <a:p>
+            <a:pPr marL="742950" lvl="1" indent="-285750">
+              <a:buFont typeface="Wingdings" panose="05000000000000000000" pitchFamily="2" charset="2"/>
+              <a:buChar char="§"/>
+            </a:pPr>
+            <a:r>
+              <a:rPr lang="de-DE" sz="1400" dirty="0" smtClean="0"/>
+              <a:t>Messwert Drehmoment -&gt; Sollposition RWA</a:t>
+            </a:r>
+          </a:p>
+          <a:p>
+            <a:pPr lvl="5"/>
+            <a:r>
+              <a:rPr lang="de-DE" sz="1400" dirty="0" smtClean="0"/>
+              <a:t>           -&gt; Sollposition ASD</a:t>
+            </a:r>
+          </a:p>
+          <a:p>
+            <a:pPr marL="285750" indent="-285750">
+              <a:buFont typeface="Courier New" panose="02070309020205020404" pitchFamily="49" charset="0"/>
+              <a:buChar char="o"/>
+            </a:pPr>
+            <a:r>
+              <a:rPr lang="de-DE" sz="1400" dirty="0" smtClean="0"/>
+              <a:t>Möglichkeit 2:</a:t>
+            </a:r>
+          </a:p>
+          <a:p>
+            <a:pPr marL="742950" lvl="1" indent="-285750">
+              <a:buFont typeface="Wingdings" panose="05000000000000000000" pitchFamily="2" charset="2"/>
+              <a:buChar char="§"/>
+            </a:pPr>
+            <a:r>
+              <a:rPr lang="de-DE" sz="1400" dirty="0" smtClean="0"/>
+              <a:t>Messwert </a:t>
+            </a:r>
+            <a:r>
+              <a:rPr lang="de-DE" sz="1400" dirty="0"/>
+              <a:t>Drehmoment -&gt; Sollposition </a:t>
+            </a:r>
+            <a:r>
+              <a:rPr lang="de-DE" sz="1400" dirty="0" smtClean="0"/>
+              <a:t>RWA</a:t>
+            </a:r>
+          </a:p>
+          <a:p>
+            <a:pPr marL="742950" lvl="1" indent="-285750">
+              <a:buFont typeface="Wingdings" panose="05000000000000000000" pitchFamily="2" charset="2"/>
+              <a:buChar char="§"/>
+            </a:pPr>
+            <a:r>
+              <a:rPr lang="de-DE" sz="1400" dirty="0" smtClean="0"/>
+              <a:t>Messwert RWA Pos.      </a:t>
+            </a:r>
+            <a:r>
+              <a:rPr lang="de-DE" sz="1400" dirty="0"/>
+              <a:t>-&gt; Sollposition ASD</a:t>
+            </a:r>
+          </a:p>
+          <a:p>
+            <a:pPr marL="285750" indent="-285750">
+              <a:buFont typeface="Wingdings" panose="05000000000000000000" pitchFamily="2" charset="2"/>
+              <a:buChar char="§"/>
+            </a:pPr>
+            <a:endParaRPr lang="de-DE" sz="1400" dirty="0" smtClean="0"/>
+          </a:p>
+          <a:p>
+            <a:pPr marL="742950" lvl="1" indent="-285750">
+              <a:buFont typeface="Wingdings" panose="05000000000000000000" pitchFamily="2" charset="2"/>
+              <a:buChar char="§"/>
+            </a:pPr>
+            <a:endParaRPr lang="de-DE" sz="1400" dirty="0" smtClean="0"/>
+          </a:p>
+          <a:p>
+            <a:pPr lvl="4"/>
+            <a:endParaRPr lang="de-DE" sz="1400" dirty="0" smtClean="0"/>
+          </a:p>
+        </p:txBody>
+      </p:sp>
+      <p:sp>
+        <p:nvSpPr>
+          <p:cNvPr id="113" name="Textfeld 112"/>
+          <p:cNvSpPr txBox="1"/>
+          <p:nvPr/>
+        </p:nvSpPr>
+        <p:spPr>
+          <a:xfrm>
+            <a:off x="6381725" y="1510907"/>
+            <a:ext cx="4453142" cy="1169551"/>
+          </a:xfrm>
+          <a:prstGeom prst="rect">
+            <a:avLst/>
+          </a:prstGeom>
+          <a:noFill/>
+        </p:spPr>
+        <p:txBody>
+          <a:bodyPr wrap="none" rtlCol="0">
+            <a:spAutoFit/>
+          </a:bodyPr>
+          <a:lstStyle/>
+          <a:p>
+            <a:r>
+              <a:rPr lang="de-DE" sz="1400" dirty="0" smtClean="0"/>
+              <a:t>Alternative:</a:t>
+            </a:r>
+          </a:p>
+          <a:p>
+            <a:pPr marL="742950" lvl="1" indent="-285750">
+              <a:buFont typeface="Wingdings" panose="05000000000000000000" pitchFamily="2" charset="2"/>
+              <a:buChar char="§"/>
+            </a:pPr>
+            <a:r>
+              <a:rPr lang="de-DE" sz="1400" dirty="0" smtClean="0"/>
+              <a:t>Messwert Drehmoment -&gt; Sollmoment RWA</a:t>
+            </a:r>
+          </a:p>
+          <a:p>
+            <a:pPr marL="742950" lvl="1" indent="-285750">
+              <a:buFont typeface="Wingdings" panose="05000000000000000000" pitchFamily="2" charset="2"/>
+              <a:buChar char="§"/>
+            </a:pPr>
+            <a:r>
+              <a:rPr lang="de-DE" sz="1400" dirty="0" smtClean="0"/>
+              <a:t>Messwert RWA Pos.     -&gt; Sollposition ASD</a:t>
+            </a:r>
+          </a:p>
+          <a:p>
+            <a:pPr marL="742950" lvl="1" indent="-285750">
+              <a:buFont typeface="Wingdings" panose="05000000000000000000" pitchFamily="2" charset="2"/>
+              <a:buChar char="§"/>
+            </a:pPr>
+            <a:endParaRPr lang="de-DE" sz="1400" dirty="0" smtClean="0"/>
+          </a:p>
+          <a:p>
+            <a:pPr lvl="4"/>
+            <a:endParaRPr lang="de-DE" sz="1400" dirty="0" smtClean="0"/>
+          </a:p>
+        </p:txBody>
+      </p:sp>
+    </p:spTree>
+    <p:extLst>
+      <p:ext uri="{BB962C8B-B14F-4D97-AF65-F5344CB8AC3E}">
+        <p14:creationId xmlns:p14="http://schemas.microsoft.com/office/powerpoint/2010/main" val="2357918533"/>
+      </p:ext>
+    </p:extLst>
+  </p:cSld>
+  <p:clrMapOvr>
+    <a:masterClrMapping/>
+  </p:clrMapOvr>
+  <p:timing>
+    <p:tnLst>
+      <p:par>
+        <p:cTn id="1" dur="indefinite" restart="never" nodeType="tmRoot"/>
+      </p:par>
+    </p:tnLst>
+  </p:timing>
+</p:sld>
+</file>
+
+<file path=ppt/slides/slide12.xml><?xml version="1.0" encoding="utf-8"?>
+<p:sld xmlns:a="http://schemas.openxmlformats.org/drawingml/2006/main" xmlns:r="http://schemas.openxmlformats.org/officeDocument/2006/relationships" xmlns:p="http://schemas.openxmlformats.org/presentationml/2006/main">
+  <p:cSld>
+    <p:spTree>
+      <p:nvGrpSpPr>
+        <p:cNvPr id="1" name=""/>
+        <p:cNvGrpSpPr/>
+        <p:nvPr/>
+      </p:nvGrpSpPr>
+      <p:grpSpPr>
+        <a:xfrm>
+          <a:off x="0" y="0"/>
+          <a:ext cx="0" cy="0"/>
+          <a:chOff x="0" y="0"/>
+          <a:chExt cx="0" cy="0"/>
+        </a:xfrm>
+      </p:grpSpPr>
+      <p:graphicFrame>
+        <p:nvGraphicFramePr>
+          <p:cNvPr id="10" name="Objekt 9" hidden="1"/>
+          <p:cNvGraphicFramePr>
+            <a:graphicFrameLocks noChangeAspect="1"/>
+          </p:cNvGraphicFramePr>
+          <p:nvPr>
+            <p:custDataLst>
+              <p:tags r:id="rId2"/>
+            </p:custDataLst>
+          </p:nvPr>
+        </p:nvGraphicFramePr>
+        <p:xfrm>
+          <a:off x="1525588" y="1589"/>
+          <a:ext cx="1587" cy="1587"/>
+        </p:xfrm>
+        <a:graphic>
+          <a:graphicData uri="http://schemas.openxmlformats.org/presentationml/2006/ole">
+            <mc:AlternateContent xmlns:mc="http://schemas.openxmlformats.org/markup-compatibility/2006">
+              <mc:Choice xmlns:v="urn:schemas-microsoft-com:vml" Requires="v">
+                <p:oleObj spid="_x0000_s5124" name="think-cell Folie" r:id="rId4" imgW="360" imgH="360" progId="">
+                  <p:embed/>
+                </p:oleObj>
+              </mc:Choice>
+              <mc:Fallback>
+                <p:oleObj name="think-cell Folie" r:id="rId4" imgW="360" imgH="360" progId="">
+                  <p:embed/>
+                  <p:pic>
+                    <p:nvPicPr>
+                      <p:cNvPr id="10" name="Objekt 9" hidden="1"/>
+                      <p:cNvPicPr>
+                        <a:picLocks noChangeAspect="1" noChangeArrowheads="1"/>
+                      </p:cNvPicPr>
+                      <p:nvPr/>
+                    </p:nvPicPr>
+                    <p:blipFill>
+                      <a:blip r:embed="rId5">
+                        <a:extLst>
+                          <a:ext uri="{28A0092B-C50C-407E-A947-70E740481C1C}">
+                            <a14:useLocalDpi xmlns:a14="http://schemas.microsoft.com/office/drawing/2010/main" val="0"/>
+                          </a:ext>
+                        </a:extLst>
+                      </a:blip>
+                      <a:srcRect/>
+                      <a:stretch>
+                        <a:fillRect/>
+                      </a:stretch>
+                    </p:blipFill>
+                    <p:spPr bwMode="auto">
+                      <a:xfrm>
+                        <a:off x="1525588" y="1589"/>
+                        <a:ext cx="1587" cy="1587"/>
+                      </a:xfrm>
+                      <a:prstGeom prst="rect">
+                        <a:avLst/>
+                      </a:prstGeom>
+                      <a:noFill/>
+                      <a:extLst>
+                        <a:ext uri="{909E8E84-426E-40DD-AFC4-6F175D3DCCD1}">
+                          <a14:hiddenFill xmlns:a14="http://schemas.microsoft.com/office/drawing/2010/main">
+                            <a:solidFill>
+                              <a:srgbClr val="FFFFFF"/>
+                            </a:solidFill>
+                          </a14:hiddenFill>
+                        </a:ext>
+                      </a:extLst>
+                    </p:spPr>
+                  </p:pic>
+                </p:oleObj>
+              </mc:Fallback>
+            </mc:AlternateContent>
+          </a:graphicData>
+        </a:graphic>
+      </p:graphicFrame>
+      <p:grpSp>
+        <p:nvGrpSpPr>
+          <p:cNvPr id="6" name="Highlight"/>
+          <p:cNvGrpSpPr>
+            <a:grpSpLocks/>
+          </p:cNvGrpSpPr>
+          <p:nvPr/>
+        </p:nvGrpSpPr>
+        <p:grpSpPr bwMode="auto">
+          <a:xfrm>
+            <a:off x="330200" y="2501677"/>
+            <a:ext cx="11518900" cy="288776"/>
+            <a:chOff x="342" y="1063"/>
+            <a:chExt cx="4329" cy="276"/>
+          </a:xfrm>
+        </p:grpSpPr>
+        <p:sp>
+          <p:nvSpPr>
+            <p:cNvPr id="7" name="Rectangle 1042"/>
+            <p:cNvSpPr>
+              <a:spLocks noChangeArrowheads="1"/>
+            </p:cNvSpPr>
+            <p:nvPr/>
+          </p:nvSpPr>
+          <p:spPr bwMode="auto">
+            <a:xfrm>
+              <a:off x="342" y="1063"/>
+              <a:ext cx="3118" cy="276"/>
+            </a:xfrm>
+            <a:prstGeom prst="rect">
+              <a:avLst/>
+            </a:prstGeom>
+            <a:solidFill>
+              <a:srgbClr val="FFFF00"/>
+            </a:solidFill>
+            <a:ln w="7239">
+              <a:noFill/>
+              <a:miter lim="800000"/>
+              <a:headEnd/>
+              <a:tailEnd/>
+            </a:ln>
+          </p:spPr>
+          <p:txBody>
+            <a:bodyPr wrap="none" anchor="ctr"/>
+            <a:lstStyle/>
+            <a:p>
+              <a:pPr algn="r" eaLnBrk="0" hangingPunct="0"/>
+              <a:endParaRPr lang="de-DE" dirty="0"/>
+            </a:p>
+          </p:txBody>
+        </p:sp>
+        <p:sp>
+          <p:nvSpPr>
+            <p:cNvPr id="8" name="Rectangle 1043"/>
+            <p:cNvSpPr>
+              <a:spLocks noChangeArrowheads="1"/>
+            </p:cNvSpPr>
+            <p:nvPr/>
+          </p:nvSpPr>
+          <p:spPr bwMode="auto">
+            <a:xfrm>
+              <a:off x="3460" y="1063"/>
+              <a:ext cx="1211" cy="276"/>
+            </a:xfrm>
+            <a:prstGeom prst="rect">
+              <a:avLst/>
+            </a:prstGeom>
+            <a:gradFill flip="none" rotWithShape="1">
+              <a:gsLst>
+                <a:gs pos="0">
+                  <a:srgbClr val="FFFF00"/>
+                </a:gs>
+                <a:gs pos="100000">
+                  <a:srgbClr val="FFFFFF"/>
+                </a:gs>
+              </a:gsLst>
+              <a:lin ang="0" scaled="1"/>
+              <a:tileRect/>
+            </a:gradFill>
+            <a:ln w="7239">
+              <a:noFill/>
+              <a:miter lim="800000"/>
+              <a:headEnd/>
+              <a:tailEnd/>
+            </a:ln>
+          </p:spPr>
+          <p:txBody>
+            <a:bodyPr wrap="none" anchor="ctr"/>
+            <a:lstStyle/>
+            <a:p>
+              <a:pPr algn="r" eaLnBrk="0" hangingPunct="0"/>
+              <a:endParaRPr lang="de-DE" dirty="0"/>
+            </a:p>
+          </p:txBody>
+        </p:sp>
+      </p:grpSp>
+      <p:sp>
+        <p:nvSpPr>
+          <p:cNvPr id="4" name="Titel 3"/>
+          <p:cNvSpPr>
+            <a:spLocks noGrp="1"/>
+          </p:cNvSpPr>
+          <p:nvPr>
+            <p:ph type="title"/>
+          </p:nvPr>
+        </p:nvSpPr>
+        <p:spPr/>
+        <p:txBody>
+          <a:bodyPr/>
+          <a:lstStyle/>
+          <a:p>
+            <a:r>
+              <a:rPr lang="de-DE" dirty="0"/>
+              <a:t>Agenda</a:t>
+            </a:r>
+          </a:p>
+        </p:txBody>
+      </p:sp>
+      <p:sp>
+        <p:nvSpPr>
+          <p:cNvPr id="14" name="Inhaltsplatzhalter 13"/>
+          <p:cNvSpPr>
+            <a:spLocks noGrp="1"/>
+          </p:cNvSpPr>
+          <p:nvPr>
+            <p:ph idx="1"/>
+          </p:nvPr>
+        </p:nvSpPr>
+        <p:spPr/>
+        <p:txBody>
+          <a:bodyPr/>
+          <a:lstStyle/>
+          <a:p>
+            <a:r>
+              <a:rPr lang="de-DE" dirty="0" smtClean="0"/>
+              <a:t>Projektziele</a:t>
+            </a:r>
+          </a:p>
+          <a:p>
+            <a:r>
+              <a:rPr lang="de-DE" dirty="0" smtClean="0"/>
+              <a:t>Hardware</a:t>
+            </a:r>
+          </a:p>
+          <a:p>
+            <a:r>
+              <a:rPr lang="de-DE" dirty="0" smtClean="0"/>
+              <a:t>Software</a:t>
+            </a:r>
+          </a:p>
+          <a:p>
+            <a:r>
+              <a:rPr lang="de-DE" dirty="0" smtClean="0"/>
+              <a:t>Integration</a:t>
+            </a:r>
+          </a:p>
+          <a:p>
+            <a:r>
+              <a:rPr lang="de-DE" dirty="0" smtClean="0"/>
+              <a:t>Probleme</a:t>
+            </a:r>
+          </a:p>
+          <a:p>
+            <a:r>
+              <a:rPr lang="de-DE" dirty="0" smtClean="0"/>
+              <a:t>Projektergebnis</a:t>
+            </a:r>
+          </a:p>
+          <a:p>
+            <a:endParaRPr lang="de-DE" dirty="0"/>
+          </a:p>
+        </p:txBody>
+      </p:sp>
+    </p:spTree>
+    <p:extLst>
+      <p:ext uri="{BB962C8B-B14F-4D97-AF65-F5344CB8AC3E}">
+        <p14:creationId xmlns:p14="http://schemas.microsoft.com/office/powerpoint/2010/main" val="2182377498"/>
+      </p:ext>
+    </p:extLst>
+  </p:cSld>
+  <p:clrMapOvr>
+    <a:masterClrMapping/>
+  </p:clrMapOvr>
+  <p:timing>
+    <p:tnLst>
+      <p:par>
+        <p:cTn id="1" dur="indefinite" restart="never" nodeType="tmRoot">
+          <p:childTnLst>
+            <p:seq concurrent="1" nextAc="seek">
+              <p:cTn id="2" dur="indefinite" nodeType="mainSeq">
+                <p:childTnLst>
+                  <p:par>
+                    <p:cTn id="3" fill="hold">
+                      <p:stCondLst>
+                        <p:cond delay="indefinite"/>
+                      </p:stCondLst>
+                      <p:childTnLst>
+                        <p:par>
+                          <p:cTn id="4" fill="hold">
+                            <p:stCondLst>
+                              <p:cond delay="0"/>
+                            </p:stCondLst>
+                            <p:childTnLst>
+                              <p:par>
+                                <p:cTn id="5" presetID="22" presetClass="entr" presetSubtype="8" fill="hold" nodeType="clickEffect">
+                                  <p:stCondLst>
+                                    <p:cond delay="0"/>
+                                  </p:stCondLst>
+                                  <p:childTnLst>
+                                    <p:set>
+                                      <p:cBhvr>
+                                        <p:cTn id="6" dur="1" fill="hold">
+                                          <p:stCondLst>
+                                            <p:cond delay="0"/>
+                                          </p:stCondLst>
+                                        </p:cTn>
+                                        <p:tgtEl>
+                                          <p:spTgt spid="6"/>
+                                        </p:tgtEl>
+                                        <p:attrNameLst>
+                                          <p:attrName>style.visibility</p:attrName>
+                                        </p:attrNameLst>
+                                      </p:cBhvr>
+                                      <p:to>
+                                        <p:strVal val="visible"/>
+                                      </p:to>
+                                    </p:set>
+                                    <p:animEffect transition="in" filter="wipe(left)">
+                                      <p:cBhvr>
+                                        <p:cTn id="7" dur="500"/>
+                                        <p:tgtEl>
+                                          <p:spTgt spid="6"/>
+                                        </p:tgtEl>
+                                      </p:cBhvr>
+                                    </p:animEffect>
+                                  </p:childTnLst>
+                                </p:cTn>
+                              </p:par>
+                            </p:childTnLst>
+                          </p:cTn>
+                        </p:par>
+                      </p:childTnLst>
+                    </p:cTn>
+                  </p:par>
+                </p:childTnLst>
+              </p:cTn>
+              <p:prevCondLst>
+                <p:cond evt="onPrev" delay="0">
+                  <p:tgtEl>
+                    <p:sldTgt/>
+                  </p:tgtEl>
+                </p:cond>
+              </p:prevCondLst>
+              <p:nextCondLst>
+                <p:cond evt="onNext" delay="0">
+                  <p:tgtEl>
+                    <p:sldTgt/>
+                  </p:tgtEl>
+                </p:cond>
+              </p:nextCondLst>
+            </p:seq>
+          </p:childTnLst>
+        </p:cTn>
+      </p:par>
+    </p:tnLst>
+  </p:timing>
+</p:sld>
+</file>
+
+<file path=ppt/slides/slide13.xml><?xml version="1.0" encoding="utf-8"?>
 <p:sld xmlns:a="http://schemas.openxmlformats.org/drawingml/2006/main" xmlns:r="http://schemas.openxmlformats.org/officeDocument/2006/relationships" xmlns:p="http://schemas.openxmlformats.org/presentationml/2006/main">
   <p:cSld>
     <p:spTree>
@@ -7125,7 +10226,7 @@
 </p:sld>
 </file>
 
-<file path=ppt/slides/slide11.xml><?xml version="1.0" encoding="utf-8"?>
+<file path=ppt/slides/slide14.xml><?xml version="1.0" encoding="utf-8"?>
 <p:sld xmlns:a="http://schemas.openxmlformats.org/drawingml/2006/main" xmlns:r="http://schemas.openxmlformats.org/officeDocument/2006/relationships" xmlns:p="http://schemas.openxmlformats.org/presentationml/2006/main">
   <p:cSld>
     <p:spTree>
@@ -7303,7 +10404,361 @@
 </p:sld>
 </file>
 
-<file path=ppt/slides/slide12.xml><?xml version="1.0" encoding="utf-8"?>
+<file path=ppt/slides/slide15.xml><?xml version="1.0" encoding="utf-8"?>
+<p:sld xmlns:a="http://schemas.openxmlformats.org/drawingml/2006/main" xmlns:r="http://schemas.openxmlformats.org/officeDocument/2006/relationships" xmlns:p="http://schemas.openxmlformats.org/presentationml/2006/main">
+  <p:cSld>
+    <p:spTree>
+      <p:nvGrpSpPr>
+        <p:cNvPr id="1" name=""/>
+        <p:cNvGrpSpPr/>
+        <p:nvPr/>
+      </p:nvGrpSpPr>
+      <p:grpSpPr>
+        <a:xfrm>
+          <a:off x="0" y="0"/>
+          <a:ext cx="0" cy="0"/>
+          <a:chOff x="0" y="0"/>
+          <a:chExt cx="0" cy="0"/>
+        </a:xfrm>
+      </p:grpSpPr>
+      <p:graphicFrame>
+        <p:nvGraphicFramePr>
+          <p:cNvPr id="10" name="Objekt 9" hidden="1"/>
+          <p:cNvGraphicFramePr>
+            <a:graphicFrameLocks noChangeAspect="1"/>
+          </p:cNvGraphicFramePr>
+          <p:nvPr>
+            <p:custDataLst>
+              <p:tags r:id="rId2"/>
+            </p:custDataLst>
+          </p:nvPr>
+        </p:nvGraphicFramePr>
+        <p:xfrm>
+          <a:off x="1525588" y="1589"/>
+          <a:ext cx="1587" cy="1587"/>
+        </p:xfrm>
+        <a:graphic>
+          <a:graphicData uri="http://schemas.openxmlformats.org/presentationml/2006/ole">
+            <mc:AlternateContent xmlns:mc="http://schemas.openxmlformats.org/markup-compatibility/2006">
+              <mc:Choice xmlns:v="urn:schemas-microsoft-com:vml" Requires="v">
+                <p:oleObj spid="_x0000_s6148" name="think-cell Folie" r:id="rId4" imgW="360" imgH="360" progId="">
+                  <p:embed/>
+                </p:oleObj>
+              </mc:Choice>
+              <mc:Fallback>
+                <p:oleObj name="think-cell Folie" r:id="rId4" imgW="360" imgH="360" progId="">
+                  <p:embed/>
+                  <p:pic>
+                    <p:nvPicPr>
+                      <p:cNvPr id="10" name="Objekt 9" hidden="1"/>
+                      <p:cNvPicPr>
+                        <a:picLocks noChangeAspect="1" noChangeArrowheads="1"/>
+                      </p:cNvPicPr>
+                      <p:nvPr/>
+                    </p:nvPicPr>
+                    <p:blipFill>
+                      <a:blip r:embed="rId5">
+                        <a:extLst>
+                          <a:ext uri="{28A0092B-C50C-407E-A947-70E740481C1C}">
+                            <a14:useLocalDpi xmlns:a14="http://schemas.microsoft.com/office/drawing/2010/main" val="0"/>
+                          </a:ext>
+                        </a:extLst>
+                      </a:blip>
+                      <a:srcRect/>
+                      <a:stretch>
+                        <a:fillRect/>
+                      </a:stretch>
+                    </p:blipFill>
+                    <p:spPr bwMode="auto">
+                      <a:xfrm>
+                        <a:off x="1525588" y="1589"/>
+                        <a:ext cx="1587" cy="1587"/>
+                      </a:xfrm>
+                      <a:prstGeom prst="rect">
+                        <a:avLst/>
+                      </a:prstGeom>
+                      <a:noFill/>
+                      <a:extLst>
+                        <a:ext uri="{909E8E84-426E-40DD-AFC4-6F175D3DCCD1}">
+                          <a14:hiddenFill xmlns:a14="http://schemas.microsoft.com/office/drawing/2010/main">
+                            <a:solidFill>
+                              <a:srgbClr val="FFFFFF"/>
+                            </a:solidFill>
+                          </a14:hiddenFill>
+                        </a:ext>
+                      </a:extLst>
+                    </p:spPr>
+                  </p:pic>
+                </p:oleObj>
+              </mc:Fallback>
+            </mc:AlternateContent>
+          </a:graphicData>
+        </a:graphic>
+      </p:graphicFrame>
+      <p:grpSp>
+        <p:nvGrpSpPr>
+          <p:cNvPr id="6" name="Highlight"/>
+          <p:cNvGrpSpPr>
+            <a:grpSpLocks/>
+          </p:cNvGrpSpPr>
+          <p:nvPr/>
+        </p:nvGrpSpPr>
+        <p:grpSpPr bwMode="auto">
+          <a:xfrm>
+            <a:off x="330200" y="2492152"/>
+            <a:ext cx="11518900" cy="288776"/>
+            <a:chOff x="342" y="1063"/>
+            <a:chExt cx="4329" cy="276"/>
+          </a:xfrm>
+        </p:grpSpPr>
+        <p:sp>
+          <p:nvSpPr>
+            <p:cNvPr id="7" name="Rectangle 1042"/>
+            <p:cNvSpPr>
+              <a:spLocks noChangeArrowheads="1"/>
+            </p:cNvSpPr>
+            <p:nvPr/>
+          </p:nvSpPr>
+          <p:spPr bwMode="auto">
+            <a:xfrm>
+              <a:off x="342" y="1063"/>
+              <a:ext cx="3118" cy="276"/>
+            </a:xfrm>
+            <a:prstGeom prst="rect">
+              <a:avLst/>
+            </a:prstGeom>
+            <a:solidFill>
+              <a:srgbClr val="FFFF00"/>
+            </a:solidFill>
+            <a:ln w="7239">
+              <a:noFill/>
+              <a:miter lim="800000"/>
+              <a:headEnd/>
+              <a:tailEnd/>
+            </a:ln>
+          </p:spPr>
+          <p:txBody>
+            <a:bodyPr wrap="none" anchor="ctr"/>
+            <a:lstStyle/>
+            <a:p>
+              <a:pPr algn="r" eaLnBrk="0" hangingPunct="0"/>
+              <a:endParaRPr lang="de-DE" dirty="0"/>
+            </a:p>
+          </p:txBody>
+        </p:sp>
+        <p:sp>
+          <p:nvSpPr>
+            <p:cNvPr id="8" name="Rectangle 1043"/>
+            <p:cNvSpPr>
+              <a:spLocks noChangeArrowheads="1"/>
+            </p:cNvSpPr>
+            <p:nvPr/>
+          </p:nvSpPr>
+          <p:spPr bwMode="auto">
+            <a:xfrm>
+              <a:off x="3460" y="1063"/>
+              <a:ext cx="1211" cy="276"/>
+            </a:xfrm>
+            <a:prstGeom prst="rect">
+              <a:avLst/>
+            </a:prstGeom>
+            <a:gradFill flip="none" rotWithShape="1">
+              <a:gsLst>
+                <a:gs pos="0">
+                  <a:srgbClr val="FFFF00"/>
+                </a:gs>
+                <a:gs pos="100000">
+                  <a:srgbClr val="FFFFFF"/>
+                </a:gs>
+              </a:gsLst>
+              <a:lin ang="0" scaled="1"/>
+              <a:tileRect/>
+            </a:gradFill>
+            <a:ln w="7239">
+              <a:noFill/>
+              <a:miter lim="800000"/>
+              <a:headEnd/>
+              <a:tailEnd/>
+            </a:ln>
+          </p:spPr>
+          <p:txBody>
+            <a:bodyPr wrap="none" anchor="ctr"/>
+            <a:lstStyle/>
+            <a:p>
+              <a:pPr algn="r" eaLnBrk="0" hangingPunct="0"/>
+              <a:endParaRPr lang="de-DE" dirty="0"/>
+            </a:p>
+          </p:txBody>
+        </p:sp>
+      </p:grpSp>
+      <p:sp>
+        <p:nvSpPr>
+          <p:cNvPr id="4" name="Titel 3"/>
+          <p:cNvSpPr>
+            <a:spLocks noGrp="1"/>
+          </p:cNvSpPr>
+          <p:nvPr>
+            <p:ph type="title"/>
+          </p:nvPr>
+        </p:nvSpPr>
+        <p:spPr/>
+        <p:txBody>
+          <a:bodyPr/>
+          <a:lstStyle/>
+          <a:p>
+            <a:r>
+              <a:rPr lang="de-DE" dirty="0"/>
+              <a:t>Agenda</a:t>
+            </a:r>
+          </a:p>
+        </p:txBody>
+      </p:sp>
+      <p:sp>
+        <p:nvSpPr>
+          <p:cNvPr id="14" name="Inhaltsplatzhalter 13"/>
+          <p:cNvSpPr>
+            <a:spLocks noGrp="1"/>
+          </p:cNvSpPr>
+          <p:nvPr>
+            <p:ph idx="1"/>
+          </p:nvPr>
+        </p:nvSpPr>
+        <p:spPr/>
+        <p:txBody>
+          <a:bodyPr/>
+          <a:lstStyle/>
+          <a:p>
+            <a:r>
+              <a:rPr lang="de-DE" dirty="0" smtClean="0"/>
+              <a:t>Projektziele</a:t>
+            </a:r>
+          </a:p>
+          <a:p>
+            <a:r>
+              <a:rPr lang="de-DE" dirty="0" smtClean="0"/>
+              <a:t>Hardware</a:t>
+            </a:r>
+          </a:p>
+          <a:p>
+            <a:r>
+              <a:rPr lang="de-DE" dirty="0" smtClean="0"/>
+              <a:t>Software</a:t>
+            </a:r>
+          </a:p>
+          <a:p>
+            <a:r>
+              <a:rPr lang="de-DE" dirty="0" smtClean="0"/>
+              <a:t>Probleme</a:t>
+            </a:r>
+          </a:p>
+          <a:p>
+            <a:r>
+              <a:rPr lang="de-DE" dirty="0" smtClean="0"/>
+              <a:t>Projektergebnis</a:t>
+            </a:r>
+          </a:p>
+          <a:p>
+            <a:endParaRPr lang="de-DE" dirty="0"/>
+          </a:p>
+        </p:txBody>
+      </p:sp>
+    </p:spTree>
+    <p:extLst>
+      <p:ext uri="{BB962C8B-B14F-4D97-AF65-F5344CB8AC3E}">
+        <p14:creationId xmlns:p14="http://schemas.microsoft.com/office/powerpoint/2010/main" val="1709359100"/>
+      </p:ext>
+    </p:extLst>
+  </p:cSld>
+  <p:clrMapOvr>
+    <a:masterClrMapping/>
+  </p:clrMapOvr>
+  <p:timing>
+    <p:tnLst>
+      <p:par>
+        <p:cTn id="1" dur="indefinite" restart="never" nodeType="tmRoot">
+          <p:childTnLst>
+            <p:seq concurrent="1" nextAc="seek">
+              <p:cTn id="2" dur="indefinite" nodeType="mainSeq">
+                <p:childTnLst>
+                  <p:par>
+                    <p:cTn id="3" fill="hold">
+                      <p:stCondLst>
+                        <p:cond delay="indefinite"/>
+                      </p:stCondLst>
+                      <p:childTnLst>
+                        <p:par>
+                          <p:cTn id="4" fill="hold">
+                            <p:stCondLst>
+                              <p:cond delay="0"/>
+                            </p:stCondLst>
+                            <p:childTnLst>
+                              <p:par>
+                                <p:cTn id="5" presetID="22" presetClass="entr" presetSubtype="8" fill="hold" nodeType="clickEffect">
+                                  <p:stCondLst>
+                                    <p:cond delay="0"/>
+                                  </p:stCondLst>
+                                  <p:childTnLst>
+                                    <p:set>
+                                      <p:cBhvr>
+                                        <p:cTn id="6" dur="1" fill="hold">
+                                          <p:stCondLst>
+                                            <p:cond delay="0"/>
+                                          </p:stCondLst>
+                                        </p:cTn>
+                                        <p:tgtEl>
+                                          <p:spTgt spid="6"/>
+                                        </p:tgtEl>
+                                        <p:attrNameLst>
+                                          <p:attrName>style.visibility</p:attrName>
+                                        </p:attrNameLst>
+                                      </p:cBhvr>
+                                      <p:to>
+                                        <p:strVal val="visible"/>
+                                      </p:to>
+                                    </p:set>
+                                    <p:animEffect transition="in" filter="wipe(left)">
+                                      <p:cBhvr>
+                                        <p:cTn id="7" dur="500"/>
+                                        <p:tgtEl>
+                                          <p:spTgt spid="6"/>
+                                        </p:tgtEl>
+                                      </p:cBhvr>
+                                    </p:animEffect>
+                                  </p:childTnLst>
+                                </p:cTn>
+                              </p:par>
+                            </p:childTnLst>
+                          </p:cTn>
+                        </p:par>
+                      </p:childTnLst>
+                    </p:cTn>
+                  </p:par>
+                </p:childTnLst>
+              </p:cTn>
+              <p:prevCondLst>
+                <p:cond evt="onPrev" delay="0">
+                  <p:tgtEl>
+                    <p:sldTgt/>
+                  </p:tgtEl>
+                </p:cond>
+              </p:prevCondLst>
+              <p:nextCondLst>
+                <p:cond evt="onNext" delay="0">
+                  <p:tgtEl>
+                    <p:sldTgt/>
+                  </p:tgtEl>
+                </p:cond>
+              </p:nextCondLst>
+            </p:seq>
+          </p:childTnLst>
+        </p:cTn>
+      </p:par>
+    </p:tnLst>
+  </p:timing>
+</p:sld>
+</file>
+
+<file path=ppt/slides/slide16.xml><?xml version="1.0" encoding="utf-8"?>
 <p:sld xmlns:a="http://schemas.openxmlformats.org/drawingml/2006/main" xmlns:r="http://schemas.openxmlformats.org/officeDocument/2006/relationships" xmlns:p="http://schemas.openxmlformats.org/presentationml/2006/main">
   <p:cSld>
     <p:spTree>
@@ -7322,12 +10777,12 @@
       </p:grpSpPr>
       <p:sp>
         <p:nvSpPr>
-          <p:cNvPr id="5" name="Textplatzhalter 4"/>
+          <p:cNvPr id="2" name="Titel 1"/>
           <p:cNvSpPr>
             <a:spLocks noGrp="1"/>
           </p:cNvSpPr>
           <p:nvPr>
-            <p:ph type="body" sz="quarter" idx="12"/>
+            <p:ph type="title"/>
           </p:nvPr>
         </p:nvSpPr>
         <p:spPr/>
@@ -7336,24 +10791,21 @@
           <a:lstStyle/>
           <a:p>
             <a:r>
-              <a:rPr lang="de-DE" dirty="0"/>
-              <a:t>Dr.-Ing. / Dipl.-Ing. Vorname Nachname (Bearbeiter, Ansprechpartner)</a:t>
-            </a:r>
-          </a:p>
-          <a:p>
-            <a:pPr lvl="0"/>
+              <a:rPr lang="de-DE" dirty="0" smtClean="0"/>
+              <a:t>Probleme</a:t>
+            </a:r>
             <a:endParaRPr lang="de-DE" dirty="0"/>
           </a:p>
         </p:txBody>
       </p:sp>
       <p:sp>
         <p:nvSpPr>
-          <p:cNvPr id="7" name="Textplatzhalter 6"/>
+          <p:cNvPr id="3" name="Inhaltsplatzhalter 2"/>
           <p:cNvSpPr>
             <a:spLocks noGrp="1"/>
           </p:cNvSpPr>
           <p:nvPr>
-            <p:ph type="body" sz="quarter" idx="13"/>
+            <p:ph sz="half" idx="1"/>
           </p:nvPr>
         </p:nvSpPr>
         <p:spPr/>
@@ -7361,40 +10813,1870 @@
           <a:bodyPr/>
           <a:lstStyle/>
           <a:p>
-            <a:pPr lvl="0"/>
-            <a:r>
-              <a:rPr lang="fr-FR"/>
-              <a:t>+49 241 80 xxxxx</a:t>
-            </a:r>
-          </a:p>
-          <a:p>
-            <a:pPr lvl="0"/>
-            <a:r>
-              <a:rPr lang="fr-FR"/>
-              <a:t>+49 241 80 22147</a:t>
-            </a:r>
-          </a:p>
-          <a:p>
-            <a:pPr lvl="0"/>
-            <a:endParaRPr lang="fr-FR"/>
-          </a:p>
-          <a:p>
-            <a:pPr lvl="0"/>
-            <a:r>
-              <a:rPr lang="fr-FR"/>
-              <a:t>xxxxx@ika.rwth-aachen.de</a:t>
+            <a:r>
+              <a:rPr lang="de-DE" dirty="0" smtClean="0"/>
+              <a:t>Aufbau mit Lenkrad und Drehmomentsensor ist ein schwingungsfähiges System</a:t>
+            </a:r>
+          </a:p>
+          <a:p>
+            <a:r>
+              <a:rPr lang="de-DE" dirty="0" smtClean="0"/>
+              <a:t>Bei Bewegung werden die Eigenfrequenzen vom Sensor mitgemessen</a:t>
+            </a:r>
+          </a:p>
+          <a:p>
+            <a:r>
+              <a:rPr lang="de-DE" dirty="0" smtClean="0"/>
+              <a:t>Da Messwert = Sollwinkel * Faktor, Motor regt das System mit gemessenen Eigenfrequenz an</a:t>
+            </a:r>
+          </a:p>
+          <a:p>
+            <a:r>
+              <a:rPr lang="de-DE" dirty="0" smtClean="0"/>
+              <a:t>Für Stabilität ist Tiefpassfilterung deutlich unterhalb der auftretenden Eigenfrequenzen nötig</a:t>
+            </a:r>
+          </a:p>
+          <a:p>
+            <a:r>
+              <a:rPr lang="de-DE" dirty="0" smtClean="0"/>
+              <a:t>Filter schränkt mögliche Lenkdynamik stark ein</a:t>
             </a:r>
           </a:p>
           <a:p>
             <a:endParaRPr lang="de-DE" dirty="0"/>
+          </a:p>
+          <a:p>
+            <a:r>
+              <a:rPr lang="de-DE" dirty="0" smtClean="0"/>
+              <a:t>Drehmomentsensor nicht axial gestützt</a:t>
+            </a:r>
+          </a:p>
+          <a:p>
+            <a:r>
+              <a:rPr lang="de-DE" dirty="0" smtClean="0"/>
+              <a:t>Biegekräfte an der Lenkradwelle werden vom Drehmomentsensor gemessen</a:t>
+            </a:r>
+          </a:p>
+          <a:p>
+            <a:r>
+              <a:rPr lang="de-DE" dirty="0" smtClean="0"/>
+              <a:t>Schwingendes Verhalten wenn Lenkwelle unter Biegespannung steht</a:t>
+            </a:r>
+          </a:p>
+        </p:txBody>
+      </p:sp>
+      <p:grpSp>
+        <p:nvGrpSpPr>
+          <p:cNvPr id="71" name="Gruppieren 70"/>
+          <p:cNvGrpSpPr/>
+          <p:nvPr/>
+        </p:nvGrpSpPr>
+        <p:grpSpPr>
+          <a:xfrm>
+            <a:off x="6744072" y="3033191"/>
+            <a:ext cx="5022689" cy="1979616"/>
+            <a:chOff x="6435380" y="2636912"/>
+            <a:chExt cx="5022689" cy="1979616"/>
+          </a:xfrm>
+        </p:grpSpPr>
+        <p:sp>
+          <p:nvSpPr>
+            <p:cNvPr id="5" name="Rechteck 4"/>
+            <p:cNvSpPr/>
+            <p:nvPr/>
+          </p:nvSpPr>
+          <p:spPr>
+            <a:xfrm>
+              <a:off x="6816080" y="2996952"/>
+              <a:ext cx="504056" cy="504056"/>
+            </a:xfrm>
+            <a:prstGeom prst="rect">
+              <a:avLst/>
+            </a:prstGeom>
+            <a:noFill/>
+            <a:ln w="28575">
+              <a:solidFill>
+                <a:schemeClr val="tx1"/>
+              </a:solidFill>
+            </a:ln>
+          </p:spPr>
+          <p:style>
+            <a:lnRef idx="2">
+              <a:schemeClr val="accent1">
+                <a:shade val="50000"/>
+              </a:schemeClr>
+            </a:lnRef>
+            <a:fillRef idx="1">
+              <a:schemeClr val="accent1"/>
+            </a:fillRef>
+            <a:effectRef idx="0">
+              <a:schemeClr val="accent1"/>
+            </a:effectRef>
+            <a:fontRef idx="minor">
+              <a:schemeClr val="lt1"/>
+            </a:fontRef>
+          </p:style>
+          <p:txBody>
+            <a:bodyPr rtlCol="0" anchor="ctr"/>
+            <a:lstStyle/>
+            <a:p>
+              <a:pPr algn="ctr"/>
+              <a:endParaRPr lang="de-DE" dirty="0" err="1" smtClean="0">
+                <a:solidFill>
+                  <a:schemeClr val="tx1"/>
+                </a:solidFill>
+              </a:endParaRPr>
+            </a:p>
+          </p:txBody>
+        </p:sp>
+        <p:grpSp>
+          <p:nvGrpSpPr>
+            <p:cNvPr id="32" name="Gruppieren 31"/>
+            <p:cNvGrpSpPr/>
+            <p:nvPr/>
+          </p:nvGrpSpPr>
+          <p:grpSpPr>
+            <a:xfrm>
+              <a:off x="7320136" y="2924944"/>
+              <a:ext cx="1152128" cy="288702"/>
+              <a:chOff x="7752184" y="2996381"/>
+              <a:chExt cx="1152128" cy="288702"/>
+            </a:xfrm>
+          </p:grpSpPr>
+          <p:cxnSp>
+            <p:nvCxnSpPr>
+              <p:cNvPr id="9" name="Gerader Verbinder 8"/>
+              <p:cNvCxnSpPr/>
+              <p:nvPr/>
+            </p:nvCxnSpPr>
+            <p:spPr>
+              <a:xfrm>
+                <a:off x="7752184" y="3140968"/>
+                <a:ext cx="216024" cy="0"/>
+              </a:xfrm>
+              <a:prstGeom prst="line">
+                <a:avLst/>
+              </a:prstGeom>
+              <a:ln w="28575">
+                <a:solidFill>
+                  <a:schemeClr val="tx1"/>
+                </a:solidFill>
+              </a:ln>
+            </p:spPr>
+            <p:style>
+              <a:lnRef idx="1">
+                <a:schemeClr val="accent1"/>
+              </a:lnRef>
+              <a:fillRef idx="0">
+                <a:schemeClr val="accent1"/>
+              </a:fillRef>
+              <a:effectRef idx="0">
+                <a:schemeClr val="accent1"/>
+              </a:effectRef>
+              <a:fontRef idx="minor">
+                <a:schemeClr val="tx1"/>
+              </a:fontRef>
+            </p:style>
+          </p:cxnSp>
+          <p:cxnSp>
+            <p:nvCxnSpPr>
+              <p:cNvPr id="10" name="Gerader Verbinder 9"/>
+              <p:cNvCxnSpPr/>
+              <p:nvPr/>
+            </p:nvCxnSpPr>
+            <p:spPr>
+              <a:xfrm flipV="1">
+                <a:off x="7968208" y="2996952"/>
+                <a:ext cx="0" cy="288032"/>
+              </a:xfrm>
+              <a:prstGeom prst="line">
+                <a:avLst/>
+              </a:prstGeom>
+              <a:ln w="28575">
+                <a:solidFill>
+                  <a:schemeClr val="tx1"/>
+                </a:solidFill>
+              </a:ln>
+            </p:spPr>
+            <p:style>
+              <a:lnRef idx="1">
+                <a:schemeClr val="accent1"/>
+              </a:lnRef>
+              <a:fillRef idx="0">
+                <a:schemeClr val="accent1"/>
+              </a:fillRef>
+              <a:effectRef idx="0">
+                <a:schemeClr val="accent1"/>
+              </a:effectRef>
+              <a:fontRef idx="minor">
+                <a:schemeClr val="tx1"/>
+              </a:fontRef>
+            </p:style>
+          </p:cxnSp>
+          <p:cxnSp>
+            <p:nvCxnSpPr>
+              <p:cNvPr id="15" name="Gerader Verbinder 14"/>
+              <p:cNvCxnSpPr/>
+              <p:nvPr/>
+            </p:nvCxnSpPr>
+            <p:spPr>
+              <a:xfrm flipH="1" flipV="1">
+                <a:off x="7968208" y="2996952"/>
+                <a:ext cx="144016" cy="288032"/>
+              </a:xfrm>
+              <a:prstGeom prst="line">
+                <a:avLst/>
+              </a:prstGeom>
+              <a:ln w="28575">
+                <a:solidFill>
+                  <a:schemeClr val="tx1"/>
+                </a:solidFill>
+              </a:ln>
+            </p:spPr>
+            <p:style>
+              <a:lnRef idx="1">
+                <a:schemeClr val="accent1"/>
+              </a:lnRef>
+              <a:fillRef idx="0">
+                <a:schemeClr val="accent1"/>
+              </a:fillRef>
+              <a:effectRef idx="0">
+                <a:schemeClr val="accent1"/>
+              </a:effectRef>
+              <a:fontRef idx="minor">
+                <a:schemeClr val="tx1"/>
+              </a:fontRef>
+            </p:style>
+          </p:cxnSp>
+          <p:cxnSp>
+            <p:nvCxnSpPr>
+              <p:cNvPr id="18" name="Gerader Verbinder 17"/>
+              <p:cNvCxnSpPr/>
+              <p:nvPr/>
+            </p:nvCxnSpPr>
+            <p:spPr>
+              <a:xfrm flipV="1">
+                <a:off x="8112224" y="2996952"/>
+                <a:ext cx="0" cy="288032"/>
+              </a:xfrm>
+              <a:prstGeom prst="line">
+                <a:avLst/>
+              </a:prstGeom>
+              <a:ln w="28575">
+                <a:solidFill>
+                  <a:schemeClr val="tx1"/>
+                </a:solidFill>
+              </a:ln>
+            </p:spPr>
+            <p:style>
+              <a:lnRef idx="1">
+                <a:schemeClr val="accent1"/>
+              </a:lnRef>
+              <a:fillRef idx="0">
+                <a:schemeClr val="accent1"/>
+              </a:fillRef>
+              <a:effectRef idx="0">
+                <a:schemeClr val="accent1"/>
+              </a:effectRef>
+              <a:fontRef idx="minor">
+                <a:schemeClr val="tx1"/>
+              </a:fontRef>
+            </p:style>
+          </p:cxnSp>
+          <p:cxnSp>
+            <p:nvCxnSpPr>
+              <p:cNvPr id="19" name="Gerader Verbinder 18"/>
+              <p:cNvCxnSpPr/>
+              <p:nvPr/>
+            </p:nvCxnSpPr>
+            <p:spPr>
+              <a:xfrm flipH="1" flipV="1">
+                <a:off x="8112224" y="2996952"/>
+                <a:ext cx="144016" cy="288032"/>
+              </a:xfrm>
+              <a:prstGeom prst="line">
+                <a:avLst/>
+              </a:prstGeom>
+              <a:ln w="28575">
+                <a:solidFill>
+                  <a:schemeClr val="tx1"/>
+                </a:solidFill>
+              </a:ln>
+            </p:spPr>
+            <p:style>
+              <a:lnRef idx="1">
+                <a:schemeClr val="accent1"/>
+              </a:lnRef>
+              <a:fillRef idx="0">
+                <a:schemeClr val="accent1"/>
+              </a:fillRef>
+              <a:effectRef idx="0">
+                <a:schemeClr val="accent1"/>
+              </a:effectRef>
+              <a:fontRef idx="minor">
+                <a:schemeClr val="tx1"/>
+              </a:fontRef>
+            </p:style>
+          </p:cxnSp>
+          <p:cxnSp>
+            <p:nvCxnSpPr>
+              <p:cNvPr id="20" name="Gerader Verbinder 19"/>
+              <p:cNvCxnSpPr/>
+              <p:nvPr/>
+            </p:nvCxnSpPr>
+            <p:spPr>
+              <a:xfrm flipV="1">
+                <a:off x="8256239" y="2996952"/>
+                <a:ext cx="0" cy="288032"/>
+              </a:xfrm>
+              <a:prstGeom prst="line">
+                <a:avLst/>
+              </a:prstGeom>
+              <a:ln w="28575">
+                <a:solidFill>
+                  <a:schemeClr val="tx1"/>
+                </a:solidFill>
+              </a:ln>
+            </p:spPr>
+            <p:style>
+              <a:lnRef idx="1">
+                <a:schemeClr val="accent1"/>
+              </a:lnRef>
+              <a:fillRef idx="0">
+                <a:schemeClr val="accent1"/>
+              </a:fillRef>
+              <a:effectRef idx="0">
+                <a:schemeClr val="accent1"/>
+              </a:effectRef>
+              <a:fontRef idx="minor">
+                <a:schemeClr val="tx1"/>
+              </a:fontRef>
+            </p:style>
+          </p:cxnSp>
+          <p:cxnSp>
+            <p:nvCxnSpPr>
+              <p:cNvPr id="21" name="Gerader Verbinder 20"/>
+              <p:cNvCxnSpPr/>
+              <p:nvPr/>
+            </p:nvCxnSpPr>
+            <p:spPr>
+              <a:xfrm flipH="1" flipV="1">
+                <a:off x="8256239" y="2996952"/>
+                <a:ext cx="144016" cy="288032"/>
+              </a:xfrm>
+              <a:prstGeom prst="line">
+                <a:avLst/>
+              </a:prstGeom>
+              <a:ln w="28575">
+                <a:solidFill>
+                  <a:schemeClr val="tx1"/>
+                </a:solidFill>
+              </a:ln>
+            </p:spPr>
+            <p:style>
+              <a:lnRef idx="1">
+                <a:schemeClr val="accent1"/>
+              </a:lnRef>
+              <a:fillRef idx="0">
+                <a:schemeClr val="accent1"/>
+              </a:fillRef>
+              <a:effectRef idx="0">
+                <a:schemeClr val="accent1"/>
+              </a:effectRef>
+              <a:fontRef idx="minor">
+                <a:schemeClr val="tx1"/>
+              </a:fontRef>
+            </p:style>
+          </p:cxnSp>
+          <p:cxnSp>
+            <p:nvCxnSpPr>
+              <p:cNvPr id="22" name="Gerader Verbinder 21"/>
+              <p:cNvCxnSpPr/>
+              <p:nvPr/>
+            </p:nvCxnSpPr>
+            <p:spPr>
+              <a:xfrm flipV="1">
+                <a:off x="8400255" y="2997051"/>
+                <a:ext cx="0" cy="288032"/>
+              </a:xfrm>
+              <a:prstGeom prst="line">
+                <a:avLst/>
+              </a:prstGeom>
+              <a:ln w="28575">
+                <a:solidFill>
+                  <a:schemeClr val="tx1"/>
+                </a:solidFill>
+              </a:ln>
+            </p:spPr>
+            <p:style>
+              <a:lnRef idx="1">
+                <a:schemeClr val="accent1"/>
+              </a:lnRef>
+              <a:fillRef idx="0">
+                <a:schemeClr val="accent1"/>
+              </a:fillRef>
+              <a:effectRef idx="0">
+                <a:schemeClr val="accent1"/>
+              </a:effectRef>
+              <a:fontRef idx="minor">
+                <a:schemeClr val="tx1"/>
+              </a:fontRef>
+            </p:style>
+          </p:cxnSp>
+          <p:cxnSp>
+            <p:nvCxnSpPr>
+              <p:cNvPr id="23" name="Gerader Verbinder 22"/>
+              <p:cNvCxnSpPr/>
+              <p:nvPr/>
+            </p:nvCxnSpPr>
+            <p:spPr>
+              <a:xfrm flipH="1" flipV="1">
+                <a:off x="8392414" y="2996952"/>
+                <a:ext cx="144016" cy="288032"/>
+              </a:xfrm>
+              <a:prstGeom prst="line">
+                <a:avLst/>
+              </a:prstGeom>
+              <a:ln w="28575">
+                <a:solidFill>
+                  <a:schemeClr val="tx1"/>
+                </a:solidFill>
+              </a:ln>
+            </p:spPr>
+            <p:style>
+              <a:lnRef idx="1">
+                <a:schemeClr val="accent1"/>
+              </a:lnRef>
+              <a:fillRef idx="0">
+                <a:schemeClr val="accent1"/>
+              </a:fillRef>
+              <a:effectRef idx="0">
+                <a:schemeClr val="accent1"/>
+              </a:effectRef>
+              <a:fontRef idx="minor">
+                <a:schemeClr val="tx1"/>
+              </a:fontRef>
+            </p:style>
+          </p:cxnSp>
+          <p:cxnSp>
+            <p:nvCxnSpPr>
+              <p:cNvPr id="24" name="Gerader Verbinder 23"/>
+              <p:cNvCxnSpPr/>
+              <p:nvPr/>
+            </p:nvCxnSpPr>
+            <p:spPr>
+              <a:xfrm flipV="1">
+                <a:off x="8534394" y="2996381"/>
+                <a:ext cx="0" cy="288032"/>
+              </a:xfrm>
+              <a:prstGeom prst="line">
+                <a:avLst/>
+              </a:prstGeom>
+              <a:ln w="28575">
+                <a:solidFill>
+                  <a:schemeClr val="tx1"/>
+                </a:solidFill>
+              </a:ln>
+            </p:spPr>
+            <p:style>
+              <a:lnRef idx="1">
+                <a:schemeClr val="accent1"/>
+              </a:lnRef>
+              <a:fillRef idx="0">
+                <a:schemeClr val="accent1"/>
+              </a:fillRef>
+              <a:effectRef idx="0">
+                <a:schemeClr val="accent1"/>
+              </a:effectRef>
+              <a:fontRef idx="minor">
+                <a:schemeClr val="tx1"/>
+              </a:fontRef>
+            </p:style>
+          </p:cxnSp>
+          <p:cxnSp>
+            <p:nvCxnSpPr>
+              <p:cNvPr id="25" name="Gerader Verbinder 24"/>
+              <p:cNvCxnSpPr/>
+              <p:nvPr/>
+            </p:nvCxnSpPr>
+            <p:spPr>
+              <a:xfrm flipH="1" flipV="1">
+                <a:off x="8544270" y="2996381"/>
+                <a:ext cx="144016" cy="288032"/>
+              </a:xfrm>
+              <a:prstGeom prst="line">
+                <a:avLst/>
+              </a:prstGeom>
+              <a:ln w="28575">
+                <a:solidFill>
+                  <a:schemeClr val="tx1"/>
+                </a:solidFill>
+              </a:ln>
+            </p:spPr>
+            <p:style>
+              <a:lnRef idx="1">
+                <a:schemeClr val="accent1"/>
+              </a:lnRef>
+              <a:fillRef idx="0">
+                <a:schemeClr val="accent1"/>
+              </a:fillRef>
+              <a:effectRef idx="0">
+                <a:schemeClr val="accent1"/>
+              </a:effectRef>
+              <a:fontRef idx="minor">
+                <a:schemeClr val="tx1"/>
+              </a:fontRef>
+            </p:style>
+          </p:cxnSp>
+          <p:cxnSp>
+            <p:nvCxnSpPr>
+              <p:cNvPr id="26" name="Gerader Verbinder 25"/>
+              <p:cNvCxnSpPr/>
+              <p:nvPr/>
+            </p:nvCxnSpPr>
+            <p:spPr>
+              <a:xfrm flipV="1">
+                <a:off x="8696126" y="2996952"/>
+                <a:ext cx="0" cy="288032"/>
+              </a:xfrm>
+              <a:prstGeom prst="line">
+                <a:avLst/>
+              </a:prstGeom>
+              <a:ln w="28575">
+                <a:solidFill>
+                  <a:schemeClr val="tx1"/>
+                </a:solidFill>
+              </a:ln>
+            </p:spPr>
+            <p:style>
+              <a:lnRef idx="1">
+                <a:schemeClr val="accent1"/>
+              </a:lnRef>
+              <a:fillRef idx="0">
+                <a:schemeClr val="accent1"/>
+              </a:fillRef>
+              <a:effectRef idx="0">
+                <a:schemeClr val="accent1"/>
+              </a:effectRef>
+              <a:fontRef idx="minor">
+                <a:schemeClr val="tx1"/>
+              </a:fontRef>
+            </p:style>
+          </p:cxnSp>
+          <p:cxnSp>
+            <p:nvCxnSpPr>
+              <p:cNvPr id="27" name="Gerader Verbinder 26"/>
+              <p:cNvCxnSpPr/>
+              <p:nvPr/>
+            </p:nvCxnSpPr>
+            <p:spPr>
+              <a:xfrm flipH="1">
+                <a:off x="8688286" y="3140968"/>
+                <a:ext cx="216026" cy="0"/>
+              </a:xfrm>
+              <a:prstGeom prst="line">
+                <a:avLst/>
+              </a:prstGeom>
+              <a:ln w="28575">
+                <a:solidFill>
+                  <a:schemeClr val="tx1"/>
+                </a:solidFill>
+              </a:ln>
+            </p:spPr>
+            <p:style>
+              <a:lnRef idx="1">
+                <a:schemeClr val="accent1"/>
+              </a:lnRef>
+              <a:fillRef idx="0">
+                <a:schemeClr val="accent1"/>
+              </a:fillRef>
+              <a:effectRef idx="0">
+                <a:schemeClr val="accent1"/>
+              </a:effectRef>
+              <a:fontRef idx="minor">
+                <a:schemeClr val="tx1"/>
+              </a:fontRef>
+            </p:style>
+          </p:cxnSp>
+        </p:grpSp>
+        <p:cxnSp>
+          <p:nvCxnSpPr>
+            <p:cNvPr id="33" name="Gerader Verbinder 32"/>
+            <p:cNvCxnSpPr/>
+            <p:nvPr/>
+          </p:nvCxnSpPr>
+          <p:spPr>
+            <a:xfrm>
+              <a:off x="7320136" y="3429000"/>
+              <a:ext cx="712238" cy="0"/>
+            </a:xfrm>
+            <a:prstGeom prst="line">
+              <a:avLst/>
+            </a:prstGeom>
+            <a:ln w="28575">
+              <a:solidFill>
+                <a:schemeClr val="tx1"/>
+              </a:solidFill>
+            </a:ln>
+          </p:spPr>
+          <p:style>
+            <a:lnRef idx="1">
+              <a:schemeClr val="accent1"/>
+            </a:lnRef>
+            <a:fillRef idx="0">
+              <a:schemeClr val="accent1"/>
+            </a:fillRef>
+            <a:effectRef idx="0">
+              <a:schemeClr val="accent1"/>
+            </a:effectRef>
+            <a:fontRef idx="minor">
+              <a:schemeClr val="tx1"/>
+            </a:fontRef>
+          </p:style>
+        </p:cxnSp>
+        <p:cxnSp>
+          <p:nvCxnSpPr>
+            <p:cNvPr id="34" name="Gerader Verbinder 33"/>
+            <p:cNvCxnSpPr/>
+            <p:nvPr/>
+          </p:nvCxnSpPr>
+          <p:spPr>
+            <a:xfrm>
+              <a:off x="7498804" y="3573016"/>
+              <a:ext cx="829444" cy="0"/>
+            </a:xfrm>
+            <a:prstGeom prst="line">
+              <a:avLst/>
+            </a:prstGeom>
+            <a:ln w="28575">
+              <a:solidFill>
+                <a:schemeClr val="tx1"/>
+              </a:solidFill>
+            </a:ln>
+          </p:spPr>
+          <p:style>
+            <a:lnRef idx="1">
+              <a:schemeClr val="accent1"/>
+            </a:lnRef>
+            <a:fillRef idx="0">
+              <a:schemeClr val="accent1"/>
+            </a:fillRef>
+            <a:effectRef idx="0">
+              <a:schemeClr val="accent1"/>
+            </a:effectRef>
+            <a:fontRef idx="minor">
+              <a:schemeClr val="tx1"/>
+            </a:fontRef>
+          </p:style>
+        </p:cxnSp>
+        <p:cxnSp>
+          <p:nvCxnSpPr>
+            <p:cNvPr id="35" name="Gerader Verbinder 34"/>
+            <p:cNvCxnSpPr/>
+            <p:nvPr/>
+          </p:nvCxnSpPr>
+          <p:spPr>
+            <a:xfrm>
+              <a:off x="7498804" y="3284984"/>
+              <a:ext cx="829444" cy="0"/>
+            </a:xfrm>
+            <a:prstGeom prst="line">
+              <a:avLst/>
+            </a:prstGeom>
+            <a:ln w="28575">
+              <a:solidFill>
+                <a:schemeClr val="tx1"/>
+              </a:solidFill>
+            </a:ln>
+          </p:spPr>
+          <p:style>
+            <a:lnRef idx="1">
+              <a:schemeClr val="accent1"/>
+            </a:lnRef>
+            <a:fillRef idx="0">
+              <a:schemeClr val="accent1"/>
+            </a:fillRef>
+            <a:effectRef idx="0">
+              <a:schemeClr val="accent1"/>
+            </a:effectRef>
+            <a:fontRef idx="minor">
+              <a:schemeClr val="tx1"/>
+            </a:fontRef>
+          </p:style>
+        </p:cxnSp>
+        <p:cxnSp>
+          <p:nvCxnSpPr>
+            <p:cNvPr id="38" name="Gerader Verbinder 37"/>
+            <p:cNvCxnSpPr/>
+            <p:nvPr/>
+          </p:nvCxnSpPr>
+          <p:spPr>
+            <a:xfrm>
+              <a:off x="8328248" y="3284984"/>
+              <a:ext cx="0" cy="288032"/>
+            </a:xfrm>
+            <a:prstGeom prst="line">
+              <a:avLst/>
+            </a:prstGeom>
+            <a:ln w="28575">
+              <a:solidFill>
+                <a:schemeClr val="tx1"/>
+              </a:solidFill>
+            </a:ln>
+          </p:spPr>
+          <p:style>
+            <a:lnRef idx="1">
+              <a:schemeClr val="accent1"/>
+            </a:lnRef>
+            <a:fillRef idx="0">
+              <a:schemeClr val="accent1"/>
+            </a:fillRef>
+            <a:effectRef idx="0">
+              <a:schemeClr val="accent1"/>
+            </a:effectRef>
+            <a:fontRef idx="minor">
+              <a:schemeClr val="tx1"/>
+            </a:fontRef>
+          </p:style>
+        </p:cxnSp>
+        <p:cxnSp>
+          <p:nvCxnSpPr>
+            <p:cNvPr id="45" name="Gerader Verbinder 44"/>
+            <p:cNvCxnSpPr/>
+            <p:nvPr/>
+          </p:nvCxnSpPr>
+          <p:spPr>
+            <a:xfrm>
+              <a:off x="8035772" y="3284984"/>
+              <a:ext cx="0" cy="288032"/>
+            </a:xfrm>
+            <a:prstGeom prst="line">
+              <a:avLst/>
+            </a:prstGeom>
+            <a:ln w="28575">
+              <a:solidFill>
+                <a:schemeClr val="tx1"/>
+              </a:solidFill>
+            </a:ln>
+          </p:spPr>
+          <p:style>
+            <a:lnRef idx="1">
+              <a:schemeClr val="accent1"/>
+            </a:lnRef>
+            <a:fillRef idx="0">
+              <a:schemeClr val="accent1"/>
+            </a:fillRef>
+            <a:effectRef idx="0">
+              <a:schemeClr val="accent1"/>
+            </a:effectRef>
+            <a:fontRef idx="minor">
+              <a:schemeClr val="tx1"/>
+            </a:fontRef>
+          </p:style>
+        </p:cxnSp>
+        <p:cxnSp>
+          <p:nvCxnSpPr>
+            <p:cNvPr id="48" name="Gerader Verbinder 47"/>
+            <p:cNvCxnSpPr/>
+            <p:nvPr/>
+          </p:nvCxnSpPr>
+          <p:spPr>
+            <a:xfrm flipH="1">
+              <a:off x="8328248" y="3429000"/>
+              <a:ext cx="144016" cy="0"/>
+            </a:xfrm>
+            <a:prstGeom prst="line">
+              <a:avLst/>
+            </a:prstGeom>
+            <a:ln w="28575">
+              <a:solidFill>
+                <a:schemeClr val="tx1"/>
+              </a:solidFill>
+            </a:ln>
+          </p:spPr>
+          <p:style>
+            <a:lnRef idx="1">
+              <a:schemeClr val="accent1"/>
+            </a:lnRef>
+            <a:fillRef idx="0">
+              <a:schemeClr val="accent1"/>
+            </a:fillRef>
+            <a:effectRef idx="0">
+              <a:schemeClr val="accent1"/>
+            </a:effectRef>
+            <a:fontRef idx="minor">
+              <a:schemeClr val="tx1"/>
+            </a:fontRef>
+          </p:style>
+        </p:cxnSp>
+        <p:cxnSp>
+          <p:nvCxnSpPr>
+            <p:cNvPr id="50" name="Gerader Verbinder 49"/>
+            <p:cNvCxnSpPr/>
+            <p:nvPr/>
+          </p:nvCxnSpPr>
+          <p:spPr>
+            <a:xfrm flipV="1">
+              <a:off x="8472263" y="3068961"/>
+              <a:ext cx="1" cy="360039"/>
+            </a:xfrm>
+            <a:prstGeom prst="line">
+              <a:avLst/>
+            </a:prstGeom>
+            <a:ln w="28575">
+              <a:solidFill>
+                <a:schemeClr val="tx1"/>
+              </a:solidFill>
+            </a:ln>
+          </p:spPr>
+          <p:style>
+            <a:lnRef idx="1">
+              <a:schemeClr val="accent1"/>
+            </a:lnRef>
+            <a:fillRef idx="0">
+              <a:schemeClr val="accent1"/>
+            </a:fillRef>
+            <a:effectRef idx="0">
+              <a:schemeClr val="accent1"/>
+            </a:effectRef>
+            <a:fontRef idx="minor">
+              <a:schemeClr val="tx1"/>
+            </a:fontRef>
+          </p:style>
+        </p:cxnSp>
+        <p:sp>
+          <p:nvSpPr>
+            <p:cNvPr id="53" name="Ellipse 52"/>
+            <p:cNvSpPr/>
+            <p:nvPr/>
+          </p:nvSpPr>
+          <p:spPr>
+            <a:xfrm>
+              <a:off x="9784906" y="2930468"/>
+              <a:ext cx="648072" cy="648072"/>
+            </a:xfrm>
+            <a:prstGeom prst="ellipse">
+              <a:avLst/>
+            </a:prstGeom>
+            <a:noFill/>
+            <a:ln w="28575">
+              <a:solidFill>
+                <a:schemeClr val="tx1"/>
+              </a:solidFill>
+            </a:ln>
+          </p:spPr>
+          <p:style>
+            <a:lnRef idx="2">
+              <a:schemeClr val="accent1">
+                <a:shade val="50000"/>
+              </a:schemeClr>
+            </a:lnRef>
+            <a:fillRef idx="1">
+              <a:schemeClr val="accent1"/>
+            </a:fillRef>
+            <a:effectRef idx="0">
+              <a:schemeClr val="accent1"/>
+            </a:effectRef>
+            <a:fontRef idx="minor">
+              <a:schemeClr val="lt1"/>
+            </a:fontRef>
+          </p:style>
+          <p:txBody>
+            <a:bodyPr rtlCol="0" anchor="ctr"/>
+            <a:lstStyle/>
+            <a:p>
+              <a:pPr algn="ctr"/>
+              <a:endParaRPr lang="de-DE" dirty="0" err="1" smtClean="0">
+                <a:solidFill>
+                  <a:schemeClr val="tx1"/>
+                </a:solidFill>
+              </a:endParaRPr>
+            </a:p>
+          </p:txBody>
+        </p:sp>
+        <p:sp>
+          <p:nvSpPr>
+            <p:cNvPr id="54" name="Textfeld 53"/>
+            <p:cNvSpPr txBox="1"/>
+            <p:nvPr/>
+          </p:nvSpPr>
+          <p:spPr>
+            <a:xfrm>
+              <a:off x="9920429" y="3038480"/>
+              <a:ext cx="377026" cy="369332"/>
+            </a:xfrm>
+            <a:prstGeom prst="rect">
+              <a:avLst/>
+            </a:prstGeom>
+            <a:noFill/>
+          </p:spPr>
+          <p:txBody>
+            <a:bodyPr wrap="none" rtlCol="0">
+              <a:spAutoFit/>
+            </a:bodyPr>
+            <a:lstStyle/>
+            <a:p>
+              <a:r>
+                <a:rPr lang="de-DE" b="1" dirty="0" smtClean="0"/>
+                <a:t>M</a:t>
+              </a:r>
+              <a:endParaRPr lang="de-DE" b="1" dirty="0"/>
+            </a:p>
+          </p:txBody>
+        </p:sp>
+        <p:cxnSp>
+          <p:nvCxnSpPr>
+            <p:cNvPr id="55" name="Gerader Verbinder 54"/>
+            <p:cNvCxnSpPr>
+              <a:endCxn id="53" idx="2"/>
+            </p:cNvCxnSpPr>
+            <p:nvPr/>
+          </p:nvCxnSpPr>
+          <p:spPr>
+            <a:xfrm>
+              <a:off x="8472263" y="3254504"/>
+              <a:ext cx="1312643" cy="0"/>
+            </a:xfrm>
+            <a:prstGeom prst="line">
+              <a:avLst/>
+            </a:prstGeom>
+            <a:ln w="28575">
+              <a:solidFill>
+                <a:schemeClr val="tx1"/>
+              </a:solidFill>
+            </a:ln>
+          </p:spPr>
+          <p:style>
+            <a:lnRef idx="1">
+              <a:schemeClr val="accent1"/>
+            </a:lnRef>
+            <a:fillRef idx="0">
+              <a:schemeClr val="accent1"/>
+            </a:fillRef>
+            <a:effectRef idx="0">
+              <a:schemeClr val="accent1"/>
+            </a:effectRef>
+            <a:fontRef idx="minor">
+              <a:schemeClr val="tx1"/>
+            </a:fontRef>
+          </p:style>
+        </p:cxnSp>
+        <p:sp>
+          <p:nvSpPr>
+            <p:cNvPr id="59" name="Rechteck 58"/>
+            <p:cNvSpPr/>
+            <p:nvPr/>
+          </p:nvSpPr>
+          <p:spPr>
+            <a:xfrm>
+              <a:off x="6600056" y="2636912"/>
+              <a:ext cx="2088232" cy="1224136"/>
+            </a:xfrm>
+            <a:prstGeom prst="rect">
+              <a:avLst/>
+            </a:prstGeom>
+            <a:noFill/>
+            <a:ln w="28575">
+              <a:solidFill>
+                <a:schemeClr val="tx1"/>
+              </a:solidFill>
+              <a:prstDash val="sysDot"/>
+            </a:ln>
+          </p:spPr>
+          <p:style>
+            <a:lnRef idx="2">
+              <a:schemeClr val="accent1">
+                <a:shade val="50000"/>
+              </a:schemeClr>
+            </a:lnRef>
+            <a:fillRef idx="1">
+              <a:schemeClr val="accent1"/>
+            </a:fillRef>
+            <a:effectRef idx="0">
+              <a:schemeClr val="accent1"/>
+            </a:effectRef>
+            <a:fontRef idx="minor">
+              <a:schemeClr val="lt1"/>
+            </a:fontRef>
+          </p:style>
+          <p:txBody>
+            <a:bodyPr rtlCol="0" anchor="ctr"/>
+            <a:lstStyle/>
+            <a:p>
+              <a:pPr algn="ctr"/>
+              <a:endParaRPr lang="de-DE" dirty="0" err="1" smtClean="0">
+                <a:solidFill>
+                  <a:schemeClr val="tx1"/>
+                </a:solidFill>
+              </a:endParaRPr>
+            </a:p>
+          </p:txBody>
+        </p:sp>
+        <p:sp>
+          <p:nvSpPr>
+            <p:cNvPr id="60" name="Textfeld 59"/>
+            <p:cNvSpPr txBox="1"/>
+            <p:nvPr/>
+          </p:nvSpPr>
+          <p:spPr>
+            <a:xfrm>
+              <a:off x="6435380" y="3970197"/>
+              <a:ext cx="2481749" cy="646331"/>
+            </a:xfrm>
+            <a:prstGeom prst="rect">
+              <a:avLst/>
+            </a:prstGeom>
+            <a:noFill/>
+          </p:spPr>
+          <p:txBody>
+            <a:bodyPr wrap="square" rtlCol="0">
+              <a:spAutoFit/>
+            </a:bodyPr>
+            <a:lstStyle/>
+            <a:p>
+              <a:pPr algn="ctr"/>
+              <a:r>
+                <a:rPr lang="de-DE" dirty="0" smtClean="0"/>
+                <a:t>Lenkrad + Drehmomentsensor</a:t>
+              </a:r>
+              <a:endParaRPr lang="de-DE" dirty="0"/>
+            </a:p>
+          </p:txBody>
+        </p:sp>
+        <p:cxnSp>
+          <p:nvCxnSpPr>
+            <p:cNvPr id="66" name="Gewinkelter Verbinder 65"/>
+            <p:cNvCxnSpPr>
+              <a:stCxn id="59" idx="0"/>
+              <a:endCxn id="53" idx="0"/>
+            </p:cNvCxnSpPr>
+            <p:nvPr/>
+          </p:nvCxnSpPr>
+          <p:spPr>
+            <a:xfrm rot="16200000" flipH="1">
+              <a:off x="8729779" y="1551305"/>
+              <a:ext cx="293556" cy="2464770"/>
+            </a:xfrm>
+            <a:prstGeom prst="bentConnector3">
+              <a:avLst>
+                <a:gd name="adj1" fmla="val -251789"/>
+              </a:avLst>
+            </a:prstGeom>
+            <a:ln w="28575">
+              <a:solidFill>
+                <a:schemeClr val="accent3"/>
+              </a:solidFill>
+              <a:prstDash val="dash"/>
+              <a:tailEnd type="triangle"/>
+            </a:ln>
+          </p:spPr>
+          <p:style>
+            <a:lnRef idx="1">
+              <a:schemeClr val="accent1"/>
+            </a:lnRef>
+            <a:fillRef idx="0">
+              <a:schemeClr val="accent1"/>
+            </a:fillRef>
+            <a:effectRef idx="0">
+              <a:schemeClr val="accent1"/>
+            </a:effectRef>
+            <a:fontRef idx="minor">
+              <a:schemeClr val="tx1"/>
+            </a:fontRef>
+          </p:style>
+        </p:cxnSp>
+        <p:sp>
+          <p:nvSpPr>
+            <p:cNvPr id="70" name="Textfeld 69"/>
+            <p:cNvSpPr txBox="1"/>
+            <p:nvPr/>
+          </p:nvSpPr>
+          <p:spPr>
+            <a:xfrm>
+              <a:off x="8976320" y="3687430"/>
+              <a:ext cx="2481749" cy="369332"/>
+            </a:xfrm>
+            <a:prstGeom prst="rect">
+              <a:avLst/>
+            </a:prstGeom>
+            <a:noFill/>
+          </p:spPr>
+          <p:txBody>
+            <a:bodyPr wrap="square" rtlCol="0">
+              <a:spAutoFit/>
+            </a:bodyPr>
+            <a:lstStyle/>
+            <a:p>
+              <a:pPr algn="ctr"/>
+              <a:r>
+                <a:rPr lang="de-DE" dirty="0" smtClean="0"/>
+                <a:t>Motor + Getriebe</a:t>
+              </a:r>
+              <a:endParaRPr lang="de-DE" dirty="0"/>
+            </a:p>
+          </p:txBody>
+        </p:sp>
+      </p:grpSp>
+      <p:sp>
+        <p:nvSpPr>
+          <p:cNvPr id="72" name="Titel 1"/>
+          <p:cNvSpPr txBox="1">
+            <a:spLocks/>
+          </p:cNvSpPr>
+          <p:nvPr/>
+        </p:nvSpPr>
+        <p:spPr>
+          <a:xfrm>
+            <a:off x="551384" y="549824"/>
+            <a:ext cx="8784000" cy="576000"/>
+          </a:xfrm>
+          <a:prstGeom prst="rect">
+            <a:avLst/>
+          </a:prstGeom>
+        </p:spPr>
+        <p:txBody>
+          <a:bodyPr vert="horz" lIns="0" tIns="0" rIns="0" bIns="0" rtlCol="0" anchor="b" anchorCtr="0">
+            <a:noAutofit/>
+          </a:bodyPr>
+          <a:lstStyle>
+            <a:lvl1pPr algn="l" defTabSz="914400" rtl="0" eaLnBrk="1" latinLnBrk="0" hangingPunct="1">
+              <a:lnSpc>
+                <a:spcPts val="2500"/>
+              </a:lnSpc>
+              <a:spcBef>
+                <a:spcPct val="0"/>
+              </a:spcBef>
+              <a:buNone/>
+              <a:defRPr sz="2200" b="1" kern="1200">
+                <a:solidFill>
+                  <a:schemeClr val="tx1"/>
+                </a:solidFill>
+                <a:latin typeface="Arial" pitchFamily="34" charset="0"/>
+                <a:ea typeface="+mj-ea"/>
+                <a:cs typeface="Arial" pitchFamily="34" charset="0"/>
+              </a:defRPr>
+            </a:lvl1pPr>
+          </a:lstStyle>
+          <a:p>
+            <a:r>
+              <a:rPr lang="de-DE" sz="1800" dirty="0" smtClean="0"/>
+              <a:t>Probleme mit Lenkradaufbau:</a:t>
+            </a:r>
+            <a:endParaRPr lang="de-DE" sz="1800" dirty="0"/>
           </a:p>
         </p:txBody>
       </p:sp>
     </p:spTree>
+    <p:extLst>
+      <p:ext uri="{BB962C8B-B14F-4D97-AF65-F5344CB8AC3E}">
+        <p14:creationId xmlns:p14="http://schemas.microsoft.com/office/powerpoint/2010/main" val="791670055"/>
+      </p:ext>
+    </p:extLst>
   </p:cSld>
   <p:clrMapOvr>
     <a:masterClrMapping/>
   </p:clrMapOvr>
+  <p:timing>
+    <p:tnLst>
+      <p:par>
+        <p:cTn id="1" dur="indefinite" restart="never" nodeType="tmRoot"/>
+      </p:par>
+    </p:tnLst>
+  </p:timing>
+</p:sld>
+</file>
+
+<file path=ppt/slides/slide17.xml><?xml version="1.0" encoding="utf-8"?>
+<p:sld xmlns:a="http://schemas.openxmlformats.org/drawingml/2006/main" xmlns:r="http://schemas.openxmlformats.org/officeDocument/2006/relationships" xmlns:p="http://schemas.openxmlformats.org/presentationml/2006/main">
+  <p:cSld>
+    <p:spTree>
+      <p:nvGrpSpPr>
+        <p:cNvPr id="1" name=""/>
+        <p:cNvGrpSpPr/>
+        <p:nvPr/>
+      </p:nvGrpSpPr>
+      <p:grpSpPr>
+        <a:xfrm>
+          <a:off x="0" y="0"/>
+          <a:ext cx="0" cy="0"/>
+          <a:chOff x="0" y="0"/>
+          <a:chExt cx="0" cy="0"/>
+        </a:xfrm>
+      </p:grpSpPr>
+      <p:sp>
+        <p:nvSpPr>
+          <p:cNvPr id="2" name="Titel 1"/>
+          <p:cNvSpPr>
+            <a:spLocks noGrp="1"/>
+          </p:cNvSpPr>
+          <p:nvPr>
+            <p:ph type="title"/>
+          </p:nvPr>
+        </p:nvSpPr>
+        <p:spPr/>
+        <p:txBody>
+          <a:bodyPr/>
+          <a:lstStyle/>
+          <a:p>
+            <a:r>
+              <a:rPr lang="de-DE" dirty="0"/>
+              <a:t>Probleme</a:t>
+            </a:r>
+          </a:p>
+        </p:txBody>
+      </p:sp>
+      <p:sp>
+        <p:nvSpPr>
+          <p:cNvPr id="3" name="Inhaltsplatzhalter 2"/>
+          <p:cNvSpPr>
+            <a:spLocks noGrp="1"/>
+          </p:cNvSpPr>
+          <p:nvPr>
+            <p:ph sz="half" idx="1"/>
+          </p:nvPr>
+        </p:nvSpPr>
+        <p:spPr/>
+        <p:txBody>
+          <a:bodyPr/>
+          <a:lstStyle/>
+          <a:p>
+            <a:pPr marL="0" indent="0">
+              <a:buNone/>
+            </a:pPr>
+            <a:r>
+              <a:rPr lang="de-DE" b="1" dirty="0" smtClean="0"/>
+              <a:t>Lenkgefühl</a:t>
+            </a:r>
+            <a:r>
+              <a:rPr lang="de-DE" dirty="0" smtClean="0"/>
+              <a:t>:</a:t>
+            </a:r>
+          </a:p>
+          <a:p>
+            <a:pPr lvl="1"/>
+            <a:r>
+              <a:rPr lang="de-DE" dirty="0" smtClean="0"/>
+              <a:t>Rastmomente im Motor</a:t>
+            </a:r>
+          </a:p>
+          <a:p>
+            <a:pPr lvl="1"/>
+            <a:r>
+              <a:rPr lang="de-DE" dirty="0" smtClean="0"/>
+              <a:t>Permanentmagnete im Rotor und </a:t>
+            </a:r>
+            <a:r>
+              <a:rPr lang="de-DE" dirty="0" err="1" smtClean="0"/>
+              <a:t>Statorzähne</a:t>
+            </a:r>
+            <a:r>
+              <a:rPr lang="de-DE" dirty="0" smtClean="0"/>
+              <a:t> erzeugen Positionsabhängige Drehmomente am Rotor.</a:t>
+            </a:r>
+          </a:p>
+          <a:p>
+            <a:pPr lvl="1"/>
+            <a:r>
+              <a:rPr lang="de-DE" dirty="0" smtClean="0"/>
+              <a:t>Erzeugt ein </a:t>
+            </a:r>
+            <a:r>
+              <a:rPr lang="de-DE" dirty="0" err="1" smtClean="0"/>
+              <a:t>ruckeliges</a:t>
+            </a:r>
+            <a:r>
+              <a:rPr lang="de-DE" dirty="0" smtClean="0"/>
+              <a:t> Gefühl am Lenkrad</a:t>
+            </a:r>
+          </a:p>
+          <a:p>
+            <a:pPr lvl="1"/>
+            <a:r>
+              <a:rPr lang="de-DE" dirty="0" smtClean="0"/>
+              <a:t>Kann durch langsames Drehen des Rotors in Geschwindigkeitsregelung und Aufzeichnung des gestellten Stroms charakterisiert werden.</a:t>
+            </a:r>
+          </a:p>
+          <a:p>
+            <a:pPr lvl="1"/>
+            <a:r>
+              <a:rPr lang="de-DE" dirty="0" smtClean="0"/>
+              <a:t>Charakterisierung kann als Vorsteuerung verwendet werden um Rastmomente abzuschwächen.</a:t>
+            </a:r>
+          </a:p>
+          <a:p>
+            <a:pPr lvl="1"/>
+            <a:r>
+              <a:rPr lang="de-DE" dirty="0" smtClean="0"/>
+              <a:t>Vollständige Kompensation nicht möglich.</a:t>
+            </a:r>
+          </a:p>
+          <a:p>
+            <a:pPr lvl="1"/>
+            <a:r>
+              <a:rPr lang="de-DE" dirty="0" smtClean="0"/>
+              <a:t>Rastmomentkompensierte Motoren verfügbar</a:t>
+            </a:r>
+            <a:endParaRPr lang="de-DE" dirty="0"/>
+          </a:p>
+        </p:txBody>
+      </p:sp>
+      <p:sp>
+        <p:nvSpPr>
+          <p:cNvPr id="5" name="Titel 1"/>
+          <p:cNvSpPr txBox="1">
+            <a:spLocks/>
+          </p:cNvSpPr>
+          <p:nvPr/>
+        </p:nvSpPr>
+        <p:spPr>
+          <a:xfrm>
+            <a:off x="551384" y="549824"/>
+            <a:ext cx="8784000" cy="576000"/>
+          </a:xfrm>
+          <a:prstGeom prst="rect">
+            <a:avLst/>
+          </a:prstGeom>
+        </p:spPr>
+        <p:txBody>
+          <a:bodyPr vert="horz" lIns="0" tIns="0" rIns="0" bIns="0" rtlCol="0" anchor="b" anchorCtr="0">
+            <a:noAutofit/>
+          </a:bodyPr>
+          <a:lstStyle>
+            <a:lvl1pPr algn="l" defTabSz="914400" rtl="0" eaLnBrk="1" latinLnBrk="0" hangingPunct="1">
+              <a:lnSpc>
+                <a:spcPts val="2500"/>
+              </a:lnSpc>
+              <a:spcBef>
+                <a:spcPct val="0"/>
+              </a:spcBef>
+              <a:buNone/>
+              <a:defRPr sz="2200" b="1" kern="1200">
+                <a:solidFill>
+                  <a:schemeClr val="tx1"/>
+                </a:solidFill>
+                <a:latin typeface="Arial" pitchFamily="34" charset="0"/>
+                <a:ea typeface="+mj-ea"/>
+                <a:cs typeface="Arial" pitchFamily="34" charset="0"/>
+              </a:defRPr>
+            </a:lvl1pPr>
+          </a:lstStyle>
+          <a:p>
+            <a:r>
+              <a:rPr lang="de-DE" sz="1800" dirty="0" smtClean="0"/>
+              <a:t>Probleme mit Lenkradaufbau:</a:t>
+            </a:r>
+            <a:endParaRPr lang="de-DE" sz="1800" dirty="0"/>
+          </a:p>
+        </p:txBody>
+      </p:sp>
+      <p:pic>
+        <p:nvPicPr>
+          <p:cNvPr id="6" name="Grafik 5"/>
+          <p:cNvPicPr>
+            <a:picLocks noChangeAspect="1"/>
+          </p:cNvPicPr>
+          <p:nvPr/>
+        </p:nvPicPr>
+        <p:blipFill>
+          <a:blip r:embed="rId2"/>
+          <a:stretch>
+            <a:fillRect/>
+          </a:stretch>
+        </p:blipFill>
+        <p:spPr>
+          <a:xfrm>
+            <a:off x="6447160" y="2276872"/>
+            <a:ext cx="5343277" cy="2935789"/>
+          </a:xfrm>
+          <a:prstGeom prst="rect">
+            <a:avLst/>
+          </a:prstGeom>
+        </p:spPr>
+      </p:pic>
+    </p:spTree>
+    <p:extLst>
+      <p:ext uri="{BB962C8B-B14F-4D97-AF65-F5344CB8AC3E}">
+        <p14:creationId xmlns:p14="http://schemas.microsoft.com/office/powerpoint/2010/main" val="1586872528"/>
+      </p:ext>
+    </p:extLst>
+  </p:cSld>
+  <p:clrMapOvr>
+    <a:masterClrMapping/>
+  </p:clrMapOvr>
+  <p:timing>
+    <p:tnLst>
+      <p:par>
+        <p:cTn id="1" dur="indefinite" restart="never" nodeType="tmRoot"/>
+      </p:par>
+    </p:tnLst>
+  </p:timing>
+</p:sld>
+</file>
+
+<file path=ppt/slides/slide18.xml><?xml version="1.0" encoding="utf-8"?>
+<p:sld xmlns:a="http://schemas.openxmlformats.org/drawingml/2006/main" xmlns:r="http://schemas.openxmlformats.org/officeDocument/2006/relationships" xmlns:p="http://schemas.openxmlformats.org/presentationml/2006/main">
+  <p:cSld>
+    <p:spTree>
+      <p:nvGrpSpPr>
+        <p:cNvPr id="1" name=""/>
+        <p:cNvGrpSpPr/>
+        <p:nvPr/>
+      </p:nvGrpSpPr>
+      <p:grpSpPr>
+        <a:xfrm>
+          <a:off x="0" y="0"/>
+          <a:ext cx="0" cy="0"/>
+          <a:chOff x="0" y="0"/>
+          <a:chExt cx="0" cy="0"/>
+        </a:xfrm>
+      </p:grpSpPr>
+      <p:graphicFrame>
+        <p:nvGraphicFramePr>
+          <p:cNvPr id="10" name="Objekt 9" hidden="1"/>
+          <p:cNvGraphicFramePr>
+            <a:graphicFrameLocks noChangeAspect="1"/>
+          </p:cNvGraphicFramePr>
+          <p:nvPr>
+            <p:custDataLst>
+              <p:tags r:id="rId2"/>
+            </p:custDataLst>
+          </p:nvPr>
+        </p:nvGraphicFramePr>
+        <p:xfrm>
+          <a:off x="1525588" y="1589"/>
+          <a:ext cx="1587" cy="1587"/>
+        </p:xfrm>
+        <a:graphic>
+          <a:graphicData uri="http://schemas.openxmlformats.org/presentationml/2006/ole">
+            <mc:AlternateContent xmlns:mc="http://schemas.openxmlformats.org/markup-compatibility/2006">
+              <mc:Choice xmlns:v="urn:schemas-microsoft-com:vml" Requires="v">
+                <p:oleObj spid="_x0000_s7172" name="think-cell Folie" r:id="rId4" imgW="360" imgH="360" progId="">
+                  <p:embed/>
+                </p:oleObj>
+              </mc:Choice>
+              <mc:Fallback>
+                <p:oleObj name="think-cell Folie" r:id="rId4" imgW="360" imgH="360" progId="">
+                  <p:embed/>
+                  <p:pic>
+                    <p:nvPicPr>
+                      <p:cNvPr id="10" name="Objekt 9" hidden="1"/>
+                      <p:cNvPicPr>
+                        <a:picLocks noChangeAspect="1" noChangeArrowheads="1"/>
+                      </p:cNvPicPr>
+                      <p:nvPr/>
+                    </p:nvPicPr>
+                    <p:blipFill>
+                      <a:blip r:embed="rId5">
+                        <a:extLst>
+                          <a:ext uri="{28A0092B-C50C-407E-A947-70E740481C1C}">
+                            <a14:useLocalDpi xmlns:a14="http://schemas.microsoft.com/office/drawing/2010/main" val="0"/>
+                          </a:ext>
+                        </a:extLst>
+                      </a:blip>
+                      <a:srcRect/>
+                      <a:stretch>
+                        <a:fillRect/>
+                      </a:stretch>
+                    </p:blipFill>
+                    <p:spPr bwMode="auto">
+                      <a:xfrm>
+                        <a:off x="1525588" y="1589"/>
+                        <a:ext cx="1587" cy="1587"/>
+                      </a:xfrm>
+                      <a:prstGeom prst="rect">
+                        <a:avLst/>
+                      </a:prstGeom>
+                      <a:noFill/>
+                      <a:extLst>
+                        <a:ext uri="{909E8E84-426E-40DD-AFC4-6F175D3DCCD1}">
+                          <a14:hiddenFill xmlns:a14="http://schemas.microsoft.com/office/drawing/2010/main">
+                            <a:solidFill>
+                              <a:srgbClr val="FFFFFF"/>
+                            </a:solidFill>
+                          </a14:hiddenFill>
+                        </a:ext>
+                      </a:extLst>
+                    </p:spPr>
+                  </p:pic>
+                </p:oleObj>
+              </mc:Fallback>
+            </mc:AlternateContent>
+          </a:graphicData>
+        </a:graphic>
+      </p:graphicFrame>
+      <p:grpSp>
+        <p:nvGrpSpPr>
+          <p:cNvPr id="6" name="Highlight"/>
+          <p:cNvGrpSpPr>
+            <a:grpSpLocks/>
+          </p:cNvGrpSpPr>
+          <p:nvPr/>
+        </p:nvGrpSpPr>
+        <p:grpSpPr bwMode="auto">
+          <a:xfrm>
+            <a:off x="330200" y="2862461"/>
+            <a:ext cx="11518900" cy="288776"/>
+            <a:chOff x="342" y="1063"/>
+            <a:chExt cx="4329" cy="276"/>
+          </a:xfrm>
+        </p:grpSpPr>
+        <p:sp>
+          <p:nvSpPr>
+            <p:cNvPr id="7" name="Rectangle 1042"/>
+            <p:cNvSpPr>
+              <a:spLocks noChangeArrowheads="1"/>
+            </p:cNvSpPr>
+            <p:nvPr/>
+          </p:nvSpPr>
+          <p:spPr bwMode="auto">
+            <a:xfrm>
+              <a:off x="342" y="1063"/>
+              <a:ext cx="3118" cy="276"/>
+            </a:xfrm>
+            <a:prstGeom prst="rect">
+              <a:avLst/>
+            </a:prstGeom>
+            <a:solidFill>
+              <a:srgbClr val="FFFF00"/>
+            </a:solidFill>
+            <a:ln w="7239">
+              <a:noFill/>
+              <a:miter lim="800000"/>
+              <a:headEnd/>
+              <a:tailEnd/>
+            </a:ln>
+          </p:spPr>
+          <p:txBody>
+            <a:bodyPr wrap="none" anchor="ctr"/>
+            <a:lstStyle/>
+            <a:p>
+              <a:pPr algn="r" eaLnBrk="0" hangingPunct="0"/>
+              <a:endParaRPr lang="de-DE" dirty="0"/>
+            </a:p>
+          </p:txBody>
+        </p:sp>
+        <p:sp>
+          <p:nvSpPr>
+            <p:cNvPr id="8" name="Rectangle 1043"/>
+            <p:cNvSpPr>
+              <a:spLocks noChangeArrowheads="1"/>
+            </p:cNvSpPr>
+            <p:nvPr/>
+          </p:nvSpPr>
+          <p:spPr bwMode="auto">
+            <a:xfrm>
+              <a:off x="3460" y="1063"/>
+              <a:ext cx="1211" cy="276"/>
+            </a:xfrm>
+            <a:prstGeom prst="rect">
+              <a:avLst/>
+            </a:prstGeom>
+            <a:gradFill flip="none" rotWithShape="1">
+              <a:gsLst>
+                <a:gs pos="0">
+                  <a:srgbClr val="FFFF00"/>
+                </a:gs>
+                <a:gs pos="100000">
+                  <a:srgbClr val="FFFFFF"/>
+                </a:gs>
+              </a:gsLst>
+              <a:lin ang="0" scaled="1"/>
+              <a:tileRect/>
+            </a:gradFill>
+            <a:ln w="7239">
+              <a:noFill/>
+              <a:miter lim="800000"/>
+              <a:headEnd/>
+              <a:tailEnd/>
+            </a:ln>
+          </p:spPr>
+          <p:txBody>
+            <a:bodyPr wrap="none" anchor="ctr"/>
+            <a:lstStyle/>
+            <a:p>
+              <a:pPr algn="r" eaLnBrk="0" hangingPunct="0"/>
+              <a:endParaRPr lang="de-DE" dirty="0"/>
+            </a:p>
+          </p:txBody>
+        </p:sp>
+      </p:grpSp>
+      <p:sp>
+        <p:nvSpPr>
+          <p:cNvPr id="4" name="Titel 3"/>
+          <p:cNvSpPr>
+            <a:spLocks noGrp="1"/>
+          </p:cNvSpPr>
+          <p:nvPr>
+            <p:ph type="title"/>
+          </p:nvPr>
+        </p:nvSpPr>
+        <p:spPr/>
+        <p:txBody>
+          <a:bodyPr/>
+          <a:lstStyle/>
+          <a:p>
+            <a:r>
+              <a:rPr lang="de-DE" dirty="0"/>
+              <a:t>Agenda</a:t>
+            </a:r>
+          </a:p>
+        </p:txBody>
+      </p:sp>
+      <p:sp>
+        <p:nvSpPr>
+          <p:cNvPr id="14" name="Inhaltsplatzhalter 13"/>
+          <p:cNvSpPr>
+            <a:spLocks noGrp="1"/>
+          </p:cNvSpPr>
+          <p:nvPr>
+            <p:ph idx="1"/>
+          </p:nvPr>
+        </p:nvSpPr>
+        <p:spPr/>
+        <p:txBody>
+          <a:bodyPr/>
+          <a:lstStyle/>
+          <a:p>
+            <a:r>
+              <a:rPr lang="de-DE" dirty="0" smtClean="0"/>
+              <a:t>Projektziele</a:t>
+            </a:r>
+          </a:p>
+          <a:p>
+            <a:r>
+              <a:rPr lang="de-DE" dirty="0" smtClean="0"/>
+              <a:t>Hardware</a:t>
+            </a:r>
+          </a:p>
+          <a:p>
+            <a:r>
+              <a:rPr lang="de-DE" dirty="0" smtClean="0"/>
+              <a:t>Software</a:t>
+            </a:r>
+          </a:p>
+          <a:p>
+            <a:r>
+              <a:rPr lang="de-DE" dirty="0" smtClean="0"/>
+              <a:t>Probleme</a:t>
+            </a:r>
+          </a:p>
+          <a:p>
+            <a:r>
+              <a:rPr lang="de-DE" dirty="0" smtClean="0"/>
+              <a:t>Projektergebnis</a:t>
+            </a:r>
+          </a:p>
+          <a:p>
+            <a:endParaRPr lang="de-DE" dirty="0"/>
+          </a:p>
+        </p:txBody>
+      </p:sp>
+    </p:spTree>
+    <p:extLst>
+      <p:ext uri="{BB962C8B-B14F-4D97-AF65-F5344CB8AC3E}">
+        <p14:creationId xmlns:p14="http://schemas.microsoft.com/office/powerpoint/2010/main" val="1312855237"/>
+      </p:ext>
+    </p:extLst>
+  </p:cSld>
+  <p:clrMapOvr>
+    <a:masterClrMapping/>
+  </p:clrMapOvr>
+  <p:timing>
+    <p:tnLst>
+      <p:par>
+        <p:cTn id="1" dur="indefinite" restart="never" nodeType="tmRoot">
+          <p:childTnLst>
+            <p:seq concurrent="1" nextAc="seek">
+              <p:cTn id="2" dur="indefinite" nodeType="mainSeq">
+                <p:childTnLst>
+                  <p:par>
+                    <p:cTn id="3" fill="hold">
+                      <p:stCondLst>
+                        <p:cond delay="indefinite"/>
+                      </p:stCondLst>
+                      <p:childTnLst>
+                        <p:par>
+                          <p:cTn id="4" fill="hold">
+                            <p:stCondLst>
+                              <p:cond delay="0"/>
+                            </p:stCondLst>
+                            <p:childTnLst>
+                              <p:par>
+                                <p:cTn id="5" presetID="22" presetClass="entr" presetSubtype="8" fill="hold" nodeType="clickEffect">
+                                  <p:stCondLst>
+                                    <p:cond delay="0"/>
+                                  </p:stCondLst>
+                                  <p:childTnLst>
+                                    <p:set>
+                                      <p:cBhvr>
+                                        <p:cTn id="6" dur="1" fill="hold">
+                                          <p:stCondLst>
+                                            <p:cond delay="0"/>
+                                          </p:stCondLst>
+                                        </p:cTn>
+                                        <p:tgtEl>
+                                          <p:spTgt spid="6"/>
+                                        </p:tgtEl>
+                                        <p:attrNameLst>
+                                          <p:attrName>style.visibility</p:attrName>
+                                        </p:attrNameLst>
+                                      </p:cBhvr>
+                                      <p:to>
+                                        <p:strVal val="visible"/>
+                                      </p:to>
+                                    </p:set>
+                                    <p:animEffect transition="in" filter="wipe(left)">
+                                      <p:cBhvr>
+                                        <p:cTn id="7" dur="500"/>
+                                        <p:tgtEl>
+                                          <p:spTgt spid="6"/>
+                                        </p:tgtEl>
+                                      </p:cBhvr>
+                                    </p:animEffect>
+                                  </p:childTnLst>
+                                </p:cTn>
+                              </p:par>
+                            </p:childTnLst>
+                          </p:cTn>
+                        </p:par>
+                      </p:childTnLst>
+                    </p:cTn>
+                  </p:par>
+                </p:childTnLst>
+              </p:cTn>
+              <p:prevCondLst>
+                <p:cond evt="onPrev" delay="0">
+                  <p:tgtEl>
+                    <p:sldTgt/>
+                  </p:tgtEl>
+                </p:cond>
+              </p:prevCondLst>
+              <p:nextCondLst>
+                <p:cond evt="onNext" delay="0">
+                  <p:tgtEl>
+                    <p:sldTgt/>
+                  </p:tgtEl>
+                </p:cond>
+              </p:nextCondLst>
+            </p:seq>
+          </p:childTnLst>
+        </p:cTn>
+      </p:par>
+    </p:tnLst>
+  </p:timing>
+</p:sld>
+</file>
+
+<file path=ppt/slides/slide19.xml><?xml version="1.0" encoding="utf-8"?>
+<p:sld xmlns:a="http://schemas.openxmlformats.org/drawingml/2006/main" xmlns:r="http://schemas.openxmlformats.org/officeDocument/2006/relationships" xmlns:p="http://schemas.openxmlformats.org/presentationml/2006/main">
+  <p:cSld>
+    <p:spTree>
+      <p:nvGrpSpPr>
+        <p:cNvPr id="1" name=""/>
+        <p:cNvGrpSpPr/>
+        <p:nvPr/>
+      </p:nvGrpSpPr>
+      <p:grpSpPr>
+        <a:xfrm>
+          <a:off x="0" y="0"/>
+          <a:ext cx="0" cy="0"/>
+          <a:chOff x="0" y="0"/>
+          <a:chExt cx="0" cy="0"/>
+        </a:xfrm>
+      </p:grpSpPr>
+      <p:sp>
+        <p:nvSpPr>
+          <p:cNvPr id="2" name="Titel 1"/>
+          <p:cNvSpPr>
+            <a:spLocks noGrp="1"/>
+          </p:cNvSpPr>
+          <p:nvPr>
+            <p:ph type="title"/>
+          </p:nvPr>
+        </p:nvSpPr>
+        <p:spPr/>
+        <p:txBody>
+          <a:bodyPr/>
+          <a:lstStyle/>
+          <a:p>
+            <a:r>
+              <a:rPr lang="de-DE" dirty="0"/>
+              <a:t>Projektergebnis</a:t>
+            </a:r>
+          </a:p>
+        </p:txBody>
+      </p:sp>
+      <p:sp>
+        <p:nvSpPr>
+          <p:cNvPr id="3" name="Inhaltsplatzhalter 2"/>
+          <p:cNvSpPr>
+            <a:spLocks noGrp="1"/>
+          </p:cNvSpPr>
+          <p:nvPr>
+            <p:ph sz="half" idx="1"/>
+          </p:nvPr>
+        </p:nvSpPr>
+        <p:spPr>
+          <a:xfrm>
+            <a:off x="334800" y="1447199"/>
+            <a:ext cx="9649632" cy="5151600"/>
+          </a:xfrm>
+        </p:spPr>
+        <p:txBody>
+          <a:bodyPr/>
+          <a:lstStyle/>
+          <a:p>
+            <a:r>
+              <a:rPr lang="de-DE" dirty="0" smtClean="0"/>
+              <a:t>Kunde war insgesamt von der Integration nicht überzeugt</a:t>
+            </a:r>
+          </a:p>
+          <a:p>
+            <a:r>
+              <a:rPr lang="de-DE" dirty="0" smtClean="0"/>
+              <a:t>Lenkgefühl durch Getriebe und nicht komplett </a:t>
+            </a:r>
+            <a:r>
+              <a:rPr lang="de-DE" dirty="0" err="1" smtClean="0"/>
+              <a:t>kompensierbare</a:t>
+            </a:r>
+            <a:r>
+              <a:rPr lang="de-DE" dirty="0" smtClean="0"/>
+              <a:t> Rastmomente nicht auf gewohntem Niveau</a:t>
+            </a:r>
+          </a:p>
+          <a:p>
+            <a:r>
+              <a:rPr lang="de-DE" dirty="0" smtClean="0"/>
+              <a:t>Nötige Tiefpassfilterung um Rückkopplung zu unterdrücken erzeugt ein träges Lenkgefühl</a:t>
+            </a:r>
+          </a:p>
+          <a:p>
+            <a:r>
+              <a:rPr lang="de-DE" dirty="0" smtClean="0"/>
+              <a:t> Hohe Lautstärke durch Getriebe im Lenkradmotor und Radwinkelstellmotor</a:t>
+            </a:r>
+            <a:endParaRPr lang="de-DE" dirty="0"/>
+          </a:p>
+        </p:txBody>
+      </p:sp>
+    </p:spTree>
+    <p:extLst>
+      <p:ext uri="{BB962C8B-B14F-4D97-AF65-F5344CB8AC3E}">
+        <p14:creationId xmlns:p14="http://schemas.microsoft.com/office/powerpoint/2010/main" val="385372899"/>
+      </p:ext>
+    </p:extLst>
+  </p:cSld>
+  <p:clrMapOvr>
+    <a:masterClrMapping/>
+  </p:clrMapOvr>
+  <p:timing>
+    <p:tnLst>
+      <p:par>
+        <p:cTn id="1" dur="indefinite" restart="never" nodeType="tmRoot"/>
+      </p:par>
+    </p:tnLst>
+  </p:timing>
 </p:sld>
 </file>
 
@@ -7435,7 +12717,7 @@
           <a:graphicData uri="http://schemas.openxmlformats.org/presentationml/2006/ole">
             <mc:AlternateContent xmlns:mc="http://schemas.openxmlformats.org/markup-compatibility/2006">
               <mc:Choice xmlns:v="urn:schemas-microsoft-com:vml" Requires="v">
-                <p:oleObj spid="_x0000_s2051" name="think-cell Folie" r:id="rId4" imgW="360" imgH="360" progId="">
+                <p:oleObj spid="_x0000_s2056" name="think-cell Folie" r:id="rId4" imgW="360" imgH="360" progId="">
                   <p:embed/>
                 </p:oleObj>
               </mc:Choice>
@@ -7622,6 +12904,42 @@
           <a:bodyPr/>
           <a:lstStyle/>
           <a:p>
+            <a:r>
+              <a:rPr lang="de-DE" dirty="0" smtClean="0"/>
+              <a:t>Projektziele</a:t>
+            </a:r>
+          </a:p>
+          <a:p>
+            <a:r>
+              <a:rPr lang="de-DE" dirty="0" smtClean="0"/>
+              <a:t>Hardware</a:t>
+            </a:r>
+          </a:p>
+          <a:p>
+            <a:r>
+              <a:rPr lang="de-DE" dirty="0" smtClean="0"/>
+              <a:t>Software</a:t>
+            </a:r>
+          </a:p>
+          <a:p>
+            <a:r>
+              <a:rPr lang="de-DE" dirty="0" smtClean="0"/>
+              <a:t>Integration</a:t>
+            </a:r>
+          </a:p>
+          <a:p>
+            <a:r>
+              <a:rPr lang="de-DE" dirty="0" smtClean="0"/>
+              <a:t>Probleme</a:t>
+            </a:r>
+          </a:p>
+          <a:p>
+            <a:r>
+              <a:rPr lang="de-DE" dirty="0" smtClean="0"/>
+              <a:t>Projektergebnis</a:t>
+            </a:r>
+          </a:p>
+          <a:p>
             <a:endParaRPr lang="de-DE" dirty="0"/>
           </a:p>
         </p:txBody>
@@ -7736,100 +13054,6 @@
       </p:grpSpPr>
       <p:sp>
         <p:nvSpPr>
-          <p:cNvPr id="6" name="Titel 5"/>
-          <p:cNvSpPr>
-            <a:spLocks noGrp="1"/>
-          </p:cNvSpPr>
-          <p:nvPr>
-            <p:ph type="title"/>
-          </p:nvPr>
-        </p:nvSpPr>
-        <p:spPr/>
-        <p:txBody>
-          <a:bodyPr/>
-          <a:lstStyle/>
-          <a:p>
-            <a:endParaRPr lang="de-DE" dirty="0"/>
-          </a:p>
-        </p:txBody>
-      </p:sp>
-      <p:pic>
-        <p:nvPicPr>
-          <p:cNvPr id="2" name="Inhaltsplatzhalter 1"/>
-          <p:cNvPicPr>
-            <a:picLocks noGrp="1" noChangeAspect="1"/>
-          </p:cNvPicPr>
-          <p:nvPr>
-            <p:ph idx="1"/>
-          </p:nvPr>
-        </p:nvPicPr>
-        <p:blipFill>
-          <a:blip r:embed="rId2"/>
-          <a:stretch>
-            <a:fillRect/>
-          </a:stretch>
-        </p:blipFill>
-        <p:spPr>
-          <a:xfrm>
-            <a:off x="551384" y="980728"/>
-            <a:ext cx="7049484" cy="4344006"/>
-          </a:xfrm>
-          <a:prstGeom prst="rect">
-            <a:avLst/>
-          </a:prstGeom>
-        </p:spPr>
-      </p:pic>
-      <p:pic>
-        <p:nvPicPr>
-          <p:cNvPr id="3" name="Grafik 2"/>
-          <p:cNvPicPr>
-            <a:picLocks noChangeAspect="1"/>
-          </p:cNvPicPr>
-          <p:nvPr/>
-        </p:nvPicPr>
-        <p:blipFill>
-          <a:blip r:embed="rId3"/>
-          <a:stretch>
-            <a:fillRect/>
-          </a:stretch>
-        </p:blipFill>
-        <p:spPr>
-          <a:xfrm>
-            <a:off x="6816080" y="1304623"/>
-            <a:ext cx="4896533" cy="3696216"/>
-          </a:xfrm>
-          <a:prstGeom prst="rect">
-            <a:avLst/>
-          </a:prstGeom>
-        </p:spPr>
-      </p:pic>
-    </p:spTree>
-  </p:cSld>
-  <p:clrMapOvr>
-    <a:masterClrMapping/>
-  </p:clrMapOvr>
-</p:sld>
-</file>
-
-<file path=ppt/slides/slide4.xml><?xml version="1.0" encoding="utf-8"?>
-<p:sld xmlns:a="http://schemas.openxmlformats.org/drawingml/2006/main" xmlns:r="http://schemas.openxmlformats.org/officeDocument/2006/relationships" xmlns:p="http://schemas.openxmlformats.org/presentationml/2006/main">
-  <p:cSld>
-    <p:spTree>
-      <p:nvGrpSpPr>
-        <p:cNvPr id="1" name=""/>
-        <p:cNvGrpSpPr/>
-        <p:nvPr/>
-      </p:nvGrpSpPr>
-      <p:grpSpPr>
-        <a:xfrm>
-          <a:off x="0" y="0"/>
-          <a:ext cx="0" cy="0"/>
-          <a:chOff x="0" y="0"/>
-          <a:chExt cx="0" cy="0"/>
-        </a:xfrm>
-      </p:grpSpPr>
-      <p:sp>
-        <p:nvSpPr>
           <p:cNvPr id="7" name="Titel 6"/>
           <p:cNvSpPr>
             <a:spLocks noGrp="1"/>
@@ -8123,6 +13347,373 @@
   <p:clrMapOvr>
     <a:masterClrMapping/>
   </p:clrMapOvr>
+  <p:timing>
+    <p:tnLst>
+      <p:par>
+        <p:cTn id="1" dur="indefinite" restart="never" nodeType="tmRoot"/>
+      </p:par>
+    </p:tnLst>
+  </p:timing>
+</p:sld>
+</file>
+
+<file path=ppt/slides/slide4.xml><?xml version="1.0" encoding="utf-8"?>
+<p:sld xmlns:a="http://schemas.openxmlformats.org/drawingml/2006/main" xmlns:r="http://schemas.openxmlformats.org/officeDocument/2006/relationships" xmlns:p="http://schemas.openxmlformats.org/presentationml/2006/main">
+  <p:cSld>
+    <p:spTree>
+      <p:nvGrpSpPr>
+        <p:cNvPr id="1" name=""/>
+        <p:cNvGrpSpPr/>
+        <p:nvPr/>
+      </p:nvGrpSpPr>
+      <p:grpSpPr>
+        <a:xfrm>
+          <a:off x="0" y="0"/>
+          <a:ext cx="0" cy="0"/>
+          <a:chOff x="0" y="0"/>
+          <a:chExt cx="0" cy="0"/>
+        </a:xfrm>
+      </p:grpSpPr>
+      <p:graphicFrame>
+        <p:nvGraphicFramePr>
+          <p:cNvPr id="10" name="Objekt 9" hidden="1"/>
+          <p:cNvGraphicFramePr>
+            <a:graphicFrameLocks noChangeAspect="1"/>
+          </p:cNvGraphicFramePr>
+          <p:nvPr>
+            <p:custDataLst>
+              <p:tags r:id="rId2"/>
+            </p:custDataLst>
+          </p:nvPr>
+        </p:nvGraphicFramePr>
+        <p:xfrm>
+          <a:off x="1525588" y="1589"/>
+          <a:ext cx="1587" cy="1587"/>
+        </p:xfrm>
+        <a:graphic>
+          <a:graphicData uri="http://schemas.openxmlformats.org/presentationml/2006/ole">
+            <mc:AlternateContent xmlns:mc="http://schemas.openxmlformats.org/markup-compatibility/2006">
+              <mc:Choice xmlns:v="urn:schemas-microsoft-com:vml" Requires="v">
+                <p:oleObj spid="_x0000_s3076" name="think-cell Folie" r:id="rId4" imgW="360" imgH="360" progId="">
+                  <p:embed/>
+                </p:oleObj>
+              </mc:Choice>
+              <mc:Fallback>
+                <p:oleObj name="think-cell Folie" r:id="rId4" imgW="360" imgH="360" progId="">
+                  <p:embed/>
+                  <p:pic>
+                    <p:nvPicPr>
+                      <p:cNvPr id="10" name="Objekt 9" hidden="1"/>
+                      <p:cNvPicPr>
+                        <a:picLocks noChangeAspect="1" noChangeArrowheads="1"/>
+                      </p:cNvPicPr>
+                      <p:nvPr/>
+                    </p:nvPicPr>
+                    <p:blipFill>
+                      <a:blip r:embed="rId5">
+                        <a:extLst>
+                          <a:ext uri="{28A0092B-C50C-407E-A947-70E740481C1C}">
+                            <a14:useLocalDpi xmlns:a14="http://schemas.microsoft.com/office/drawing/2010/main" val="0"/>
+                          </a:ext>
+                        </a:extLst>
+                      </a:blip>
+                      <a:srcRect/>
+                      <a:stretch>
+                        <a:fillRect/>
+                      </a:stretch>
+                    </p:blipFill>
+                    <p:spPr bwMode="auto">
+                      <a:xfrm>
+                        <a:off x="1525588" y="1589"/>
+                        <a:ext cx="1587" cy="1587"/>
+                      </a:xfrm>
+                      <a:prstGeom prst="rect">
+                        <a:avLst/>
+                      </a:prstGeom>
+                      <a:noFill/>
+                      <a:extLst>
+                        <a:ext uri="{909E8E84-426E-40DD-AFC4-6F175D3DCCD1}">
+                          <a14:hiddenFill xmlns:a14="http://schemas.microsoft.com/office/drawing/2010/main">
+                            <a:solidFill>
+                              <a:srgbClr val="FFFFFF"/>
+                            </a:solidFill>
+                          </a14:hiddenFill>
+                        </a:ext>
+                      </a:extLst>
+                    </p:spPr>
+                  </p:pic>
+                </p:oleObj>
+              </mc:Fallback>
+            </mc:AlternateContent>
+          </a:graphicData>
+        </a:graphic>
+      </p:graphicFrame>
+      <p:grpSp>
+        <p:nvGrpSpPr>
+          <p:cNvPr id="6" name="Highlight"/>
+          <p:cNvGrpSpPr>
+            <a:grpSpLocks/>
+          </p:cNvGrpSpPr>
+          <p:nvPr/>
+        </p:nvGrpSpPr>
+        <p:grpSpPr bwMode="auto">
+          <a:xfrm>
+            <a:off x="330200" y="1801391"/>
+            <a:ext cx="11518900" cy="288776"/>
+            <a:chOff x="342" y="1063"/>
+            <a:chExt cx="4329" cy="276"/>
+          </a:xfrm>
+        </p:grpSpPr>
+        <p:sp>
+          <p:nvSpPr>
+            <p:cNvPr id="7" name="Rectangle 1042"/>
+            <p:cNvSpPr>
+              <a:spLocks noChangeArrowheads="1"/>
+            </p:cNvSpPr>
+            <p:nvPr/>
+          </p:nvSpPr>
+          <p:spPr bwMode="auto">
+            <a:xfrm>
+              <a:off x="342" y="1063"/>
+              <a:ext cx="3118" cy="276"/>
+            </a:xfrm>
+            <a:prstGeom prst="rect">
+              <a:avLst/>
+            </a:prstGeom>
+            <a:solidFill>
+              <a:srgbClr val="FFFF00"/>
+            </a:solidFill>
+            <a:ln w="7239">
+              <a:noFill/>
+              <a:miter lim="800000"/>
+              <a:headEnd/>
+              <a:tailEnd/>
+            </a:ln>
+          </p:spPr>
+          <p:txBody>
+            <a:bodyPr wrap="none" anchor="ctr"/>
+            <a:lstStyle/>
+            <a:p>
+              <a:pPr algn="r" eaLnBrk="0" hangingPunct="0"/>
+              <a:endParaRPr lang="de-DE" dirty="0"/>
+            </a:p>
+          </p:txBody>
+        </p:sp>
+        <p:sp>
+          <p:nvSpPr>
+            <p:cNvPr id="8" name="Rectangle 1043"/>
+            <p:cNvSpPr>
+              <a:spLocks noChangeArrowheads="1"/>
+            </p:cNvSpPr>
+            <p:nvPr/>
+          </p:nvSpPr>
+          <p:spPr bwMode="auto">
+            <a:xfrm>
+              <a:off x="3460" y="1063"/>
+              <a:ext cx="1211" cy="276"/>
+            </a:xfrm>
+            <a:prstGeom prst="rect">
+              <a:avLst/>
+            </a:prstGeom>
+            <a:gradFill flip="none" rotWithShape="1">
+              <a:gsLst>
+                <a:gs pos="0">
+                  <a:srgbClr val="FFFF00"/>
+                </a:gs>
+                <a:gs pos="100000">
+                  <a:srgbClr val="FFFFFF"/>
+                </a:gs>
+              </a:gsLst>
+              <a:lin ang="0" scaled="1"/>
+              <a:tileRect/>
+            </a:gradFill>
+            <a:ln w="7239">
+              <a:noFill/>
+              <a:miter lim="800000"/>
+              <a:headEnd/>
+              <a:tailEnd/>
+            </a:ln>
+          </p:spPr>
+          <p:txBody>
+            <a:bodyPr wrap="none" anchor="ctr"/>
+            <a:lstStyle/>
+            <a:p>
+              <a:pPr algn="r" eaLnBrk="0" hangingPunct="0"/>
+              <a:endParaRPr lang="de-DE" dirty="0"/>
+            </a:p>
+          </p:txBody>
+        </p:sp>
+      </p:grpSp>
+      <p:sp>
+        <p:nvSpPr>
+          <p:cNvPr id="4" name="Titel 3"/>
+          <p:cNvSpPr>
+            <a:spLocks noGrp="1"/>
+          </p:cNvSpPr>
+          <p:nvPr>
+            <p:ph type="title"/>
+          </p:nvPr>
+        </p:nvSpPr>
+        <p:spPr/>
+        <p:txBody>
+          <a:bodyPr/>
+          <a:lstStyle/>
+          <a:p>
+            <a:r>
+              <a:rPr lang="de-DE" dirty="0"/>
+              <a:t>Agenda</a:t>
+            </a:r>
+          </a:p>
+        </p:txBody>
+      </p:sp>
+      <p:sp>
+        <p:nvSpPr>
+          <p:cNvPr id="14" name="Inhaltsplatzhalter 13"/>
+          <p:cNvSpPr>
+            <a:spLocks noGrp="1"/>
+          </p:cNvSpPr>
+          <p:nvPr>
+            <p:ph idx="1"/>
+          </p:nvPr>
+        </p:nvSpPr>
+        <p:spPr/>
+        <p:txBody>
+          <a:bodyPr/>
+          <a:lstStyle/>
+          <a:p>
+            <a:r>
+              <a:rPr lang="de-DE" dirty="0" smtClean="0"/>
+              <a:t>Projektziele</a:t>
+            </a:r>
+          </a:p>
+          <a:p>
+            <a:r>
+              <a:rPr lang="de-DE" dirty="0" smtClean="0"/>
+              <a:t>Hardware</a:t>
+            </a:r>
+          </a:p>
+          <a:p>
+            <a:r>
+              <a:rPr lang="de-DE" dirty="0" smtClean="0"/>
+              <a:t>Software</a:t>
+            </a:r>
+          </a:p>
+          <a:p>
+            <a:r>
+              <a:rPr lang="de-DE" dirty="0" smtClean="0"/>
+              <a:t>Integration</a:t>
+            </a:r>
+          </a:p>
+          <a:p>
+            <a:r>
+              <a:rPr lang="de-DE" dirty="0" smtClean="0"/>
+              <a:t>Probleme</a:t>
+            </a:r>
+          </a:p>
+          <a:p>
+            <a:r>
+              <a:rPr lang="de-DE" dirty="0" smtClean="0"/>
+              <a:t>Projektergebnis</a:t>
+            </a:r>
+          </a:p>
+          <a:p>
+            <a:endParaRPr lang="de-DE" dirty="0"/>
+          </a:p>
+        </p:txBody>
+      </p:sp>
+    </p:spTree>
+    <p:extLst>
+      <p:ext uri="{BB962C8B-B14F-4D97-AF65-F5344CB8AC3E}">
+        <p14:creationId xmlns:p14="http://schemas.microsoft.com/office/powerpoint/2010/main" val="970093916"/>
+      </p:ext>
+    </p:extLst>
+  </p:cSld>
+  <p:clrMapOvr>
+    <a:masterClrMapping/>
+  </p:clrMapOvr>
+  <p:timing>
+    <p:tnLst>
+      <p:par>
+        <p:cTn id="1" dur="indefinite" restart="never" nodeType="tmRoot">
+          <p:childTnLst>
+            <p:seq concurrent="1" nextAc="seek">
+              <p:cTn id="2" dur="indefinite" nodeType="mainSeq">
+                <p:childTnLst>
+                  <p:par>
+                    <p:cTn id="3" fill="hold">
+                      <p:stCondLst>
+                        <p:cond delay="indefinite"/>
+                      </p:stCondLst>
+                      <p:childTnLst>
+                        <p:par>
+                          <p:cTn id="4" fill="hold">
+                            <p:stCondLst>
+                              <p:cond delay="0"/>
+                            </p:stCondLst>
+                            <p:childTnLst>
+                              <p:par>
+                                <p:cTn id="5" presetID="22" presetClass="entr" presetSubtype="8" fill="hold" nodeType="clickEffect">
+                                  <p:stCondLst>
+                                    <p:cond delay="0"/>
+                                  </p:stCondLst>
+                                  <p:childTnLst>
+                                    <p:set>
+                                      <p:cBhvr>
+                                        <p:cTn id="6" dur="1" fill="hold">
+                                          <p:stCondLst>
+                                            <p:cond delay="0"/>
+                                          </p:stCondLst>
+                                        </p:cTn>
+                                        <p:tgtEl>
+                                          <p:spTgt spid="6"/>
+                                        </p:tgtEl>
+                                        <p:attrNameLst>
+                                          <p:attrName>style.visibility</p:attrName>
+                                        </p:attrNameLst>
+                                      </p:cBhvr>
+                                      <p:to>
+                                        <p:strVal val="visible"/>
+                                      </p:to>
+                                    </p:set>
+                                    <p:animEffect transition="in" filter="wipe(left)">
+                                      <p:cBhvr>
+                                        <p:cTn id="7" dur="500"/>
+                                        <p:tgtEl>
+                                          <p:spTgt spid="6"/>
+                                        </p:tgtEl>
+                                      </p:cBhvr>
+                                    </p:animEffect>
+                                  </p:childTnLst>
+                                </p:cTn>
+                              </p:par>
+                            </p:childTnLst>
+                          </p:cTn>
+                        </p:par>
+                      </p:childTnLst>
+                    </p:cTn>
+                  </p:par>
+                </p:childTnLst>
+              </p:cTn>
+              <p:prevCondLst>
+                <p:cond evt="onPrev" delay="0">
+                  <p:tgtEl>
+                    <p:sldTgt/>
+                  </p:tgtEl>
+                </p:cond>
+              </p:prevCondLst>
+              <p:nextCondLst>
+                <p:cond evt="onNext" delay="0">
+                  <p:tgtEl>
+                    <p:sldTgt/>
+                  </p:tgtEl>
+                </p:cond>
+              </p:nextCondLst>
+            </p:seq>
+          </p:childTnLst>
+        </p:cTn>
+      </p:par>
+    </p:tnLst>
+  </p:timing>
 </p:sld>
 </file>
 
@@ -12016,9 +17607,179 @@
           <a:chExt cx="0" cy="0"/>
         </a:xfrm>
       </p:grpSpPr>
+      <p:graphicFrame>
+        <p:nvGraphicFramePr>
+          <p:cNvPr id="10" name="Objekt 9" hidden="1"/>
+          <p:cNvGraphicFramePr>
+            <a:graphicFrameLocks noChangeAspect="1"/>
+          </p:cNvGraphicFramePr>
+          <p:nvPr>
+            <p:custDataLst>
+              <p:tags r:id="rId2"/>
+            </p:custDataLst>
+          </p:nvPr>
+        </p:nvGraphicFramePr>
+        <p:xfrm>
+          <a:off x="1525588" y="1589"/>
+          <a:ext cx="1587" cy="1587"/>
+        </p:xfrm>
+        <a:graphic>
+          <a:graphicData uri="http://schemas.openxmlformats.org/presentationml/2006/ole">
+            <mc:AlternateContent xmlns:mc="http://schemas.openxmlformats.org/markup-compatibility/2006">
+              <mc:Choice xmlns:v="urn:schemas-microsoft-com:vml" Requires="v">
+                <p:oleObj spid="_x0000_s4100" name="think-cell Folie" r:id="rId4" imgW="360" imgH="360" progId="">
+                  <p:embed/>
+                </p:oleObj>
+              </mc:Choice>
+              <mc:Fallback>
+                <p:oleObj name="think-cell Folie" r:id="rId4" imgW="360" imgH="360" progId="">
+                  <p:embed/>
+                  <p:pic>
+                    <p:nvPicPr>
+                      <p:cNvPr id="10" name="Objekt 9" hidden="1"/>
+                      <p:cNvPicPr>
+                        <a:picLocks noChangeAspect="1" noChangeArrowheads="1"/>
+                      </p:cNvPicPr>
+                      <p:nvPr/>
+                    </p:nvPicPr>
+                    <p:blipFill>
+                      <a:blip r:embed="rId5">
+                        <a:extLst>
+                          <a:ext uri="{28A0092B-C50C-407E-A947-70E740481C1C}">
+                            <a14:useLocalDpi xmlns:a14="http://schemas.microsoft.com/office/drawing/2010/main" val="0"/>
+                          </a:ext>
+                        </a:extLst>
+                      </a:blip>
+                      <a:srcRect/>
+                      <a:stretch>
+                        <a:fillRect/>
+                      </a:stretch>
+                    </p:blipFill>
+                    <p:spPr bwMode="auto">
+                      <a:xfrm>
+                        <a:off x="1525588" y="1589"/>
+                        <a:ext cx="1587" cy="1587"/>
+                      </a:xfrm>
+                      <a:prstGeom prst="rect">
+                        <a:avLst/>
+                      </a:prstGeom>
+                      <a:noFill/>
+                      <a:extLst>
+                        <a:ext uri="{909E8E84-426E-40DD-AFC4-6F175D3DCCD1}">
+                          <a14:hiddenFill xmlns:a14="http://schemas.microsoft.com/office/drawing/2010/main">
+                            <a:solidFill>
+                              <a:srgbClr val="FFFFFF"/>
+                            </a:solidFill>
+                          </a14:hiddenFill>
+                        </a:ext>
+                      </a:extLst>
+                    </p:spPr>
+                  </p:pic>
+                </p:oleObj>
+              </mc:Fallback>
+            </mc:AlternateContent>
+          </a:graphicData>
+        </a:graphic>
+      </p:graphicFrame>
+      <p:grpSp>
+        <p:nvGrpSpPr>
+          <p:cNvPr id="6" name="Highlight"/>
+          <p:cNvGrpSpPr>
+            <a:grpSpLocks/>
+          </p:cNvGrpSpPr>
+          <p:nvPr/>
+        </p:nvGrpSpPr>
+        <p:grpSpPr bwMode="auto">
+          <a:xfrm>
+            <a:off x="330200" y="2151906"/>
+            <a:ext cx="11518900" cy="288776"/>
+            <a:chOff x="342" y="1063"/>
+            <a:chExt cx="4329" cy="276"/>
+          </a:xfrm>
+        </p:grpSpPr>
+        <p:sp>
+          <p:nvSpPr>
+            <p:cNvPr id="7" name="Rectangle 1042"/>
+            <p:cNvSpPr>
+              <a:spLocks noChangeArrowheads="1"/>
+            </p:cNvSpPr>
+            <p:nvPr/>
+          </p:nvSpPr>
+          <p:spPr bwMode="auto">
+            <a:xfrm>
+              <a:off x="342" y="1063"/>
+              <a:ext cx="3118" cy="276"/>
+            </a:xfrm>
+            <a:prstGeom prst="rect">
+              <a:avLst/>
+            </a:prstGeom>
+            <a:solidFill>
+              <a:srgbClr val="FFFF00"/>
+            </a:solidFill>
+            <a:ln w="7239">
+              <a:noFill/>
+              <a:miter lim="800000"/>
+              <a:headEnd/>
+              <a:tailEnd/>
+            </a:ln>
+          </p:spPr>
+          <p:txBody>
+            <a:bodyPr wrap="none" anchor="ctr"/>
+            <a:lstStyle/>
+            <a:p>
+              <a:pPr algn="r" eaLnBrk="0" hangingPunct="0"/>
+              <a:endParaRPr lang="de-DE" dirty="0"/>
+            </a:p>
+          </p:txBody>
+        </p:sp>
+        <p:sp>
+          <p:nvSpPr>
+            <p:cNvPr id="8" name="Rectangle 1043"/>
+            <p:cNvSpPr>
+              <a:spLocks noChangeArrowheads="1"/>
+            </p:cNvSpPr>
+            <p:nvPr/>
+          </p:nvSpPr>
+          <p:spPr bwMode="auto">
+            <a:xfrm>
+              <a:off x="3460" y="1063"/>
+              <a:ext cx="1211" cy="276"/>
+            </a:xfrm>
+            <a:prstGeom prst="rect">
+              <a:avLst/>
+            </a:prstGeom>
+            <a:gradFill flip="none" rotWithShape="1">
+              <a:gsLst>
+                <a:gs pos="0">
+                  <a:srgbClr val="FFFF00"/>
+                </a:gs>
+                <a:gs pos="100000">
+                  <a:srgbClr val="FFFFFF"/>
+                </a:gs>
+              </a:gsLst>
+              <a:lin ang="0" scaled="1"/>
+              <a:tileRect/>
+            </a:gradFill>
+            <a:ln w="7239">
+              <a:noFill/>
+              <a:miter lim="800000"/>
+              <a:headEnd/>
+              <a:tailEnd/>
+            </a:ln>
+          </p:spPr>
+          <p:txBody>
+            <a:bodyPr wrap="none" anchor="ctr"/>
+            <a:lstStyle/>
+            <a:p>
+              <a:pPr algn="r" eaLnBrk="0" hangingPunct="0"/>
+              <a:endParaRPr lang="de-DE" dirty="0"/>
+            </a:p>
+          </p:txBody>
+        </p:sp>
+      </p:grpSp>
       <p:sp>
         <p:nvSpPr>
-          <p:cNvPr id="2" name="Titel 1"/>
+          <p:cNvPr id="4" name="Titel 3"/>
           <p:cNvSpPr>
             <a:spLocks noGrp="1"/>
           </p:cNvSpPr>
@@ -12032,288 +17793,71 @@
           <a:lstStyle/>
           <a:p>
             <a:r>
-              <a:rPr lang="de-DE" dirty="0" smtClean="0"/>
-              <a:t>Software</a:t>
-            </a:r>
-            <a:endParaRPr lang="de-DE" dirty="0"/>
+              <a:rPr lang="de-DE" dirty="0"/>
+              <a:t>Agenda</a:t>
+            </a:r>
           </a:p>
         </p:txBody>
       </p:sp>
       <p:sp>
         <p:nvSpPr>
-          <p:cNvPr id="3" name="Inhaltsplatzhalter 2"/>
+          <p:cNvPr id="14" name="Inhaltsplatzhalter 13"/>
           <p:cNvSpPr>
             <a:spLocks noGrp="1"/>
           </p:cNvSpPr>
           <p:nvPr>
-            <p:ph sz="half" idx="1"/>
+            <p:ph idx="1"/>
           </p:nvPr>
         </p:nvSpPr>
         <p:spPr/>
         <p:txBody>
-          <a:bodyPr>
-            <a:normAutofit lnSpcReduction="10000"/>
-          </a:bodyPr>
+          <a:bodyPr/>
           <a:lstStyle/>
           <a:p>
             <a:r>
               <a:rPr lang="de-DE" dirty="0" smtClean="0"/>
-              <a:t>Kern 1:</a:t>
-            </a:r>
-          </a:p>
-          <a:p>
-            <a:pPr lvl="1"/>
-            <a:r>
-              <a:rPr lang="de-DE" dirty="0" err="1" smtClean="0"/>
-              <a:t>Inverterlogik</a:t>
-            </a:r>
+              <a:t>Projektziele</a:t>
+            </a:r>
+          </a:p>
+          <a:p>
             <a:r>
               <a:rPr lang="de-DE" dirty="0" smtClean="0"/>
-              <a:t>:</a:t>
-            </a:r>
-          </a:p>
-          <a:p>
-            <a:pPr lvl="2"/>
+              <a:t>Hardware</a:t>
+            </a:r>
+          </a:p>
+          <a:p>
             <a:r>
               <a:rPr lang="de-DE" dirty="0" smtClean="0"/>
-              <a:t>Motor Regelungsmodell</a:t>
-            </a:r>
-          </a:p>
-          <a:p>
-            <a:pPr lvl="3"/>
+              <a:t>Software</a:t>
+            </a:r>
+          </a:p>
+          <a:p>
             <a:r>
               <a:rPr lang="de-DE" dirty="0" smtClean="0"/>
-              <a:t>Aus Simulink generiert</a:t>
-            </a:r>
-          </a:p>
-          <a:p>
-            <a:pPr lvl="3"/>
+              <a:t>Integration</a:t>
+            </a:r>
+          </a:p>
+          <a:p>
             <a:r>
               <a:rPr lang="de-DE" dirty="0" smtClean="0"/>
-              <a:t>Feldorientierte Regelung</a:t>
-            </a:r>
-          </a:p>
-          <a:p>
-            <a:pPr lvl="3"/>
+              <a:t>Probleme</a:t>
+            </a:r>
+          </a:p>
+          <a:p>
             <a:r>
               <a:rPr lang="de-DE" dirty="0" smtClean="0"/>
-              <a:t>Ausführungsfrequenz 20 kHz</a:t>
-            </a:r>
-          </a:p>
-          <a:p>
-            <a:pPr lvl="2"/>
-            <a:r>
-              <a:rPr lang="de-DE" dirty="0" smtClean="0"/>
-              <a:t>Konfiguration und Update des PWM Moduls</a:t>
-            </a:r>
-          </a:p>
-          <a:p>
-            <a:pPr lvl="2"/>
-            <a:r>
-              <a:rPr lang="de-DE" dirty="0" smtClean="0"/>
-              <a:t>Auslesen von Strom und Positionssensoren für den Motor</a:t>
-            </a:r>
-          </a:p>
-          <a:p>
-            <a:pPr lvl="2"/>
-            <a:r>
-              <a:rPr lang="de-DE" dirty="0" err="1" smtClean="0"/>
-              <a:t>Aufstartlogik</a:t>
-            </a:r>
-            <a:r>
-              <a:rPr lang="de-DE" dirty="0" smtClean="0"/>
-              <a:t> für Inverter:</a:t>
-            </a:r>
-          </a:p>
-          <a:p>
-            <a:pPr lvl="3"/>
-            <a:r>
-              <a:rPr lang="de-DE" dirty="0" smtClean="0"/>
-              <a:t>Initialisierung vom Gate Treiber, PWM Modul, ADC.</a:t>
-            </a:r>
-          </a:p>
-          <a:p>
-            <a:pPr lvl="3"/>
-            <a:r>
-              <a:rPr lang="de-DE" dirty="0" smtClean="0"/>
-              <a:t>Z-Puls Suche beim Inverter</a:t>
-            </a:r>
-          </a:p>
-          <a:p>
-            <a:pPr lvl="3"/>
-            <a:r>
-              <a:rPr lang="de-DE" dirty="0" err="1" smtClean="0"/>
-              <a:t>Absolutpositionsbestimmung</a:t>
-            </a:r>
-            <a:r>
-              <a:rPr lang="de-DE" dirty="0" smtClean="0"/>
-              <a:t> mit </a:t>
-            </a:r>
-            <a:r>
-              <a:rPr lang="de-DE" dirty="0" err="1" smtClean="0"/>
-              <a:t>Absolutwinkelsensor</a:t>
-            </a:r>
-            <a:endParaRPr lang="de-DE" dirty="0" smtClean="0"/>
-          </a:p>
-        </p:txBody>
-      </p:sp>
-      <p:sp>
-        <p:nvSpPr>
-          <p:cNvPr id="4" name="Inhaltsplatzhalter 3"/>
-          <p:cNvSpPr>
-            <a:spLocks noGrp="1"/>
-          </p:cNvSpPr>
-          <p:nvPr>
-            <p:ph sz="half" idx="2"/>
-          </p:nvPr>
-        </p:nvSpPr>
-        <p:spPr/>
-        <p:txBody>
-          <a:bodyPr>
-            <a:normAutofit lnSpcReduction="10000"/>
-          </a:bodyPr>
-          <a:lstStyle/>
-          <a:p>
-            <a:r>
-              <a:rPr lang="de-DE" dirty="0" smtClean="0"/>
-              <a:t>Kern 2: </a:t>
-            </a:r>
-          </a:p>
-          <a:p>
-            <a:pPr lvl="1"/>
-            <a:r>
-              <a:rPr lang="de-DE" dirty="0" smtClean="0"/>
-              <a:t>Gerätelogik:</a:t>
-            </a:r>
-          </a:p>
-          <a:p>
-            <a:pPr lvl="2"/>
-            <a:r>
-              <a:rPr lang="de-DE" dirty="0" err="1" smtClean="0"/>
-              <a:t>Aufstartlogik</a:t>
-            </a:r>
-            <a:r>
-              <a:rPr lang="de-DE" dirty="0" smtClean="0"/>
-              <a:t> für das Steuergerät</a:t>
-            </a:r>
-          </a:p>
-          <a:p>
-            <a:pPr lvl="2"/>
-            <a:r>
-              <a:rPr lang="de-DE" dirty="0" smtClean="0"/>
-              <a:t>Kommunikation (CAN)</a:t>
-            </a:r>
-          </a:p>
-          <a:p>
-            <a:pPr lvl="2"/>
-            <a:r>
-              <a:rPr lang="de-DE" dirty="0" smtClean="0"/>
-              <a:t>Lenkmodell ausführen</a:t>
-            </a:r>
-          </a:p>
-          <a:p>
-            <a:pPr lvl="2"/>
-            <a:r>
-              <a:rPr lang="de-DE" dirty="0" smtClean="0"/>
-              <a:t>Nicht Motorregelung relevante Sensoren auslesen (z.B. Drehmomentsensor)</a:t>
-            </a:r>
-          </a:p>
-          <a:p>
-            <a:pPr lvl="2"/>
+              <a:t>Projektergebnis</a:t>
+            </a:r>
+          </a:p>
+          <a:p>
             <a:endParaRPr lang="de-DE" dirty="0"/>
-          </a:p>
-          <a:p>
-            <a:pPr lvl="1"/>
-            <a:r>
-              <a:rPr lang="de-DE" dirty="0" smtClean="0"/>
-              <a:t>Kern 3:</a:t>
-            </a:r>
-          </a:p>
-          <a:p>
-            <a:pPr lvl="2"/>
-            <a:r>
-              <a:rPr lang="de-DE" dirty="0" err="1" smtClean="0"/>
-              <a:t>Safety</a:t>
-            </a:r>
-            <a:r>
-              <a:rPr lang="de-DE" dirty="0" smtClean="0"/>
-              <a:t> Dienste </a:t>
-            </a:r>
-          </a:p>
-          <a:p>
-            <a:pPr lvl="2"/>
-            <a:r>
-              <a:rPr lang="de-DE" dirty="0" smtClean="0"/>
-              <a:t>Kommunikation zwischen beide </a:t>
-            </a:r>
-            <a:r>
-              <a:rPr lang="de-DE" dirty="0" err="1" smtClean="0"/>
-              <a:t>Logic</a:t>
-            </a:r>
-            <a:r>
-              <a:rPr lang="de-DE" dirty="0" smtClean="0"/>
-              <a:t> Platinen (HSSL) mit 20 kHz</a:t>
-            </a:r>
-          </a:p>
-          <a:p>
-            <a:pPr lvl="2"/>
-            <a:endParaRPr lang="de-DE" dirty="0"/>
-          </a:p>
-        </p:txBody>
-      </p:sp>
-      <p:sp>
-        <p:nvSpPr>
-          <p:cNvPr id="5" name="Titel 1"/>
-          <p:cNvSpPr txBox="1">
-            <a:spLocks/>
-          </p:cNvSpPr>
-          <p:nvPr/>
-        </p:nvSpPr>
-        <p:spPr>
-          <a:xfrm>
-            <a:off x="551384" y="549824"/>
-            <a:ext cx="8784000" cy="576000"/>
-          </a:xfrm>
-          <a:prstGeom prst="rect">
-            <a:avLst/>
-          </a:prstGeom>
-        </p:spPr>
-        <p:txBody>
-          <a:bodyPr vert="horz" lIns="0" tIns="0" rIns="0" bIns="0" rtlCol="0" anchor="b" anchorCtr="0">
-            <a:noAutofit/>
-          </a:bodyPr>
-          <a:lstStyle>
-            <a:lvl1pPr algn="l" defTabSz="914400" rtl="0" eaLnBrk="1" latinLnBrk="0" hangingPunct="1">
-              <a:lnSpc>
-                <a:spcPts val="2500"/>
-              </a:lnSpc>
-              <a:spcBef>
-                <a:spcPct val="0"/>
-              </a:spcBef>
-              <a:buNone/>
-              <a:defRPr sz="2200" b="1" kern="1200">
-                <a:solidFill>
-                  <a:schemeClr val="tx1"/>
-                </a:solidFill>
-                <a:latin typeface="Arial" pitchFamily="34" charset="0"/>
-                <a:ea typeface="+mj-ea"/>
-                <a:cs typeface="Arial" pitchFamily="34" charset="0"/>
-              </a:defRPr>
-            </a:lvl1pPr>
-          </a:lstStyle>
-          <a:p>
-            <a:r>
-              <a:rPr lang="de-DE" sz="1800" dirty="0" smtClean="0"/>
-              <a:t>Prozessaufteilung:</a:t>
-            </a:r>
-            <a:endParaRPr lang="de-DE" sz="1800" dirty="0"/>
           </a:p>
         </p:txBody>
       </p:sp>
     </p:spTree>
     <p:extLst>
       <p:ext uri="{BB962C8B-B14F-4D97-AF65-F5344CB8AC3E}">
-        <p14:creationId xmlns:p14="http://schemas.microsoft.com/office/powerpoint/2010/main" val="1262935667"/>
+        <p14:creationId xmlns:p14="http://schemas.microsoft.com/office/powerpoint/2010/main" val="908609210"/>
       </p:ext>
     </p:extLst>
   </p:cSld>
@@ -12323,7 +17867,83 @@
   <p:timing>
     <p:tnLst>
       <p:par>
-        <p:cTn id="1" dur="indefinite" restart="never" nodeType="tmRoot"/>
+        <p:cTn id="1" dur="indefinite" restart="never" nodeType="tmRoot">
+          <p:childTnLst>
+            <p:seq concurrent="1" nextAc="seek">
+              <p:cTn id="2" dur="indefinite" nodeType="mainSeq">
+                <p:childTnLst>
+                  <p:par>
+                    <p:cTn id="3" fill="hold">
+                      <p:stCondLst>
+                        <p:cond delay="indefinite"/>
+                      </p:stCondLst>
+                      <p:childTnLst>
+                        <p:par>
+                          <p:cTn id="4" fill="hold">
+                            <p:stCondLst>
+                              <p:cond delay="0"/>
+                            </p:stCondLst>
+                            <p:childTnLst>
+                              <p:par>
+                                <p:cTn id="5" presetID="22" presetClass="entr" presetSubtype="8" fill="hold" nodeType="clickEffect">
+                                  <p:stCondLst>
+                                    <p:cond delay="0"/>
+                                  </p:stCondLst>
+                                  <p:childTnLst>
+                                    <p:set>
+                                      <p:cBhvr>
+                                        <p:cTn id="6" dur="1" fill="hold">
+                                          <p:stCondLst>
+                                            <p:cond delay="0"/>
+                                          </p:stCondLst>
+                                        </p:cTn>
+                                        <p:tgtEl>
+                                          <p:spTgt spid="6"/>
+                                        </p:tgtEl>
+                                        <p:attrNameLst>
+                                          <p:attrName>style.visibility</p:attrName>
+                                        </p:attrNameLst>
+                                      </p:cBhvr>
+                                      <p:to>
+                                        <p:strVal val="visible"/>
+                                      </p:to>
+                                    </p:set>
+                                    <p:animEffect transition="in" filter="wipe(left)">
+                                      <p:cBhvr>
+                                        <p:cTn id="7" dur="500"/>
+                                        <p:tgtEl>
+                                          <p:spTgt spid="6"/>
+                                        </p:tgtEl>
+                                      </p:cBhvr>
+                                    </p:animEffect>
+                                  </p:childTnLst>
+                                </p:cTn>
+                              </p:par>
+                            </p:childTnLst>
+                          </p:cTn>
+                        </p:par>
+                      </p:childTnLst>
+                    </p:cTn>
+                  </p:par>
+                </p:childTnLst>
+              </p:cTn>
+              <p:prevCondLst>
+                <p:cond evt="onPrev" delay="0">
+                  <p:tgtEl>
+                    <p:sldTgt/>
+                  </p:tgtEl>
+                </p:cond>
+              </p:prevCondLst>
+              <p:nextCondLst>
+                <p:cond evt="onNext" delay="0">
+                  <p:tgtEl>
+                    <p:sldTgt/>
+                  </p:tgtEl>
+                </p:cond>
+              </p:nextCondLst>
+            </p:seq>
+          </p:childTnLst>
+        </p:cTn>
       </p:par>
     </p:tnLst>
   </p:timing>
@@ -12343,6 +17963,36 @@
 </file>
 
 <file path=ppt/tags/tag3.xml><?xml version="1.0" encoding="utf-8"?>
+<p:tagLst xmlns:a="http://schemas.openxmlformats.org/drawingml/2006/main" xmlns:r="http://schemas.openxmlformats.org/officeDocument/2006/relationships" xmlns:p="http://schemas.openxmlformats.org/presentationml/2006/main">
+  <p:tag name="THINKCELLSHAPEDONOTDELETE" val="thinkcellActiveDocDoNotDelete"/>
+</p:tagLst>
+</file>
+
+<file path=ppt/tags/tag4.xml><?xml version="1.0" encoding="utf-8"?>
+<p:tagLst xmlns:a="http://schemas.openxmlformats.org/drawingml/2006/main" xmlns:r="http://schemas.openxmlformats.org/officeDocument/2006/relationships" xmlns:p="http://schemas.openxmlformats.org/presentationml/2006/main">
+  <p:tag name="THINKCELLSHAPEDONOTDELETE" val="thinkcellActiveDocDoNotDelete"/>
+</p:tagLst>
+</file>
+
+<file path=ppt/tags/tag5.xml><?xml version="1.0" encoding="utf-8"?>
+<p:tagLst xmlns:a="http://schemas.openxmlformats.org/drawingml/2006/main" xmlns:r="http://schemas.openxmlformats.org/officeDocument/2006/relationships" xmlns:p="http://schemas.openxmlformats.org/presentationml/2006/main">
+  <p:tag name="THINKCELLSHAPEDONOTDELETE" val="thinkcellActiveDocDoNotDelete"/>
+</p:tagLst>
+</file>
+
+<file path=ppt/tags/tag6.xml><?xml version="1.0" encoding="utf-8"?>
+<p:tagLst xmlns:a="http://schemas.openxmlformats.org/drawingml/2006/main" xmlns:r="http://schemas.openxmlformats.org/officeDocument/2006/relationships" xmlns:p="http://schemas.openxmlformats.org/presentationml/2006/main">
+  <p:tag name="THINKCELLSHAPEDONOTDELETE" val="thinkcellActiveDocDoNotDelete"/>
+</p:tagLst>
+</file>
+
+<file path=ppt/tags/tag7.xml><?xml version="1.0" encoding="utf-8"?>
+<p:tagLst xmlns:a="http://schemas.openxmlformats.org/drawingml/2006/main" xmlns:r="http://schemas.openxmlformats.org/officeDocument/2006/relationships" xmlns:p="http://schemas.openxmlformats.org/presentationml/2006/main">
+  <p:tag name="THINKCELLSHAPEDONOTDELETE" val="thinkcellActiveDocDoNotDelete"/>
+</p:tagLst>
+</file>
+
+<file path=ppt/tags/tag8.xml><?xml version="1.0" encoding="utf-8"?>
 <p:tagLst xmlns:a="http://schemas.openxmlformats.org/drawingml/2006/main" xmlns:r="http://schemas.openxmlformats.org/officeDocument/2006/relationships" xmlns:p="http://schemas.openxmlformats.org/presentationml/2006/main">
   <p:tag name="THINKCELLSHAPEDONOTDELETE" val="thinkcellActiveDocDoNotDelete"/>
 </p:tagLst>
@@ -12605,6 +18255,33 @@
         </a:fontRef>
       </a:style>
     </a:spDef>
+    <a:lnDef>
+      <a:spPr>
+        <a:ln w="28575">
+          <a:solidFill>
+            <a:schemeClr val="accent3"/>
+          </a:solidFill>
+          <a:prstDash val="dash"/>
+          <a:tailEnd type="triangle"/>
+        </a:ln>
+      </a:spPr>
+      <a:bodyPr/>
+      <a:lstStyle/>
+      <a:style>
+        <a:lnRef idx="1">
+          <a:schemeClr val="accent1"/>
+        </a:lnRef>
+        <a:fillRef idx="0">
+          <a:schemeClr val="accent1"/>
+        </a:fillRef>
+        <a:effectRef idx="0">
+          <a:schemeClr val="accent1"/>
+        </a:effectRef>
+        <a:fontRef idx="minor">
+          <a:schemeClr val="tx1"/>
+        </a:fontRef>
+      </a:style>
+    </a:lnDef>
   </a:objectDefaults>
   <a:extraClrSchemeLst/>
   <a:extLst>
